--- a/38_Context1.pptx
+++ b/38_Context1.pptx
@@ -5,17 +5,20 @@
     <p:sldMasterId id="2147483648" r:id="rId1"/>
   </p:sldMasterIdLst>
   <p:notesMasterIdLst>
-    <p:notesMasterId r:id="rId10"/>
+    <p:notesMasterId r:id="rId13"/>
   </p:notesMasterIdLst>
   <p:sldIdLst>
     <p:sldId id="256" r:id="rId2"/>
-    <p:sldId id="263" r:id="rId3"/>
-    <p:sldId id="268" r:id="rId4"/>
-    <p:sldId id="269" r:id="rId5"/>
-    <p:sldId id="270" r:id="rId6"/>
-    <p:sldId id="271" r:id="rId7"/>
-    <p:sldId id="272" r:id="rId8"/>
-    <p:sldId id="259" r:id="rId9"/>
+    <p:sldId id="273" r:id="rId3"/>
+    <p:sldId id="263" r:id="rId4"/>
+    <p:sldId id="268" r:id="rId5"/>
+    <p:sldId id="269" r:id="rId6"/>
+    <p:sldId id="270" r:id="rId7"/>
+    <p:sldId id="271" r:id="rId8"/>
+    <p:sldId id="274" r:id="rId9"/>
+    <p:sldId id="275" r:id="rId10"/>
+    <p:sldId id="272" r:id="rId11"/>
+    <p:sldId id="259" r:id="rId12"/>
   </p:sldIdLst>
   <p:sldSz cx="9144000" cy="6858000" type="screen4x3"/>
   <p:notesSz cx="6858000" cy="9144000"/>
@@ -216,7 +219,7 @@
             <a:fld id="{6837EDA8-41C8-4B24-A206-13C08A65A6D7}" type="datetimeFigureOut">
               <a:rPr lang="zh-TW" altLang="en-US" smtClean="0"/>
               <a:pPr/>
-              <a:t>2020/4/7</a:t>
+              <a:t>2020/5/25</a:t>
             </a:fld>
             <a:endParaRPr lang="zh-TW" altLang="en-US"/>
           </a:p>
@@ -669,7 +672,7 @@
             <a:fld id="{8B85509C-BD4F-47BF-9B1E-FC2E949B3621}" type="datetime1">
               <a:rPr lang="zh-TW" altLang="en-US" smtClean="0"/>
               <a:pPr/>
-              <a:t>2020/4/7</a:t>
+              <a:t>2020/5/25</a:t>
             </a:fld>
             <a:endParaRPr lang="zh-TW" altLang="en-US"/>
           </a:p>
@@ -842,7 +845,7 @@
             <a:fld id="{42251B24-F787-4C15-8A0F-7AEC20C70069}" type="datetime1">
               <a:rPr lang="zh-TW" altLang="en-US" smtClean="0"/>
               <a:pPr/>
-              <a:t>2020/4/7</a:t>
+              <a:t>2020/5/25</a:t>
             </a:fld>
             <a:endParaRPr lang="zh-TW" altLang="en-US"/>
           </a:p>
@@ -1017,7 +1020,7 @@
             <a:fld id="{9CA0D33C-CE2B-45F1-B8D4-FFD1F131F331}" type="datetime1">
               <a:rPr lang="zh-TW" altLang="en-US" smtClean="0"/>
               <a:pPr/>
-              <a:t>2020/4/7</a:t>
+              <a:t>2020/5/25</a:t>
             </a:fld>
             <a:endParaRPr lang="zh-TW" altLang="en-US"/>
           </a:p>
@@ -1182,7 +1185,7 @@
             <a:fld id="{50B99440-D9EF-40CC-9B52-F6428D9B2C76}" type="datetime1">
               <a:rPr lang="zh-TW" altLang="en-US" smtClean="0"/>
               <a:pPr/>
-              <a:t>2020/4/7</a:t>
+              <a:t>2020/5/25</a:t>
             </a:fld>
             <a:endParaRPr lang="zh-TW" altLang="en-US"/>
           </a:p>
@@ -1424,7 +1427,7 @@
             <a:fld id="{0871BF52-5C6C-4959-8E27-CECB68D39FE4}" type="datetime1">
               <a:rPr lang="zh-TW" altLang="en-US" smtClean="0"/>
               <a:pPr/>
-              <a:t>2020/4/7</a:t>
+              <a:t>2020/5/25</a:t>
             </a:fld>
             <a:endParaRPr lang="zh-TW" altLang="en-US"/>
           </a:p>
@@ -1706,7 +1709,7 @@
             <a:fld id="{DF863F05-2DD9-4EB1-A827-12FD992DE9DC}" type="datetime1">
               <a:rPr lang="zh-TW" altLang="en-US" smtClean="0"/>
               <a:pPr/>
-              <a:t>2020/4/7</a:t>
+              <a:t>2020/5/25</a:t>
             </a:fld>
             <a:endParaRPr lang="zh-TW" altLang="en-US"/>
           </a:p>
@@ -2122,7 +2125,7 @@
             <a:fld id="{6339AF51-4491-4873-A096-75DB6CE47516}" type="datetime1">
               <a:rPr lang="zh-TW" altLang="en-US" smtClean="0"/>
               <a:pPr/>
-              <a:t>2020/4/7</a:t>
+              <a:t>2020/5/25</a:t>
             </a:fld>
             <a:endParaRPr lang="zh-TW" altLang="en-US"/>
           </a:p>
@@ -2236,7 +2239,7 @@
             <a:fld id="{EE4AD9C8-8B9E-40FF-ABE2-858AC2057BBB}" type="datetime1">
               <a:rPr lang="zh-TW" altLang="en-US" smtClean="0"/>
               <a:pPr/>
-              <a:t>2020/4/7</a:t>
+              <a:t>2020/5/25</a:t>
             </a:fld>
             <a:endParaRPr lang="zh-TW" altLang="en-US"/>
           </a:p>
@@ -2328,7 +2331,7 @@
             <a:fld id="{B4784999-BBBE-4BE4-A8D0-877E7D1D66CC}" type="datetime1">
               <a:rPr lang="zh-TW" altLang="en-US" smtClean="0"/>
               <a:pPr/>
-              <a:t>2020/4/7</a:t>
+              <a:t>2020/5/25</a:t>
             </a:fld>
             <a:endParaRPr lang="zh-TW" altLang="en-US"/>
           </a:p>
@@ -2600,7 +2603,7 @@
             <a:fld id="{E88D17E6-02BD-4944-B9FE-7BFCCBF83D48}" type="datetime1">
               <a:rPr lang="zh-TW" altLang="en-US" smtClean="0"/>
               <a:pPr/>
-              <a:t>2020/4/7</a:t>
+              <a:t>2020/5/25</a:t>
             </a:fld>
             <a:endParaRPr lang="zh-TW" altLang="en-US"/>
           </a:p>
@@ -2849,7 +2852,7 @@
             <a:fld id="{3C13E23D-1FEF-4D78-A3A3-3D6F2BB31954}" type="datetime1">
               <a:rPr lang="zh-TW" altLang="en-US" smtClean="0"/>
               <a:pPr/>
-              <a:t>2020/4/7</a:t>
+              <a:t>2020/5/25</a:t>
             </a:fld>
             <a:endParaRPr lang="zh-TW" altLang="en-US"/>
           </a:p>
@@ -3057,7 +3060,7 @@
             <a:fld id="{06197F35-AD6F-4594-8B50-334492D2E7E8}" type="datetime1">
               <a:rPr lang="zh-TW" altLang="en-US" smtClean="0"/>
               <a:pPr/>
-              <a:t>2020/4/7</a:t>
+              <a:t>2020/5/25</a:t>
             </a:fld>
             <a:endParaRPr lang="zh-TW" altLang="en-US"/>
           </a:p>
@@ -3518,7 +3521,7 @@
             <a:fld id="{C389EDC9-19E3-47AC-9C57-C6A24DEA81AD}" type="datetime1">
               <a:rPr lang="zh-TW" altLang="en-US" smtClean="0"/>
               <a:pPr/>
-              <a:t>2020/4/7</a:t>
+              <a:t>2020/5/25</a:t>
             </a:fld>
             <a:endParaRPr lang="zh-TW" altLang="en-US"/>
           </a:p>
@@ -3588,7 +3591,7 @@
 </p:sld>
 </file>
 
-<file path=ppt/slides/slide2.xml><?xml version="1.0" encoding="utf-8"?>
+<file path=ppt/slides/slide10.xml><?xml version="1.0" encoding="utf-8"?>
 <p:sld xmlns:a="http://schemas.openxmlformats.org/drawingml/2006/main" xmlns:r="http://schemas.openxmlformats.org/officeDocument/2006/relationships" xmlns:p="http://schemas.openxmlformats.org/presentationml/2006/main">
   <p:cSld>
     <p:spTree>
@@ -3682,8 +3685,8 @@
         </p:nvSpPr>
         <p:spPr>
           <a:xfrm>
-            <a:off x="467544" y="1340766"/>
-            <a:ext cx="8352928" cy="1656186"/>
+            <a:off x="467544" y="1340767"/>
+            <a:ext cx="8352928" cy="1584177"/>
           </a:xfrm>
           <a:ln>
             <a:solidFill>
@@ -3727,11 +3730,11 @@
             <a:r>
               <a:rPr lang="en-US" altLang="zh-TW" sz="1800" b="1" dirty="0">
                 <a:solidFill>
-                  <a:schemeClr val="tx1"/>
+                  <a:srgbClr val="C00000"/>
                 </a:solidFill>
                 <a:latin typeface="+mj-lt"/>
               </a:rPr>
-              <a:t>Context (con: together, texture: weave) means connection together.</a:t>
+              <a:t>Context provides a way to pass data through the component tree without having to pass props down manually at every level.</a:t>
             </a:r>
           </a:p>
           <a:p>
@@ -3744,13 +3747,13 @@
               <a:buChar char="u"/>
             </a:pPr>
             <a:r>
-              <a:rPr lang="en-US" altLang="zh-TW" sz="1800" b="1" dirty="0">
+              <a:rPr lang="en-US" altLang="zh-TW" sz="1800" dirty="0">
                 <a:solidFill>
                   <a:schemeClr val="tx1"/>
                 </a:solidFill>
                 <a:latin typeface="+mj-lt"/>
               </a:rPr>
-              <a:t>Consider a React Application has a lot of components. </a:t>
+              <a:t>We now know why context is needed.</a:t>
             </a:r>
           </a:p>
           <a:p>
@@ -3763,70 +3766,13 @@
               <a:buChar char="u"/>
             </a:pPr>
             <a:r>
-              <a:rPr lang="en-US" altLang="zh-TW" sz="1800" b="1" dirty="0">
+              <a:rPr lang="en-US" altLang="zh-TW" sz="1800" dirty="0">
                 <a:solidFill>
                   <a:schemeClr val="tx1"/>
                 </a:solidFill>
                 <a:latin typeface="+mj-lt"/>
               </a:rPr>
-              <a:t>We have </a:t>
-            </a:r>
-            <a:r>
-              <a:rPr lang="en-US" altLang="zh-TW" sz="1800" b="1" dirty="0" err="1">
-                <a:solidFill>
-                  <a:schemeClr val="tx1"/>
-                </a:solidFill>
-                <a:latin typeface="+mj-lt"/>
-              </a:rPr>
-              <a:t>AppComponent</a:t>
-            </a:r>
-            <a:r>
-              <a:rPr lang="en-US" altLang="zh-TW" sz="1800" b="1" dirty="0">
-                <a:solidFill>
-                  <a:schemeClr val="tx1"/>
-                </a:solidFill>
-                <a:latin typeface="+mj-lt"/>
-              </a:rPr>
-              <a:t> as the root component</a:t>
-            </a:r>
-            <a:endParaRPr lang="en-US" altLang="zh-TW" sz="1800" b="1" dirty="0">
-              <a:solidFill>
-                <a:schemeClr val="tx1"/>
-              </a:solidFill>
-            </a:endParaRPr>
-          </a:p>
-          <a:p>
-            <a:pPr marL="342900" indent="-342900" algn="l">
-              <a:buClr>
-                <a:srgbClr val="0070C0"/>
-              </a:buClr>
-              <a:buSzPct val="80000"/>
-              <a:buFont typeface="Wingdings" pitchFamily="2" charset="2"/>
-              <a:buChar char="u"/>
-            </a:pPr>
-            <a:r>
-              <a:rPr lang="en-US" altLang="zh-TW" sz="1800" b="1" dirty="0">
-                <a:solidFill>
-                  <a:schemeClr val="tx1"/>
-                </a:solidFill>
-              </a:rPr>
-              <a:t>Within the </a:t>
-            </a:r>
-            <a:r>
-              <a:rPr lang="en-US" altLang="zh-TW" sz="1800" b="1" dirty="0" err="1">
-                <a:solidFill>
-                  <a:schemeClr val="tx1"/>
-                </a:solidFill>
-              </a:rPr>
-              <a:t>AppComponent</a:t>
-            </a:r>
-            <a:r>
-              <a:rPr lang="en-US" altLang="zh-TW" sz="1800" b="1" dirty="0">
-                <a:solidFill>
-                  <a:schemeClr val="tx1"/>
-                </a:solidFill>
-              </a:rPr>
-              <a:t> at different level are several other components.</a:t>
+              <a:t>We will discuss how to use the context API.  </a:t>
             </a:r>
           </a:p>
         </p:txBody>
@@ -3913,7 +3859,7 @@
             <a:fld id="{A4F910E6-8D00-4BAF-8C48-9688E0B449D3}" type="datetime1">
               <a:rPr lang="zh-TW" altLang="en-US" smtClean="0"/>
               <a:pPr/>
-              <a:t>2020/4/7</a:t>
+              <a:t>2020/5/25</a:t>
             </a:fld>
             <a:endParaRPr lang="zh-TW" altLang="en-US"/>
           </a:p>
@@ -3942,631 +3888,154 @@
             <a:fld id="{E4D7E63D-91F2-4366-A2C4-1B00C9E2590E}" type="slidenum">
               <a:rPr lang="zh-TW" altLang="en-US" smtClean="0"/>
               <a:pPr/>
-              <a:t>2</a:t>
+              <a:t>10</a:t>
             </a:fld>
             <a:endParaRPr lang="zh-TW" altLang="en-US"/>
           </a:p>
         </p:txBody>
       </p:sp>
-      <p:sp>
-        <p:nvSpPr>
-          <p:cNvPr id="7" name="Rectangle 6">
-            <a:extLst>
-              <a:ext uri="{FF2B5EF4-FFF2-40B4-BE49-F238E27FC236}">
-                <a16:creationId xmlns:a16="http://schemas.microsoft.com/office/drawing/2014/main" id="{3B7F3B87-61C9-4D4F-845A-18B53CDDA0B4}"/>
-              </a:ext>
-            </a:extLst>
-          </p:cNvPr>
-          <p:cNvSpPr/>
-          <p:nvPr/>
-        </p:nvSpPr>
-        <p:spPr>
-          <a:xfrm>
-            <a:off x="3419872" y="3190834"/>
-            <a:ext cx="1656184" cy="432048"/>
-          </a:xfrm>
-          <a:prstGeom prst="rect">
-            <a:avLst/>
-          </a:prstGeom>
-          <a:solidFill>
-            <a:schemeClr val="accent2">
-              <a:lumMod val="75000"/>
-            </a:schemeClr>
-          </a:solidFill>
-        </p:spPr>
-        <p:style>
-          <a:lnRef idx="2">
-            <a:schemeClr val="accent1">
-              <a:shade val="50000"/>
-            </a:schemeClr>
-          </a:lnRef>
-          <a:fillRef idx="1">
-            <a:schemeClr val="accent1"/>
-          </a:fillRef>
-          <a:effectRef idx="0">
-            <a:schemeClr val="accent1"/>
-          </a:effectRef>
-          <a:fontRef idx="minor">
-            <a:schemeClr val="lt1"/>
-          </a:fontRef>
-        </p:style>
-        <p:txBody>
-          <a:bodyPr rtlCol="0" anchor="ctr"/>
-          <a:lstStyle/>
-          <a:p>
-            <a:pPr algn="ctr"/>
-            <a:r>
-              <a:rPr lang="en-US" dirty="0" err="1"/>
-              <a:t>AppComponent</a:t>
-            </a:r>
-            <a:endParaRPr lang="en-US" dirty="0"/>
-          </a:p>
-        </p:txBody>
-      </p:sp>
-      <p:sp>
-        <p:nvSpPr>
-          <p:cNvPr id="12" name="Rectangle 11">
-            <a:extLst>
-              <a:ext uri="{FF2B5EF4-FFF2-40B4-BE49-F238E27FC236}">
-                <a16:creationId xmlns:a16="http://schemas.microsoft.com/office/drawing/2014/main" id="{C740B47C-8F93-4FC4-81D0-35C391B59DDE}"/>
-              </a:ext>
-            </a:extLst>
-          </p:cNvPr>
-          <p:cNvSpPr/>
-          <p:nvPr/>
-        </p:nvSpPr>
-        <p:spPr>
-          <a:xfrm>
-            <a:off x="1259632" y="4389514"/>
-            <a:ext cx="936104" cy="404246"/>
-          </a:xfrm>
-          <a:prstGeom prst="rect">
-            <a:avLst/>
-          </a:prstGeom>
-          <a:solidFill>
-            <a:srgbClr val="92D050"/>
-          </a:solidFill>
-        </p:spPr>
-        <p:style>
-          <a:lnRef idx="2">
-            <a:schemeClr val="accent1">
-              <a:shade val="50000"/>
-            </a:schemeClr>
-          </a:lnRef>
-          <a:fillRef idx="1">
-            <a:schemeClr val="accent1"/>
-          </a:fillRef>
-          <a:effectRef idx="0">
-            <a:schemeClr val="accent1"/>
-          </a:effectRef>
-          <a:fontRef idx="minor">
-            <a:schemeClr val="lt1"/>
-          </a:fontRef>
-        </p:style>
-        <p:txBody>
-          <a:bodyPr rtlCol="0" anchor="ctr"/>
-          <a:lstStyle/>
-          <a:p>
-            <a:pPr algn="ctr"/>
-            <a:r>
-              <a:rPr lang="en-US" dirty="0"/>
-              <a:t>A</a:t>
-            </a:r>
-          </a:p>
-        </p:txBody>
-      </p:sp>
-      <p:cxnSp>
-        <p:nvCxnSpPr>
-          <p:cNvPr id="14" name="Connector: Elbow 13">
-            <a:extLst>
-              <a:ext uri="{FF2B5EF4-FFF2-40B4-BE49-F238E27FC236}">
-                <a16:creationId xmlns:a16="http://schemas.microsoft.com/office/drawing/2014/main" id="{36174D81-3E84-4F4D-B5A0-6B7BAC57F41D}"/>
-              </a:ext>
-            </a:extLst>
-          </p:cNvPr>
-          <p:cNvCxnSpPr>
-            <a:stCxn id="7" idx="2"/>
-            <a:endCxn id="12" idx="0"/>
-          </p:cNvCxnSpPr>
-          <p:nvPr/>
-        </p:nvCxnSpPr>
-        <p:spPr>
-          <a:xfrm rot="5400000">
-            <a:off x="2604508" y="2746058"/>
-            <a:ext cx="766632" cy="2520280"/>
-          </a:xfrm>
-          <a:prstGeom prst="bentConnector3">
-            <a:avLst/>
-          </a:prstGeom>
-          <a:ln>
-            <a:tailEnd type="triangle"/>
-          </a:ln>
-        </p:spPr>
-        <p:style>
-          <a:lnRef idx="1">
-            <a:schemeClr val="accent1"/>
-          </a:lnRef>
-          <a:fillRef idx="0">
-            <a:schemeClr val="accent1"/>
-          </a:fillRef>
-          <a:effectRef idx="0">
-            <a:schemeClr val="accent1"/>
-          </a:effectRef>
-          <a:fontRef idx="minor">
-            <a:schemeClr val="tx1"/>
-          </a:fontRef>
-        </p:style>
-      </p:cxnSp>
-      <p:sp>
-        <p:nvSpPr>
-          <p:cNvPr id="15" name="Rectangle 14">
-            <a:extLst>
-              <a:ext uri="{FF2B5EF4-FFF2-40B4-BE49-F238E27FC236}">
-                <a16:creationId xmlns:a16="http://schemas.microsoft.com/office/drawing/2014/main" id="{E77C73DF-B0D7-4E98-9416-7FE3DC864E03}"/>
-              </a:ext>
-            </a:extLst>
-          </p:cNvPr>
-          <p:cNvSpPr/>
-          <p:nvPr/>
-        </p:nvSpPr>
-        <p:spPr>
-          <a:xfrm>
-            <a:off x="3779912" y="4389514"/>
-            <a:ext cx="936104" cy="404246"/>
-          </a:xfrm>
-          <a:prstGeom prst="rect">
-            <a:avLst/>
-          </a:prstGeom>
-          <a:solidFill>
-            <a:srgbClr val="92D050"/>
-          </a:solidFill>
-        </p:spPr>
-        <p:style>
-          <a:lnRef idx="2">
-            <a:schemeClr val="accent1">
-              <a:shade val="50000"/>
-            </a:schemeClr>
-          </a:lnRef>
-          <a:fillRef idx="1">
-            <a:schemeClr val="accent1"/>
-          </a:fillRef>
-          <a:effectRef idx="0">
-            <a:schemeClr val="accent1"/>
-          </a:effectRef>
-          <a:fontRef idx="minor">
-            <a:schemeClr val="lt1"/>
-          </a:fontRef>
-        </p:style>
-        <p:txBody>
-          <a:bodyPr rtlCol="0" anchor="ctr"/>
-          <a:lstStyle/>
-          <a:p>
-            <a:pPr algn="ctr"/>
-            <a:r>
-              <a:rPr lang="en-US" dirty="0"/>
-              <a:t>B</a:t>
-            </a:r>
-          </a:p>
-        </p:txBody>
-      </p:sp>
-      <p:cxnSp>
-        <p:nvCxnSpPr>
-          <p:cNvPr id="17" name="Connector: Elbow 16">
-            <a:extLst>
-              <a:ext uri="{FF2B5EF4-FFF2-40B4-BE49-F238E27FC236}">
-                <a16:creationId xmlns:a16="http://schemas.microsoft.com/office/drawing/2014/main" id="{E4897540-D724-4DE8-8470-D3C730BF55B0}"/>
-              </a:ext>
-            </a:extLst>
-          </p:cNvPr>
-          <p:cNvCxnSpPr>
-            <a:stCxn id="7" idx="2"/>
-            <a:endCxn id="15" idx="0"/>
-          </p:cNvCxnSpPr>
-          <p:nvPr/>
-        </p:nvCxnSpPr>
-        <p:spPr>
-          <a:xfrm rot="5400000">
-            <a:off x="3864648" y="4006198"/>
-            <a:ext cx="766632" cy="12700"/>
-          </a:xfrm>
-          <a:prstGeom prst="bentConnector3">
-            <a:avLst/>
-          </a:prstGeom>
-          <a:ln>
-            <a:tailEnd type="triangle"/>
-          </a:ln>
-        </p:spPr>
-        <p:style>
-          <a:lnRef idx="1">
-            <a:schemeClr val="accent1"/>
-          </a:lnRef>
-          <a:fillRef idx="0">
-            <a:schemeClr val="accent1"/>
-          </a:fillRef>
-          <a:effectRef idx="0">
-            <a:schemeClr val="accent1"/>
-          </a:effectRef>
-          <a:fontRef idx="minor">
-            <a:schemeClr val="tx1"/>
-          </a:fontRef>
-        </p:style>
-      </p:cxnSp>
-      <p:sp>
-        <p:nvSpPr>
-          <p:cNvPr id="18" name="Rectangle 17">
-            <a:extLst>
-              <a:ext uri="{FF2B5EF4-FFF2-40B4-BE49-F238E27FC236}">
-                <a16:creationId xmlns:a16="http://schemas.microsoft.com/office/drawing/2014/main" id="{16C8F14F-CE87-4C27-9EA2-770ED4995169}"/>
-              </a:ext>
-            </a:extLst>
-          </p:cNvPr>
-          <p:cNvSpPr/>
-          <p:nvPr/>
-        </p:nvSpPr>
-        <p:spPr>
-          <a:xfrm>
-            <a:off x="6300192" y="4389514"/>
-            <a:ext cx="936104" cy="404246"/>
-          </a:xfrm>
-          <a:prstGeom prst="rect">
-            <a:avLst/>
-          </a:prstGeom>
-          <a:solidFill>
-            <a:srgbClr val="92D050"/>
-          </a:solidFill>
-        </p:spPr>
-        <p:style>
-          <a:lnRef idx="2">
-            <a:schemeClr val="accent1">
-              <a:shade val="50000"/>
-            </a:schemeClr>
-          </a:lnRef>
-          <a:fillRef idx="1">
-            <a:schemeClr val="accent1"/>
-          </a:fillRef>
-          <a:effectRef idx="0">
-            <a:schemeClr val="accent1"/>
-          </a:effectRef>
-          <a:fontRef idx="minor">
-            <a:schemeClr val="lt1"/>
-          </a:fontRef>
-        </p:style>
-        <p:txBody>
-          <a:bodyPr rtlCol="0" anchor="ctr"/>
-          <a:lstStyle/>
-          <a:p>
-            <a:pPr algn="ctr"/>
-            <a:r>
-              <a:rPr lang="en-US" dirty="0"/>
-              <a:t>C</a:t>
-            </a:r>
-          </a:p>
-        </p:txBody>
-      </p:sp>
-      <p:cxnSp>
-        <p:nvCxnSpPr>
-          <p:cNvPr id="20" name="Connector: Elbow 19">
-            <a:extLst>
-              <a:ext uri="{FF2B5EF4-FFF2-40B4-BE49-F238E27FC236}">
-                <a16:creationId xmlns:a16="http://schemas.microsoft.com/office/drawing/2014/main" id="{1AE4378E-741C-4654-9F80-861B0BCE4816}"/>
-              </a:ext>
-            </a:extLst>
-          </p:cNvPr>
-          <p:cNvCxnSpPr>
-            <a:stCxn id="7" idx="2"/>
-            <a:endCxn id="18" idx="0"/>
-          </p:cNvCxnSpPr>
-          <p:nvPr/>
-        </p:nvCxnSpPr>
-        <p:spPr>
-          <a:xfrm rot="16200000" flipH="1">
-            <a:off x="5124788" y="2746058"/>
-            <a:ext cx="766632" cy="2520280"/>
-          </a:xfrm>
-          <a:prstGeom prst="bentConnector3">
-            <a:avLst/>
-          </a:prstGeom>
-          <a:ln>
-            <a:tailEnd type="triangle"/>
-          </a:ln>
-        </p:spPr>
-        <p:style>
-          <a:lnRef idx="1">
-            <a:schemeClr val="accent1"/>
-          </a:lnRef>
-          <a:fillRef idx="0">
-            <a:schemeClr val="accent1"/>
-          </a:fillRef>
-          <a:effectRef idx="0">
-            <a:schemeClr val="accent1"/>
-          </a:effectRef>
-          <a:fontRef idx="minor">
-            <a:schemeClr val="tx1"/>
-          </a:fontRef>
-        </p:style>
-      </p:cxnSp>
-      <p:sp>
-        <p:nvSpPr>
-          <p:cNvPr id="21" name="Rectangle 20">
-            <a:extLst>
-              <a:ext uri="{FF2B5EF4-FFF2-40B4-BE49-F238E27FC236}">
-                <a16:creationId xmlns:a16="http://schemas.microsoft.com/office/drawing/2014/main" id="{EFB9DFA5-A109-4685-8784-CBA97D5F7F4E}"/>
-              </a:ext>
-            </a:extLst>
-          </p:cNvPr>
-          <p:cNvSpPr/>
-          <p:nvPr/>
-        </p:nvSpPr>
-        <p:spPr>
-          <a:xfrm>
-            <a:off x="3786262" y="5193889"/>
-            <a:ext cx="936104" cy="404246"/>
-          </a:xfrm>
-          <a:prstGeom prst="rect">
-            <a:avLst/>
-          </a:prstGeom>
-          <a:solidFill>
-            <a:srgbClr val="92D050"/>
-          </a:solidFill>
-        </p:spPr>
-        <p:style>
-          <a:lnRef idx="2">
-            <a:schemeClr val="accent1">
-              <a:shade val="50000"/>
-            </a:schemeClr>
-          </a:lnRef>
-          <a:fillRef idx="1">
-            <a:schemeClr val="accent1"/>
-          </a:fillRef>
-          <a:effectRef idx="0">
-            <a:schemeClr val="accent1"/>
-          </a:effectRef>
-          <a:fontRef idx="minor">
-            <a:schemeClr val="lt1"/>
-          </a:fontRef>
-        </p:style>
-        <p:txBody>
-          <a:bodyPr rtlCol="0" anchor="ctr"/>
-          <a:lstStyle/>
-          <a:p>
-            <a:pPr algn="ctr"/>
-            <a:r>
-              <a:rPr lang="en-US" dirty="0"/>
-              <a:t>D</a:t>
-            </a:r>
-          </a:p>
-        </p:txBody>
-      </p:sp>
-      <p:sp>
-        <p:nvSpPr>
-          <p:cNvPr id="22" name="Rectangle 21">
-            <a:extLst>
-              <a:ext uri="{FF2B5EF4-FFF2-40B4-BE49-F238E27FC236}">
-                <a16:creationId xmlns:a16="http://schemas.microsoft.com/office/drawing/2014/main" id="{AFFC857F-3D17-4F8B-A9D5-04EC8BB56533}"/>
-              </a:ext>
-            </a:extLst>
-          </p:cNvPr>
-          <p:cNvSpPr/>
-          <p:nvPr/>
-        </p:nvSpPr>
-        <p:spPr>
-          <a:xfrm>
-            <a:off x="6300192" y="5193889"/>
-            <a:ext cx="936104" cy="404246"/>
-          </a:xfrm>
-          <a:prstGeom prst="rect">
-            <a:avLst/>
-          </a:prstGeom>
-          <a:solidFill>
-            <a:srgbClr val="92D050"/>
-          </a:solidFill>
-        </p:spPr>
-        <p:style>
-          <a:lnRef idx="2">
-            <a:schemeClr val="accent1">
-              <a:shade val="50000"/>
-            </a:schemeClr>
-          </a:lnRef>
-          <a:fillRef idx="1">
-            <a:schemeClr val="accent1"/>
-          </a:fillRef>
-          <a:effectRef idx="0">
-            <a:schemeClr val="accent1"/>
-          </a:effectRef>
-          <a:fontRef idx="minor">
-            <a:schemeClr val="lt1"/>
-          </a:fontRef>
-        </p:style>
-        <p:txBody>
-          <a:bodyPr rtlCol="0" anchor="ctr"/>
-          <a:lstStyle/>
-          <a:p>
-            <a:pPr algn="ctr"/>
-            <a:r>
-              <a:rPr lang="en-US" dirty="0"/>
-              <a:t>E</a:t>
-            </a:r>
-          </a:p>
-        </p:txBody>
-      </p:sp>
-      <p:sp>
-        <p:nvSpPr>
-          <p:cNvPr id="23" name="Rectangle 22">
-            <a:extLst>
-              <a:ext uri="{FF2B5EF4-FFF2-40B4-BE49-F238E27FC236}">
-                <a16:creationId xmlns:a16="http://schemas.microsoft.com/office/drawing/2014/main" id="{EC285AE9-CDFA-4FF5-9943-7A7183005579}"/>
-              </a:ext>
-            </a:extLst>
-          </p:cNvPr>
-          <p:cNvSpPr/>
-          <p:nvPr/>
-        </p:nvSpPr>
-        <p:spPr>
-          <a:xfrm>
-            <a:off x="6300192" y="5977082"/>
-            <a:ext cx="936104" cy="404246"/>
-          </a:xfrm>
-          <a:prstGeom prst="rect">
-            <a:avLst/>
-          </a:prstGeom>
-          <a:solidFill>
-            <a:srgbClr val="92D050"/>
-          </a:solidFill>
-        </p:spPr>
-        <p:style>
-          <a:lnRef idx="2">
-            <a:schemeClr val="accent1">
-              <a:shade val="50000"/>
-            </a:schemeClr>
-          </a:lnRef>
-          <a:fillRef idx="1">
-            <a:schemeClr val="accent1"/>
-          </a:fillRef>
-          <a:effectRef idx="0">
-            <a:schemeClr val="accent1"/>
-          </a:effectRef>
-          <a:fontRef idx="minor">
-            <a:schemeClr val="lt1"/>
-          </a:fontRef>
-        </p:style>
-        <p:txBody>
-          <a:bodyPr rtlCol="0" anchor="ctr"/>
-          <a:lstStyle/>
-          <a:p>
-            <a:pPr algn="ctr"/>
-            <a:r>
-              <a:rPr lang="en-US" dirty="0"/>
-              <a:t>F</a:t>
-            </a:r>
-          </a:p>
-        </p:txBody>
-      </p:sp>
-      <p:cxnSp>
-        <p:nvCxnSpPr>
-          <p:cNvPr id="25" name="Connector: Elbow 24">
-            <a:extLst>
-              <a:ext uri="{FF2B5EF4-FFF2-40B4-BE49-F238E27FC236}">
-                <a16:creationId xmlns:a16="http://schemas.microsoft.com/office/drawing/2014/main" id="{8566D521-4785-4387-B645-1B937EDCCD62}"/>
-              </a:ext>
-            </a:extLst>
-          </p:cNvPr>
-          <p:cNvCxnSpPr>
-            <a:stCxn id="15" idx="2"/>
-            <a:endCxn id="21" idx="0"/>
-          </p:cNvCxnSpPr>
-          <p:nvPr/>
-        </p:nvCxnSpPr>
-        <p:spPr>
-          <a:xfrm rot="16200000" flipH="1">
-            <a:off x="4051075" y="4990649"/>
-            <a:ext cx="400129" cy="6350"/>
-          </a:xfrm>
-          <a:prstGeom prst="bentConnector3">
-            <a:avLst/>
-          </a:prstGeom>
-          <a:ln>
-            <a:tailEnd type="triangle"/>
-          </a:ln>
-        </p:spPr>
-        <p:style>
-          <a:lnRef idx="1">
-            <a:schemeClr val="accent1"/>
-          </a:lnRef>
-          <a:fillRef idx="0">
-            <a:schemeClr val="accent1"/>
-          </a:fillRef>
-          <a:effectRef idx="0">
-            <a:schemeClr val="accent1"/>
-          </a:effectRef>
-          <a:fontRef idx="minor">
-            <a:schemeClr val="tx1"/>
-          </a:fontRef>
-        </p:style>
-      </p:cxnSp>
-      <p:cxnSp>
-        <p:nvCxnSpPr>
-          <p:cNvPr id="27" name="Connector: Elbow 26">
-            <a:extLst>
-              <a:ext uri="{FF2B5EF4-FFF2-40B4-BE49-F238E27FC236}">
-                <a16:creationId xmlns:a16="http://schemas.microsoft.com/office/drawing/2014/main" id="{B3A72A48-D7CC-4880-84E8-F7FAA91F2504}"/>
-              </a:ext>
-            </a:extLst>
-          </p:cNvPr>
-          <p:cNvCxnSpPr>
-            <a:stCxn id="18" idx="2"/>
-            <a:endCxn id="22" idx="0"/>
-          </p:cNvCxnSpPr>
-          <p:nvPr/>
-        </p:nvCxnSpPr>
-        <p:spPr>
-          <a:xfrm rot="5400000">
-            <a:off x="6568180" y="4993824"/>
-            <a:ext cx="400129" cy="12700"/>
-          </a:xfrm>
-          <a:prstGeom prst="bentConnector3">
-            <a:avLst/>
-          </a:prstGeom>
-          <a:ln>
-            <a:tailEnd type="triangle"/>
-          </a:ln>
-        </p:spPr>
-        <p:style>
-          <a:lnRef idx="1">
-            <a:schemeClr val="accent1"/>
-          </a:lnRef>
-          <a:fillRef idx="0">
-            <a:schemeClr val="accent1"/>
-          </a:fillRef>
-          <a:effectRef idx="0">
-            <a:schemeClr val="accent1"/>
-          </a:effectRef>
-          <a:fontRef idx="minor">
-            <a:schemeClr val="tx1"/>
-          </a:fontRef>
-        </p:style>
-      </p:cxnSp>
-      <p:cxnSp>
-        <p:nvCxnSpPr>
-          <p:cNvPr id="29" name="Connector: Elbow 28">
-            <a:extLst>
-              <a:ext uri="{FF2B5EF4-FFF2-40B4-BE49-F238E27FC236}">
-                <a16:creationId xmlns:a16="http://schemas.microsoft.com/office/drawing/2014/main" id="{F45C6B26-416A-443E-8731-E1F60617843D}"/>
-              </a:ext>
-            </a:extLst>
-          </p:cNvPr>
-          <p:cNvCxnSpPr>
-            <a:stCxn id="22" idx="2"/>
-            <a:endCxn id="23" idx="0"/>
-          </p:cNvCxnSpPr>
-          <p:nvPr/>
-        </p:nvCxnSpPr>
-        <p:spPr>
-          <a:xfrm rot="5400000">
-            <a:off x="6578771" y="5787608"/>
-            <a:ext cx="378947" cy="12700"/>
-          </a:xfrm>
-          <a:prstGeom prst="bentConnector3">
-            <a:avLst/>
-          </a:prstGeom>
-          <a:ln>
-            <a:tailEnd type="triangle"/>
-          </a:ln>
-        </p:spPr>
-        <p:style>
-          <a:lnRef idx="1">
-            <a:schemeClr val="accent1"/>
-          </a:lnRef>
-          <a:fillRef idx="0">
-            <a:schemeClr val="accent1"/>
-          </a:fillRef>
-          <a:effectRef idx="0">
-            <a:schemeClr val="accent1"/>
-          </a:effectRef>
-          <a:fontRef idx="minor">
-            <a:schemeClr val="tx1"/>
-          </a:fontRef>
-        </p:style>
-      </p:cxnSp>
+    </p:spTree>
+    <p:extLst>
+      <p:ext uri="{BB962C8B-B14F-4D97-AF65-F5344CB8AC3E}">
+        <p14:creationId xmlns:p14="http://schemas.microsoft.com/office/powerpoint/2010/main" val="1837070409"/>
+      </p:ext>
+    </p:extLst>
+  </p:cSld>
+  <p:clrMapOvr>
+    <a:masterClrMapping/>
+  </p:clrMapOvr>
+</p:sld>
+</file>
+
+<file path=ppt/slides/slide11.xml><?xml version="1.0" encoding="utf-8"?>
+<p:sld xmlns:a="http://schemas.openxmlformats.org/drawingml/2006/main" xmlns:r="http://schemas.openxmlformats.org/officeDocument/2006/relationships" xmlns:p="http://schemas.openxmlformats.org/presentationml/2006/main">
+  <p:cSld>
+    <p:spTree>
+      <p:nvGrpSpPr>
+        <p:cNvPr id="1" name=""/>
+        <p:cNvGrpSpPr/>
+        <p:nvPr/>
+      </p:nvGrpSpPr>
+      <p:grpSpPr>
+        <a:xfrm>
+          <a:off x="0" y="0"/>
+          <a:ext cx="0" cy="0"/>
+          <a:chOff x="0" y="0"/>
+          <a:chExt cx="0" cy="0"/>
+        </a:xfrm>
+      </p:grpSpPr>
+      <p:sp>
+        <p:nvSpPr>
+          <p:cNvPr id="2" name="標題 1"/>
+          <p:cNvSpPr>
+            <a:spLocks noGrp="1"/>
+          </p:cNvSpPr>
+          <p:nvPr>
+            <p:ph type="ctrTitle"/>
+          </p:nvPr>
+        </p:nvSpPr>
+        <p:spPr>
+          <a:xfrm>
+            <a:off x="0" y="2130425"/>
+            <a:ext cx="9144000" cy="1470025"/>
+          </a:xfrm>
+          <a:gradFill flip="none" rotWithShape="1">
+            <a:gsLst>
+              <a:gs pos="0">
+                <a:srgbClr val="00B0F0">
+                  <a:shade val="30000"/>
+                  <a:satMod val="115000"/>
+                </a:srgbClr>
+              </a:gs>
+              <a:gs pos="50000">
+                <a:srgbClr val="00B0F0">
+                  <a:shade val="67500"/>
+                  <a:satMod val="115000"/>
+                </a:srgbClr>
+              </a:gs>
+              <a:gs pos="100000">
+                <a:srgbClr val="00B0F0">
+                  <a:shade val="100000"/>
+                  <a:satMod val="115000"/>
+                </a:srgbClr>
+              </a:gs>
+            </a:gsLst>
+            <a:path path="circle">
+              <a:fillToRect t="100000" r="100000"/>
+            </a:path>
+            <a:tileRect l="-100000" b="-100000"/>
+          </a:gradFill>
+        </p:spPr>
+        <p:txBody>
+          <a:bodyPr>
+            <a:normAutofit/>
+          </a:bodyPr>
+          <a:lstStyle/>
+          <a:p>
+            <a:r>
+              <a:rPr lang="en-US" altLang="zh-TW" sz="6000" b="1" dirty="0">
+                <a:solidFill>
+                  <a:srgbClr val="FFFF00"/>
+                </a:solidFill>
+              </a:rPr>
+              <a:t>End of Chapter</a:t>
+            </a:r>
+            <a:endParaRPr lang="zh-TW" altLang="en-US" sz="6000" b="1" dirty="0">
+              <a:solidFill>
+                <a:srgbClr val="FFFF00"/>
+              </a:solidFill>
+            </a:endParaRPr>
+          </a:p>
+        </p:txBody>
+      </p:sp>
+      <p:sp>
+        <p:nvSpPr>
+          <p:cNvPr id="5" name="日期版面配置區 4"/>
+          <p:cNvSpPr>
+            <a:spLocks noGrp="1"/>
+          </p:cNvSpPr>
+          <p:nvPr>
+            <p:ph type="dt" sz="half" idx="10"/>
+          </p:nvPr>
+        </p:nvSpPr>
+        <p:spPr/>
+        <p:txBody>
+          <a:bodyPr/>
+          <a:lstStyle/>
+          <a:p>
+            <a:fld id="{4E46BE27-E923-4EC2-B046-3272AE2A3E5C}" type="datetime1">
+              <a:rPr lang="zh-TW" altLang="en-US" smtClean="0"/>
+              <a:pPr/>
+              <a:t>2020/5/25</a:t>
+            </a:fld>
+            <a:endParaRPr lang="zh-TW" altLang="en-US"/>
+          </a:p>
+        </p:txBody>
+      </p:sp>
+      <p:sp>
+        <p:nvSpPr>
+          <p:cNvPr id="6" name="投影片編號版面配置區 5"/>
+          <p:cNvSpPr>
+            <a:spLocks noGrp="1"/>
+          </p:cNvSpPr>
+          <p:nvPr>
+            <p:ph type="sldNum" sz="quarter" idx="12"/>
+          </p:nvPr>
+        </p:nvSpPr>
+        <p:spPr/>
+        <p:txBody>
+          <a:bodyPr/>
+          <a:lstStyle/>
+          <a:p>
+            <a:fld id="{E4D7E63D-91F2-4366-A2C4-1B00C9E2590E}" type="slidenum">
+              <a:rPr lang="zh-TW" altLang="en-US" smtClean="0"/>
+              <a:pPr/>
+              <a:t>11</a:t>
+            </a:fld>
+            <a:endParaRPr lang="zh-TW" altLang="en-US"/>
+          </a:p>
+        </p:txBody>
+      </p:sp>
     </p:spTree>
   </p:cSld>
   <p:clrMapOvr>
@@ -4575,7 +4044,7 @@
 </p:sld>
 </file>
 
-<file path=ppt/slides/slide3.xml><?xml version="1.0" encoding="utf-8"?>
+<file path=ppt/slides/slide2.xml><?xml version="1.0" encoding="utf-8"?>
 <p:sld xmlns:a="http://schemas.openxmlformats.org/drawingml/2006/main" xmlns:r="http://schemas.openxmlformats.org/officeDocument/2006/relationships" xmlns:p="http://schemas.openxmlformats.org/presentationml/2006/main">
   <p:cSld>
     <p:spTree>
@@ -4670,7 +4139,7 @@
         <p:spPr>
           <a:xfrm>
             <a:off x="467544" y="1340766"/>
-            <a:ext cx="8352928" cy="1637079"/>
+            <a:ext cx="8352928" cy="1080122"/>
           </a:xfrm>
           <a:ln>
             <a:solidFill>
@@ -4712,13 +4181,13 @@
               <a:buChar char="u"/>
             </a:pPr>
             <a:r>
-              <a:rPr lang="en-US" altLang="zh-TW" sz="1800" b="1" dirty="0">
+              <a:rPr lang="en-US" altLang="zh-TW" sz="1800" dirty="0">
                 <a:solidFill>
                   <a:schemeClr val="tx1"/>
                 </a:solidFill>
                 <a:latin typeface="+mj-lt"/>
               </a:rPr>
-              <a:t>If component A, D, and F are supposed to display the login user name.</a:t>
+              <a:t>In this discussion, we discuss React Context.</a:t>
             </a:r>
           </a:p>
           <a:p>
@@ -4731,75 +4200,14 @@
               <a:buChar char="u"/>
             </a:pPr>
             <a:r>
-              <a:rPr lang="en-US" altLang="zh-TW" sz="1800" b="1" dirty="0">
+              <a:rPr lang="en-US" altLang="zh-TW" sz="1800" dirty="0">
                 <a:solidFill>
                   <a:schemeClr val="tx1"/>
                 </a:solidFill>
                 <a:latin typeface="+mj-lt"/>
               </a:rPr>
-              <a:t>That information is maintained as a property in the </a:t>
-            </a:r>
-            <a:r>
-              <a:rPr lang="en-US" altLang="zh-TW" sz="1800" b="1" dirty="0" err="1">
-                <a:solidFill>
-                  <a:schemeClr val="tx1"/>
-                </a:solidFill>
-                <a:latin typeface="+mj-lt"/>
-              </a:rPr>
-              <a:t>AppComponent</a:t>
-            </a:r>
-            <a:r>
-              <a:rPr lang="en-US" altLang="zh-TW" sz="1800" b="1" dirty="0">
-                <a:solidFill>
-                  <a:schemeClr val="tx1"/>
-                </a:solidFill>
-                <a:latin typeface="+mj-lt"/>
-              </a:rPr>
-              <a:t>.</a:t>
-            </a:r>
-          </a:p>
-          <a:p>
-            <a:pPr marL="342900" indent="-342900" algn="l">
-              <a:buClr>
-                <a:srgbClr val="0070C0"/>
-              </a:buClr>
-              <a:buSzPct val="80000"/>
-              <a:buFont typeface="Wingdings" pitchFamily="2" charset="2"/>
-              <a:buChar char="u"/>
-            </a:pPr>
-            <a:r>
-              <a:rPr lang="en-US" altLang="zh-TW" sz="1800" b="1" dirty="0">
-                <a:solidFill>
-                  <a:schemeClr val="tx1"/>
-                </a:solidFill>
-                <a:latin typeface="+mj-lt"/>
-              </a:rPr>
-              <a:t>To be able to display the user name in the nested components. </a:t>
-            </a:r>
-          </a:p>
-          <a:p>
-            <a:pPr marL="342900" indent="-342900" algn="l">
-              <a:buClr>
-                <a:srgbClr val="0070C0"/>
-              </a:buClr>
-              <a:buSzPct val="80000"/>
-              <a:buFont typeface="Wingdings" pitchFamily="2" charset="2"/>
-              <a:buChar char="u"/>
-            </a:pPr>
-            <a:r>
-              <a:rPr lang="en-US" altLang="zh-TW" sz="1800" b="1" dirty="0">
-                <a:solidFill>
-                  <a:schemeClr val="tx1"/>
-                </a:solidFill>
-                <a:latin typeface="+mj-lt"/>
-              </a:rPr>
-              <a:t>We pass down the  username as a props.</a:t>
-            </a:r>
-            <a:endParaRPr lang="en-US" altLang="zh-TW" sz="1800" b="1" dirty="0">
-              <a:solidFill>
-                <a:schemeClr val="tx1"/>
-              </a:solidFill>
-            </a:endParaRPr>
+              <a:t>What do we need for the context API?</a:t>
+            </a:r>
           </a:p>
         </p:txBody>
       </p:sp>
@@ -4885,7 +4293,7 @@
             <a:fld id="{A4F910E6-8D00-4BAF-8C48-9688E0B449D3}" type="datetime1">
               <a:rPr lang="zh-TW" altLang="en-US" smtClean="0"/>
               <a:pPr/>
-              <a:t>2020/4/7</a:t>
+              <a:t>2020/5/25</a:t>
             </a:fld>
             <a:endParaRPr lang="zh-TW" altLang="en-US"/>
           </a:p>
@@ -4914,687 +4322,16 @@
             <a:fld id="{E4D7E63D-91F2-4366-A2C4-1B00C9E2590E}" type="slidenum">
               <a:rPr lang="zh-TW" altLang="en-US" smtClean="0"/>
               <a:pPr/>
-              <a:t>3</a:t>
+              <a:t>2</a:t>
             </a:fld>
             <a:endParaRPr lang="zh-TW" altLang="en-US"/>
-          </a:p>
-        </p:txBody>
-      </p:sp>
-      <p:sp>
-        <p:nvSpPr>
-          <p:cNvPr id="7" name="Rectangle 6">
-            <a:extLst>
-              <a:ext uri="{FF2B5EF4-FFF2-40B4-BE49-F238E27FC236}">
-                <a16:creationId xmlns:a16="http://schemas.microsoft.com/office/drawing/2014/main" id="{3B7F3B87-61C9-4D4F-845A-18B53CDDA0B4}"/>
-              </a:ext>
-            </a:extLst>
-          </p:cNvPr>
-          <p:cNvSpPr/>
-          <p:nvPr/>
-        </p:nvSpPr>
-        <p:spPr>
-          <a:xfrm>
-            <a:off x="3419872" y="3159718"/>
-            <a:ext cx="1656184" cy="432048"/>
-          </a:xfrm>
-          <a:prstGeom prst="rect">
-            <a:avLst/>
-          </a:prstGeom>
-          <a:solidFill>
-            <a:schemeClr val="accent2">
-              <a:lumMod val="75000"/>
-            </a:schemeClr>
-          </a:solidFill>
-        </p:spPr>
-        <p:style>
-          <a:lnRef idx="2">
-            <a:schemeClr val="accent1">
-              <a:shade val="50000"/>
-            </a:schemeClr>
-          </a:lnRef>
-          <a:fillRef idx="1">
-            <a:schemeClr val="accent1"/>
-          </a:fillRef>
-          <a:effectRef idx="0">
-            <a:schemeClr val="accent1"/>
-          </a:effectRef>
-          <a:fontRef idx="minor">
-            <a:schemeClr val="lt1"/>
-          </a:fontRef>
-        </p:style>
-        <p:txBody>
-          <a:bodyPr rtlCol="0" anchor="ctr"/>
-          <a:lstStyle/>
-          <a:p>
-            <a:pPr algn="ctr"/>
-            <a:r>
-              <a:rPr lang="en-US" dirty="0" err="1"/>
-              <a:t>AppComponent</a:t>
-            </a:r>
-            <a:endParaRPr lang="en-US" dirty="0"/>
-          </a:p>
-        </p:txBody>
-      </p:sp>
-      <p:sp>
-        <p:nvSpPr>
-          <p:cNvPr id="12" name="Rectangle 11">
-            <a:extLst>
-              <a:ext uri="{FF2B5EF4-FFF2-40B4-BE49-F238E27FC236}">
-                <a16:creationId xmlns:a16="http://schemas.microsoft.com/office/drawing/2014/main" id="{C740B47C-8F93-4FC4-81D0-35C391B59DDE}"/>
-              </a:ext>
-            </a:extLst>
-          </p:cNvPr>
-          <p:cNvSpPr/>
-          <p:nvPr/>
-        </p:nvSpPr>
-        <p:spPr>
-          <a:xfrm>
-            <a:off x="1259632" y="4358398"/>
-            <a:ext cx="936104" cy="404246"/>
-          </a:xfrm>
-          <a:prstGeom prst="rect">
-            <a:avLst/>
-          </a:prstGeom>
-          <a:solidFill>
-            <a:srgbClr val="0070C0"/>
-          </a:solidFill>
-        </p:spPr>
-        <p:style>
-          <a:lnRef idx="2">
-            <a:schemeClr val="accent1">
-              <a:shade val="50000"/>
-            </a:schemeClr>
-          </a:lnRef>
-          <a:fillRef idx="1">
-            <a:schemeClr val="accent1"/>
-          </a:fillRef>
-          <a:effectRef idx="0">
-            <a:schemeClr val="accent1"/>
-          </a:effectRef>
-          <a:fontRef idx="minor">
-            <a:schemeClr val="lt1"/>
-          </a:fontRef>
-        </p:style>
-        <p:txBody>
-          <a:bodyPr rtlCol="0" anchor="ctr"/>
-          <a:lstStyle/>
-          <a:p>
-            <a:pPr algn="ctr"/>
-            <a:r>
-              <a:rPr lang="en-US" dirty="0"/>
-              <a:t>A</a:t>
-            </a:r>
-          </a:p>
-        </p:txBody>
-      </p:sp>
-      <p:cxnSp>
-        <p:nvCxnSpPr>
-          <p:cNvPr id="14" name="Connector: Elbow 13">
-            <a:extLst>
-              <a:ext uri="{FF2B5EF4-FFF2-40B4-BE49-F238E27FC236}">
-                <a16:creationId xmlns:a16="http://schemas.microsoft.com/office/drawing/2014/main" id="{36174D81-3E84-4F4D-B5A0-6B7BAC57F41D}"/>
-              </a:ext>
-            </a:extLst>
-          </p:cNvPr>
-          <p:cNvCxnSpPr>
-            <a:stCxn id="7" idx="2"/>
-            <a:endCxn id="12" idx="0"/>
-          </p:cNvCxnSpPr>
-          <p:nvPr/>
-        </p:nvCxnSpPr>
-        <p:spPr>
-          <a:xfrm rot="5400000">
-            <a:off x="2604508" y="2714942"/>
-            <a:ext cx="766632" cy="2520280"/>
-          </a:xfrm>
-          <a:prstGeom prst="bentConnector3">
-            <a:avLst/>
-          </a:prstGeom>
-          <a:ln>
-            <a:tailEnd type="triangle"/>
-          </a:ln>
-        </p:spPr>
-        <p:style>
-          <a:lnRef idx="1">
-            <a:schemeClr val="accent1"/>
-          </a:lnRef>
-          <a:fillRef idx="0">
-            <a:schemeClr val="accent1"/>
-          </a:fillRef>
-          <a:effectRef idx="0">
-            <a:schemeClr val="accent1"/>
-          </a:effectRef>
-          <a:fontRef idx="minor">
-            <a:schemeClr val="tx1"/>
-          </a:fontRef>
-        </p:style>
-      </p:cxnSp>
-      <p:sp>
-        <p:nvSpPr>
-          <p:cNvPr id="15" name="Rectangle 14">
-            <a:extLst>
-              <a:ext uri="{FF2B5EF4-FFF2-40B4-BE49-F238E27FC236}">
-                <a16:creationId xmlns:a16="http://schemas.microsoft.com/office/drawing/2014/main" id="{E77C73DF-B0D7-4E98-9416-7FE3DC864E03}"/>
-              </a:ext>
-            </a:extLst>
-          </p:cNvPr>
-          <p:cNvSpPr/>
-          <p:nvPr/>
-        </p:nvSpPr>
-        <p:spPr>
-          <a:xfrm>
-            <a:off x="3779912" y="4358398"/>
-            <a:ext cx="936104" cy="404246"/>
-          </a:xfrm>
-          <a:prstGeom prst="rect">
-            <a:avLst/>
-          </a:prstGeom>
-          <a:solidFill>
-            <a:srgbClr val="92D050"/>
-          </a:solidFill>
-        </p:spPr>
-        <p:style>
-          <a:lnRef idx="2">
-            <a:schemeClr val="accent1">
-              <a:shade val="50000"/>
-            </a:schemeClr>
-          </a:lnRef>
-          <a:fillRef idx="1">
-            <a:schemeClr val="accent1"/>
-          </a:fillRef>
-          <a:effectRef idx="0">
-            <a:schemeClr val="accent1"/>
-          </a:effectRef>
-          <a:fontRef idx="minor">
-            <a:schemeClr val="lt1"/>
-          </a:fontRef>
-        </p:style>
-        <p:txBody>
-          <a:bodyPr rtlCol="0" anchor="ctr"/>
-          <a:lstStyle/>
-          <a:p>
-            <a:pPr algn="ctr"/>
-            <a:r>
-              <a:rPr lang="en-US" dirty="0"/>
-              <a:t>B</a:t>
-            </a:r>
-          </a:p>
-        </p:txBody>
-      </p:sp>
-      <p:cxnSp>
-        <p:nvCxnSpPr>
-          <p:cNvPr id="17" name="Connector: Elbow 16">
-            <a:extLst>
-              <a:ext uri="{FF2B5EF4-FFF2-40B4-BE49-F238E27FC236}">
-                <a16:creationId xmlns:a16="http://schemas.microsoft.com/office/drawing/2014/main" id="{E4897540-D724-4DE8-8470-D3C730BF55B0}"/>
-              </a:ext>
-            </a:extLst>
-          </p:cNvPr>
-          <p:cNvCxnSpPr>
-            <a:stCxn id="7" idx="2"/>
-            <a:endCxn id="15" idx="0"/>
-          </p:cNvCxnSpPr>
-          <p:nvPr/>
-        </p:nvCxnSpPr>
-        <p:spPr>
-          <a:xfrm rot="5400000">
-            <a:off x="3864648" y="3975082"/>
-            <a:ext cx="766632" cy="12700"/>
-          </a:xfrm>
-          <a:prstGeom prst="bentConnector3">
-            <a:avLst/>
-          </a:prstGeom>
-          <a:ln>
-            <a:tailEnd type="triangle"/>
-          </a:ln>
-        </p:spPr>
-        <p:style>
-          <a:lnRef idx="1">
-            <a:schemeClr val="accent1"/>
-          </a:lnRef>
-          <a:fillRef idx="0">
-            <a:schemeClr val="accent1"/>
-          </a:fillRef>
-          <a:effectRef idx="0">
-            <a:schemeClr val="accent1"/>
-          </a:effectRef>
-          <a:fontRef idx="minor">
-            <a:schemeClr val="tx1"/>
-          </a:fontRef>
-        </p:style>
-      </p:cxnSp>
-      <p:sp>
-        <p:nvSpPr>
-          <p:cNvPr id="18" name="Rectangle 17">
-            <a:extLst>
-              <a:ext uri="{FF2B5EF4-FFF2-40B4-BE49-F238E27FC236}">
-                <a16:creationId xmlns:a16="http://schemas.microsoft.com/office/drawing/2014/main" id="{16C8F14F-CE87-4C27-9EA2-770ED4995169}"/>
-              </a:ext>
-            </a:extLst>
-          </p:cNvPr>
-          <p:cNvSpPr/>
-          <p:nvPr/>
-        </p:nvSpPr>
-        <p:spPr>
-          <a:xfrm>
-            <a:off x="6300192" y="4358398"/>
-            <a:ext cx="936104" cy="404246"/>
-          </a:xfrm>
-          <a:prstGeom prst="rect">
-            <a:avLst/>
-          </a:prstGeom>
-          <a:solidFill>
-            <a:srgbClr val="92D050"/>
-          </a:solidFill>
-        </p:spPr>
-        <p:style>
-          <a:lnRef idx="2">
-            <a:schemeClr val="accent1">
-              <a:shade val="50000"/>
-            </a:schemeClr>
-          </a:lnRef>
-          <a:fillRef idx="1">
-            <a:schemeClr val="accent1"/>
-          </a:fillRef>
-          <a:effectRef idx="0">
-            <a:schemeClr val="accent1"/>
-          </a:effectRef>
-          <a:fontRef idx="minor">
-            <a:schemeClr val="lt1"/>
-          </a:fontRef>
-        </p:style>
-        <p:txBody>
-          <a:bodyPr rtlCol="0" anchor="ctr"/>
-          <a:lstStyle/>
-          <a:p>
-            <a:pPr algn="ctr"/>
-            <a:r>
-              <a:rPr lang="en-US" dirty="0"/>
-              <a:t>C</a:t>
-            </a:r>
-          </a:p>
-        </p:txBody>
-      </p:sp>
-      <p:cxnSp>
-        <p:nvCxnSpPr>
-          <p:cNvPr id="20" name="Connector: Elbow 19">
-            <a:extLst>
-              <a:ext uri="{FF2B5EF4-FFF2-40B4-BE49-F238E27FC236}">
-                <a16:creationId xmlns:a16="http://schemas.microsoft.com/office/drawing/2014/main" id="{1AE4378E-741C-4654-9F80-861B0BCE4816}"/>
-              </a:ext>
-            </a:extLst>
-          </p:cNvPr>
-          <p:cNvCxnSpPr>
-            <a:stCxn id="7" idx="2"/>
-            <a:endCxn id="18" idx="0"/>
-          </p:cNvCxnSpPr>
-          <p:nvPr/>
-        </p:nvCxnSpPr>
-        <p:spPr>
-          <a:xfrm rot="16200000" flipH="1">
-            <a:off x="5124788" y="2714942"/>
-            <a:ext cx="766632" cy="2520280"/>
-          </a:xfrm>
-          <a:prstGeom prst="bentConnector3">
-            <a:avLst/>
-          </a:prstGeom>
-          <a:ln>
-            <a:tailEnd type="triangle"/>
-          </a:ln>
-        </p:spPr>
-        <p:style>
-          <a:lnRef idx="1">
-            <a:schemeClr val="accent1"/>
-          </a:lnRef>
-          <a:fillRef idx="0">
-            <a:schemeClr val="accent1"/>
-          </a:fillRef>
-          <a:effectRef idx="0">
-            <a:schemeClr val="accent1"/>
-          </a:effectRef>
-          <a:fontRef idx="minor">
-            <a:schemeClr val="tx1"/>
-          </a:fontRef>
-        </p:style>
-      </p:cxnSp>
-      <p:sp>
-        <p:nvSpPr>
-          <p:cNvPr id="21" name="Rectangle 20">
-            <a:extLst>
-              <a:ext uri="{FF2B5EF4-FFF2-40B4-BE49-F238E27FC236}">
-                <a16:creationId xmlns:a16="http://schemas.microsoft.com/office/drawing/2014/main" id="{EFB9DFA5-A109-4685-8784-CBA97D5F7F4E}"/>
-              </a:ext>
-            </a:extLst>
-          </p:cNvPr>
-          <p:cNvSpPr/>
-          <p:nvPr/>
-        </p:nvSpPr>
-        <p:spPr>
-          <a:xfrm>
-            <a:off x="3779912" y="5358546"/>
-            <a:ext cx="936104" cy="404246"/>
-          </a:xfrm>
-          <a:prstGeom prst="rect">
-            <a:avLst/>
-          </a:prstGeom>
-          <a:solidFill>
-            <a:srgbClr val="0070C0"/>
-          </a:solidFill>
-        </p:spPr>
-        <p:style>
-          <a:lnRef idx="2">
-            <a:schemeClr val="accent1">
-              <a:shade val="50000"/>
-            </a:schemeClr>
-          </a:lnRef>
-          <a:fillRef idx="1">
-            <a:schemeClr val="accent1"/>
-          </a:fillRef>
-          <a:effectRef idx="0">
-            <a:schemeClr val="accent1"/>
-          </a:effectRef>
-          <a:fontRef idx="minor">
-            <a:schemeClr val="lt1"/>
-          </a:fontRef>
-        </p:style>
-        <p:txBody>
-          <a:bodyPr rtlCol="0" anchor="ctr"/>
-          <a:lstStyle/>
-          <a:p>
-            <a:pPr algn="ctr"/>
-            <a:r>
-              <a:rPr lang="en-US" dirty="0"/>
-              <a:t>D</a:t>
-            </a:r>
-          </a:p>
-        </p:txBody>
-      </p:sp>
-      <p:sp>
-        <p:nvSpPr>
-          <p:cNvPr id="22" name="Rectangle 21">
-            <a:extLst>
-              <a:ext uri="{FF2B5EF4-FFF2-40B4-BE49-F238E27FC236}">
-                <a16:creationId xmlns:a16="http://schemas.microsoft.com/office/drawing/2014/main" id="{AFFC857F-3D17-4F8B-A9D5-04EC8BB56533}"/>
-              </a:ext>
-            </a:extLst>
-          </p:cNvPr>
-          <p:cNvSpPr/>
-          <p:nvPr/>
-        </p:nvSpPr>
-        <p:spPr>
-          <a:xfrm>
-            <a:off x="6300192" y="5347760"/>
-            <a:ext cx="936104" cy="404246"/>
-          </a:xfrm>
-          <a:prstGeom prst="rect">
-            <a:avLst/>
-          </a:prstGeom>
-          <a:solidFill>
-            <a:srgbClr val="92D050"/>
-          </a:solidFill>
-        </p:spPr>
-        <p:style>
-          <a:lnRef idx="2">
-            <a:schemeClr val="accent1">
-              <a:shade val="50000"/>
-            </a:schemeClr>
-          </a:lnRef>
-          <a:fillRef idx="1">
-            <a:schemeClr val="accent1"/>
-          </a:fillRef>
-          <a:effectRef idx="0">
-            <a:schemeClr val="accent1"/>
-          </a:effectRef>
-          <a:fontRef idx="minor">
-            <a:schemeClr val="lt1"/>
-          </a:fontRef>
-        </p:style>
-        <p:txBody>
-          <a:bodyPr rtlCol="0" anchor="ctr"/>
-          <a:lstStyle/>
-          <a:p>
-            <a:pPr algn="ctr"/>
-            <a:r>
-              <a:rPr lang="en-US" dirty="0"/>
-              <a:t>E</a:t>
-            </a:r>
-          </a:p>
-        </p:txBody>
-      </p:sp>
-      <p:sp>
-        <p:nvSpPr>
-          <p:cNvPr id="23" name="Rectangle 22">
-            <a:extLst>
-              <a:ext uri="{FF2B5EF4-FFF2-40B4-BE49-F238E27FC236}">
-                <a16:creationId xmlns:a16="http://schemas.microsoft.com/office/drawing/2014/main" id="{EC285AE9-CDFA-4FF5-9943-7A7183005579}"/>
-              </a:ext>
-            </a:extLst>
-          </p:cNvPr>
-          <p:cNvSpPr/>
-          <p:nvPr/>
-        </p:nvSpPr>
-        <p:spPr>
-          <a:xfrm>
-            <a:off x="6300192" y="6337122"/>
-            <a:ext cx="936104" cy="404246"/>
-          </a:xfrm>
-          <a:prstGeom prst="rect">
-            <a:avLst/>
-          </a:prstGeom>
-          <a:solidFill>
-            <a:srgbClr val="0070C0"/>
-          </a:solidFill>
-        </p:spPr>
-        <p:style>
-          <a:lnRef idx="2">
-            <a:schemeClr val="accent1">
-              <a:shade val="50000"/>
-            </a:schemeClr>
-          </a:lnRef>
-          <a:fillRef idx="1">
-            <a:schemeClr val="accent1"/>
-          </a:fillRef>
-          <a:effectRef idx="0">
-            <a:schemeClr val="accent1"/>
-          </a:effectRef>
-          <a:fontRef idx="minor">
-            <a:schemeClr val="lt1"/>
-          </a:fontRef>
-        </p:style>
-        <p:txBody>
-          <a:bodyPr rtlCol="0" anchor="ctr"/>
-          <a:lstStyle/>
-          <a:p>
-            <a:pPr algn="ctr"/>
-            <a:r>
-              <a:rPr lang="en-US" dirty="0"/>
-              <a:t>F</a:t>
-            </a:r>
-          </a:p>
-        </p:txBody>
-      </p:sp>
-      <p:cxnSp>
-        <p:nvCxnSpPr>
-          <p:cNvPr id="25" name="Connector: Elbow 24">
-            <a:extLst>
-              <a:ext uri="{FF2B5EF4-FFF2-40B4-BE49-F238E27FC236}">
-                <a16:creationId xmlns:a16="http://schemas.microsoft.com/office/drawing/2014/main" id="{8566D521-4785-4387-B645-1B937EDCCD62}"/>
-              </a:ext>
-            </a:extLst>
-          </p:cNvPr>
-          <p:cNvCxnSpPr>
-            <a:stCxn id="15" idx="2"/>
-            <a:endCxn id="21" idx="0"/>
-          </p:cNvCxnSpPr>
-          <p:nvPr/>
-        </p:nvCxnSpPr>
-        <p:spPr>
-          <a:xfrm rot="5400000">
-            <a:off x="3950013" y="5060595"/>
-            <a:ext cx="595902" cy="12700"/>
-          </a:xfrm>
-          <a:prstGeom prst="bentConnector3">
-            <a:avLst/>
-          </a:prstGeom>
-          <a:ln>
-            <a:tailEnd type="triangle"/>
-          </a:ln>
-        </p:spPr>
-        <p:style>
-          <a:lnRef idx="1">
-            <a:schemeClr val="accent1"/>
-          </a:lnRef>
-          <a:fillRef idx="0">
-            <a:schemeClr val="accent1"/>
-          </a:fillRef>
-          <a:effectRef idx="0">
-            <a:schemeClr val="accent1"/>
-          </a:effectRef>
-          <a:fontRef idx="minor">
-            <a:schemeClr val="tx1"/>
-          </a:fontRef>
-        </p:style>
-      </p:cxnSp>
-      <p:cxnSp>
-        <p:nvCxnSpPr>
-          <p:cNvPr id="27" name="Connector: Elbow 26">
-            <a:extLst>
-              <a:ext uri="{FF2B5EF4-FFF2-40B4-BE49-F238E27FC236}">
-                <a16:creationId xmlns:a16="http://schemas.microsoft.com/office/drawing/2014/main" id="{B3A72A48-D7CC-4880-84E8-F7FAA91F2504}"/>
-              </a:ext>
-            </a:extLst>
-          </p:cNvPr>
-          <p:cNvCxnSpPr>
-            <a:stCxn id="18" idx="2"/>
-            <a:endCxn id="22" idx="0"/>
-          </p:cNvCxnSpPr>
-          <p:nvPr/>
-        </p:nvCxnSpPr>
-        <p:spPr>
-          <a:xfrm rot="5400000">
-            <a:off x="6475686" y="5055202"/>
-            <a:ext cx="585116" cy="12700"/>
-          </a:xfrm>
-          <a:prstGeom prst="bentConnector3">
-            <a:avLst/>
-          </a:prstGeom>
-          <a:ln>
-            <a:tailEnd type="triangle"/>
-          </a:ln>
-        </p:spPr>
-        <p:style>
-          <a:lnRef idx="1">
-            <a:schemeClr val="accent1"/>
-          </a:lnRef>
-          <a:fillRef idx="0">
-            <a:schemeClr val="accent1"/>
-          </a:fillRef>
-          <a:effectRef idx="0">
-            <a:schemeClr val="accent1"/>
-          </a:effectRef>
-          <a:fontRef idx="minor">
-            <a:schemeClr val="tx1"/>
-          </a:fontRef>
-        </p:style>
-      </p:cxnSp>
-      <p:cxnSp>
-        <p:nvCxnSpPr>
-          <p:cNvPr id="29" name="Connector: Elbow 28">
-            <a:extLst>
-              <a:ext uri="{FF2B5EF4-FFF2-40B4-BE49-F238E27FC236}">
-                <a16:creationId xmlns:a16="http://schemas.microsoft.com/office/drawing/2014/main" id="{F45C6B26-416A-443E-8731-E1F60617843D}"/>
-              </a:ext>
-            </a:extLst>
-          </p:cNvPr>
-          <p:cNvCxnSpPr>
-            <a:stCxn id="22" idx="2"/>
-            <a:endCxn id="23" idx="0"/>
-          </p:cNvCxnSpPr>
-          <p:nvPr/>
-        </p:nvCxnSpPr>
-        <p:spPr>
-          <a:xfrm rot="5400000">
-            <a:off x="6475686" y="6044564"/>
-            <a:ext cx="585116" cy="12700"/>
-          </a:xfrm>
-          <a:prstGeom prst="bentConnector3">
-            <a:avLst/>
-          </a:prstGeom>
-          <a:ln>
-            <a:tailEnd type="triangle"/>
-          </a:ln>
-        </p:spPr>
-        <p:style>
-          <a:lnRef idx="1">
-            <a:schemeClr val="accent1"/>
-          </a:lnRef>
-          <a:fillRef idx="0">
-            <a:schemeClr val="accent1"/>
-          </a:fillRef>
-          <a:effectRef idx="0">
-            <a:schemeClr val="accent1"/>
-          </a:effectRef>
-          <a:fontRef idx="minor">
-            <a:schemeClr val="tx1"/>
-          </a:fontRef>
-        </p:style>
-      </p:cxnSp>
-      <p:sp>
-        <p:nvSpPr>
-          <p:cNvPr id="8" name="Rectangle 7">
-            <a:extLst>
-              <a:ext uri="{FF2B5EF4-FFF2-40B4-BE49-F238E27FC236}">
-                <a16:creationId xmlns:a16="http://schemas.microsoft.com/office/drawing/2014/main" id="{3525F62D-AB6B-4C83-B1E1-DE9D89703FF1}"/>
-              </a:ext>
-            </a:extLst>
-          </p:cNvPr>
-          <p:cNvSpPr/>
-          <p:nvPr/>
-        </p:nvSpPr>
-        <p:spPr>
-          <a:xfrm>
-            <a:off x="5292080" y="3284984"/>
-            <a:ext cx="1152128" cy="300431"/>
-          </a:xfrm>
-          <a:prstGeom prst="rect">
-            <a:avLst/>
-          </a:prstGeom>
-          <a:solidFill>
-            <a:srgbClr val="00B0F0"/>
-          </a:solidFill>
-        </p:spPr>
-        <p:style>
-          <a:lnRef idx="2">
-            <a:schemeClr val="accent1">
-              <a:shade val="50000"/>
-            </a:schemeClr>
-          </a:lnRef>
-          <a:fillRef idx="1">
-            <a:schemeClr val="accent1"/>
-          </a:fillRef>
-          <a:effectRef idx="0">
-            <a:schemeClr val="accent1"/>
-          </a:effectRef>
-          <a:fontRef idx="minor">
-            <a:schemeClr val="lt1"/>
-          </a:fontRef>
-        </p:style>
-        <p:txBody>
-          <a:bodyPr rtlCol="0" anchor="ctr"/>
-          <a:lstStyle/>
-          <a:p>
-            <a:pPr algn="ctr"/>
-            <a:r>
-              <a:rPr lang="en-US" dirty="0"/>
-              <a:t>username</a:t>
-            </a:r>
           </a:p>
         </p:txBody>
       </p:sp>
     </p:spTree>
     <p:extLst>
       <p:ext uri="{BB962C8B-B14F-4D97-AF65-F5344CB8AC3E}">
-        <p14:creationId xmlns:p14="http://schemas.microsoft.com/office/powerpoint/2010/main" val="2072331584"/>
+        <p14:creationId xmlns:p14="http://schemas.microsoft.com/office/powerpoint/2010/main" val="3433884044"/>
       </p:ext>
     </p:extLst>
   </p:cSld>
@@ -5604,7 +4341,7 @@
 </p:sld>
 </file>
 
-<file path=ppt/slides/slide4.xml><?xml version="1.0" encoding="utf-8"?>
+<file path=ppt/slides/slide3.xml><?xml version="1.0" encoding="utf-8"?>
 <p:sld xmlns:a="http://schemas.openxmlformats.org/drawingml/2006/main" xmlns:r="http://schemas.openxmlformats.org/officeDocument/2006/relationships" xmlns:p="http://schemas.openxmlformats.org/presentationml/2006/main">
   <p:cSld>
     <p:spTree>
@@ -5698,8 +4435,8 @@
         </p:nvSpPr>
         <p:spPr>
           <a:xfrm>
-            <a:off x="467544" y="1340766"/>
-            <a:ext cx="8352928" cy="1637079"/>
+            <a:off x="467544" y="1340765"/>
+            <a:ext cx="8352928" cy="2575887"/>
           </a:xfrm>
           <a:ln>
             <a:solidFill>
@@ -5741,13 +4478,13 @@
               <a:buChar char="u"/>
             </a:pPr>
             <a:r>
-              <a:rPr lang="en-US" altLang="zh-TW" sz="1800" b="1" dirty="0">
+              <a:rPr lang="en-US" altLang="zh-TW" sz="1800" dirty="0">
                 <a:solidFill>
                   <a:schemeClr val="tx1"/>
                 </a:solidFill>
                 <a:latin typeface="+mj-lt"/>
               </a:rPr>
-              <a:t>For component A, it is very straightforward. Directly pass it as props.</a:t>
+              <a:t>Context (con: together, texture: weave) means connection together.</a:t>
             </a:r>
           </a:p>
           <a:p>
@@ -5760,13 +4497,13 @@
               <a:buChar char="u"/>
             </a:pPr>
             <a:r>
-              <a:rPr lang="en-US" altLang="zh-TW" sz="1800" b="1" dirty="0">
+              <a:rPr lang="en-US" altLang="zh-TW" sz="1800" dirty="0">
                 <a:solidFill>
                   <a:schemeClr val="tx1"/>
                 </a:solidFill>
                 <a:latin typeface="+mj-lt"/>
               </a:rPr>
-              <a:t>For component D, however, we have the intermediate component B.</a:t>
+              <a:t>Consider a React Application has a lot of components. </a:t>
             </a:r>
           </a:p>
           <a:p>
@@ -5779,19 +4516,55 @@
               <a:buChar char="u"/>
             </a:pPr>
             <a:r>
-              <a:rPr lang="en-US" altLang="zh-TW" sz="1800" b="1" dirty="0">
+              <a:rPr lang="en-US" altLang="zh-TW" sz="1800" dirty="0">
                 <a:solidFill>
                   <a:schemeClr val="tx1"/>
                 </a:solidFill>
                 <a:latin typeface="+mj-lt"/>
               </a:rPr>
-              <a:t>So we have to pass down the username as a prop to component B and that in turn has to pass down the prop to component D.</a:t>
-            </a:r>
-            <a:endParaRPr lang="en-US" altLang="zh-TW" sz="1800" b="1" dirty="0">
+              <a:t>We have AppComponent as the root component</a:t>
+            </a:r>
+            <a:endParaRPr lang="en-US" altLang="zh-TW" sz="1800" dirty="0">
               <a:solidFill>
                 <a:schemeClr val="tx1"/>
               </a:solidFill>
             </a:endParaRPr>
+          </a:p>
+          <a:p>
+            <a:pPr marL="342900" indent="-342900" algn="l">
+              <a:buClr>
+                <a:srgbClr val="0070C0"/>
+              </a:buClr>
+              <a:buSzPct val="80000"/>
+              <a:buFont typeface="Wingdings" pitchFamily="2" charset="2"/>
+              <a:buChar char="u"/>
+            </a:pPr>
+            <a:r>
+              <a:rPr lang="en-US" altLang="zh-TW" sz="1800" dirty="0">
+                <a:solidFill>
+                  <a:schemeClr val="tx1"/>
+                </a:solidFill>
+              </a:rPr>
+              <a:t>Within the AppComponent at different level are several other components.</a:t>
+            </a:r>
+          </a:p>
+          <a:p>
+            <a:pPr marL="342900" indent="-342900" algn="l">
+              <a:buClr>
+                <a:srgbClr val="0070C0"/>
+              </a:buClr>
+              <a:buSzPct val="80000"/>
+              <a:buFont typeface="Wingdings" pitchFamily="2" charset="2"/>
+              <a:buChar char="u"/>
+            </a:pPr>
+            <a:r>
+              <a:rPr lang="en-US" altLang="zh-TW" sz="1800" dirty="0">
+                <a:solidFill>
+                  <a:schemeClr val="tx1"/>
+                </a:solidFill>
+              </a:rPr>
+              <a:t>At the first level, we have components A, B, and C. Nested within component B is component D. Nested within component C is component E. Nested within component E is component F. We have three levels in total.</a:t>
+            </a:r>
           </a:p>
         </p:txBody>
       </p:sp>
@@ -5877,7 +4650,7 @@
             <a:fld id="{A4F910E6-8D00-4BAF-8C48-9688E0B449D3}" type="datetime1">
               <a:rPr lang="zh-TW" altLang="en-US" smtClean="0"/>
               <a:pPr/>
-              <a:t>2020/4/7</a:t>
+              <a:t>2020/5/25</a:t>
             </a:fld>
             <a:endParaRPr lang="zh-TW" altLang="en-US"/>
           </a:p>
@@ -5906,7 +4679,7 @@
             <a:fld id="{E4D7E63D-91F2-4366-A2C4-1B00C9E2590E}" type="slidenum">
               <a:rPr lang="zh-TW" altLang="en-US" smtClean="0"/>
               <a:pPr/>
-              <a:t>4</a:t>
+              <a:t>3</a:t>
             </a:fld>
             <a:endParaRPr lang="zh-TW" altLang="en-US"/>
           </a:p>
@@ -5926,7 +4699,7 @@
         </p:nvSpPr>
         <p:spPr>
           <a:xfrm>
-            <a:off x="3419872" y="3159718"/>
+            <a:off x="3419872" y="3933056"/>
             <a:ext cx="1656184" cy="432048"/>
           </a:xfrm>
           <a:prstGeom prst="rect">
@@ -5960,10 +4733,9 @@
           <a:p>
             <a:pPr algn="ctr"/>
             <a:r>
-              <a:rPr lang="en-US" dirty="0" err="1"/>
+              <a:rPr lang="en-US" dirty="0"/>
               <a:t>AppComponent</a:t>
             </a:r>
-            <a:endParaRPr lang="en-US" dirty="0"/>
           </a:p>
         </p:txBody>
       </p:sp>
@@ -5981,14 +4753,14 @@
         </p:nvSpPr>
         <p:spPr>
           <a:xfrm>
-            <a:off x="1259632" y="4358398"/>
+            <a:off x="1259632" y="4893570"/>
             <a:ext cx="936104" cy="404246"/>
           </a:xfrm>
           <a:prstGeom prst="rect">
             <a:avLst/>
           </a:prstGeom>
           <a:solidFill>
-            <a:srgbClr val="0070C0"/>
+            <a:srgbClr val="92D050"/>
           </a:solidFill>
         </p:spPr>
         <p:style>
@@ -6036,8 +4808,8 @@
         </p:nvCxnSpPr>
         <p:spPr>
           <a:xfrm rot="5400000">
-            <a:off x="2604508" y="2714942"/>
-            <a:ext cx="766632" cy="2520280"/>
+            <a:off x="2723591" y="3369197"/>
+            <a:ext cx="528466" cy="2520280"/>
           </a:xfrm>
           <a:prstGeom prst="bentConnector3">
             <a:avLst/>
@@ -6075,7 +4847,7 @@
         </p:nvSpPr>
         <p:spPr>
           <a:xfrm>
-            <a:off x="3779912" y="4358398"/>
+            <a:off x="3779912" y="4893570"/>
             <a:ext cx="936104" cy="404246"/>
           </a:xfrm>
           <a:prstGeom prst="rect">
@@ -6130,8 +4902,8 @@
         </p:nvCxnSpPr>
         <p:spPr>
           <a:xfrm rot="5400000">
-            <a:off x="3864648" y="3975082"/>
-            <a:ext cx="766632" cy="12700"/>
+            <a:off x="3983731" y="4629337"/>
+            <a:ext cx="528466" cy="12700"/>
           </a:xfrm>
           <a:prstGeom prst="bentConnector3">
             <a:avLst/>
@@ -6169,7 +4941,7 @@
         </p:nvSpPr>
         <p:spPr>
           <a:xfrm>
-            <a:off x="6300192" y="4358398"/>
+            <a:off x="6300192" y="4893570"/>
             <a:ext cx="936104" cy="404246"/>
           </a:xfrm>
           <a:prstGeom prst="rect">
@@ -6224,8 +4996,8 @@
         </p:nvCxnSpPr>
         <p:spPr>
           <a:xfrm rot="16200000" flipH="1">
-            <a:off x="5124788" y="2714942"/>
-            <a:ext cx="766632" cy="2520280"/>
+            <a:off x="5243871" y="3369197"/>
+            <a:ext cx="528466" cy="2520280"/>
           </a:xfrm>
           <a:prstGeom prst="bentConnector3">
             <a:avLst/>
@@ -6263,14 +5035,14 @@
         </p:nvSpPr>
         <p:spPr>
           <a:xfrm>
-            <a:off x="3779912" y="5358546"/>
+            <a:off x="3786262" y="5517232"/>
             <a:ext cx="936104" cy="404246"/>
           </a:xfrm>
           <a:prstGeom prst="rect">
             <a:avLst/>
           </a:prstGeom>
           <a:solidFill>
-            <a:srgbClr val="0070C0"/>
+            <a:srgbClr val="92D050"/>
           </a:solidFill>
         </p:spPr>
         <p:style>
@@ -6315,7 +5087,7 @@
         </p:nvSpPr>
         <p:spPr>
           <a:xfrm>
-            <a:off x="6300192" y="5347760"/>
+            <a:off x="6300192" y="5517232"/>
             <a:ext cx="936104" cy="404246"/>
           </a:xfrm>
           <a:prstGeom prst="rect">
@@ -6367,14 +5139,14 @@
         </p:nvSpPr>
         <p:spPr>
           <a:xfrm>
-            <a:off x="6300192" y="6337122"/>
+            <a:off x="6300192" y="6093296"/>
             <a:ext cx="936104" cy="404246"/>
           </a:xfrm>
           <a:prstGeom prst="rect">
             <a:avLst/>
           </a:prstGeom>
           <a:solidFill>
-            <a:srgbClr val="0070C0"/>
+            <a:srgbClr val="92D050"/>
           </a:solidFill>
         </p:spPr>
         <p:style>
@@ -6421,9 +5193,9 @@
           <p:nvPr/>
         </p:nvCxnSpPr>
         <p:spPr>
-          <a:xfrm rot="5400000">
-            <a:off x="3950013" y="5060595"/>
-            <a:ext cx="595902" cy="12700"/>
+          <a:xfrm rot="16200000" flipH="1">
+            <a:off x="4141431" y="5404349"/>
+            <a:ext cx="219416" cy="6350"/>
           </a:xfrm>
           <a:prstGeom prst="bentConnector3">
             <a:avLst/>
@@ -6464,8 +5236,8 @@
         </p:nvCxnSpPr>
         <p:spPr>
           <a:xfrm rot="5400000">
-            <a:off x="6475686" y="5055202"/>
-            <a:ext cx="585116" cy="12700"/>
+            <a:off x="6658536" y="5407524"/>
+            <a:ext cx="219416" cy="12700"/>
           </a:xfrm>
           <a:prstGeom prst="bentConnector3">
             <a:avLst/>
@@ -6506,8 +5278,961 @@
         </p:nvCxnSpPr>
         <p:spPr>
           <a:xfrm rot="5400000">
-            <a:off x="6475686" y="6044564"/>
-            <a:ext cx="585116" cy="12700"/>
+            <a:off x="6682335" y="6007387"/>
+            <a:ext cx="171818" cy="12700"/>
+          </a:xfrm>
+          <a:prstGeom prst="bentConnector3">
+            <a:avLst/>
+          </a:prstGeom>
+          <a:ln>
+            <a:tailEnd type="triangle"/>
+          </a:ln>
+        </p:spPr>
+        <p:style>
+          <a:lnRef idx="1">
+            <a:schemeClr val="accent1"/>
+          </a:lnRef>
+          <a:fillRef idx="0">
+            <a:schemeClr val="accent1"/>
+          </a:fillRef>
+          <a:effectRef idx="0">
+            <a:schemeClr val="accent1"/>
+          </a:effectRef>
+          <a:fontRef idx="minor">
+            <a:schemeClr val="tx1"/>
+          </a:fontRef>
+        </p:style>
+      </p:cxnSp>
+    </p:spTree>
+  </p:cSld>
+  <p:clrMapOvr>
+    <a:masterClrMapping/>
+  </p:clrMapOvr>
+</p:sld>
+</file>
+
+<file path=ppt/slides/slide4.xml><?xml version="1.0" encoding="utf-8"?>
+<p:sld xmlns:a="http://schemas.openxmlformats.org/drawingml/2006/main" xmlns:r="http://schemas.openxmlformats.org/officeDocument/2006/relationships" xmlns:p="http://schemas.openxmlformats.org/presentationml/2006/main">
+  <p:cSld>
+    <p:spTree>
+      <p:nvGrpSpPr>
+        <p:cNvPr id="1" name=""/>
+        <p:cNvGrpSpPr/>
+        <p:nvPr/>
+      </p:nvGrpSpPr>
+      <p:grpSpPr>
+        <a:xfrm>
+          <a:off x="0" y="0"/>
+          <a:ext cx="0" cy="0"/>
+          <a:chOff x="0" y="0"/>
+          <a:chExt cx="0" cy="0"/>
+        </a:xfrm>
+      </p:grpSpPr>
+      <p:sp>
+        <p:nvSpPr>
+          <p:cNvPr id="2" name="標題 1"/>
+          <p:cNvSpPr>
+            <a:spLocks noGrp="1"/>
+          </p:cNvSpPr>
+          <p:nvPr>
+            <p:ph type="ctrTitle"/>
+          </p:nvPr>
+        </p:nvSpPr>
+        <p:spPr>
+          <a:xfrm>
+            <a:off x="0" y="1"/>
+            <a:ext cx="9144000" cy="764704"/>
+          </a:xfrm>
+          <a:gradFill flip="none" rotWithShape="1">
+            <a:gsLst>
+              <a:gs pos="0">
+                <a:srgbClr val="C00000">
+                  <a:shade val="30000"/>
+                  <a:satMod val="115000"/>
+                </a:srgbClr>
+              </a:gs>
+              <a:gs pos="50000">
+                <a:srgbClr val="C00000">
+                  <a:shade val="67500"/>
+                  <a:satMod val="115000"/>
+                </a:srgbClr>
+              </a:gs>
+              <a:gs pos="100000">
+                <a:srgbClr val="C00000">
+                  <a:shade val="100000"/>
+                  <a:satMod val="115000"/>
+                </a:srgbClr>
+              </a:gs>
+            </a:gsLst>
+            <a:path path="circle">
+              <a:fillToRect t="100000" r="100000"/>
+            </a:path>
+            <a:tileRect l="-100000" b="-100000"/>
+          </a:gradFill>
+        </p:spPr>
+        <p:txBody>
+          <a:bodyPr>
+            <a:normAutofit/>
+          </a:bodyPr>
+          <a:lstStyle/>
+          <a:p>
+            <a:pPr algn="l"/>
+            <a:r>
+              <a:rPr lang="en-US" altLang="zh-TW" b="1" dirty="0">
+                <a:solidFill>
+                  <a:srgbClr val="FFFF00"/>
+                </a:solidFill>
+              </a:rPr>
+              <a:t>38 Context 1</a:t>
+            </a:r>
+            <a:endParaRPr lang="zh-TW" altLang="en-US" b="1" dirty="0">
+              <a:solidFill>
+                <a:srgbClr val="FFFF00"/>
+              </a:solidFill>
+            </a:endParaRPr>
+          </a:p>
+        </p:txBody>
+      </p:sp>
+      <p:sp>
+        <p:nvSpPr>
+          <p:cNvPr id="3" name="副標題 2"/>
+          <p:cNvSpPr>
+            <a:spLocks noGrp="1"/>
+          </p:cNvSpPr>
+          <p:nvPr>
+            <p:ph type="subTitle" idx="1"/>
+          </p:nvPr>
+        </p:nvSpPr>
+        <p:spPr>
+          <a:xfrm>
+            <a:off x="467544" y="1340766"/>
+            <a:ext cx="8352928" cy="1931340"/>
+          </a:xfrm>
+          <a:ln>
+            <a:solidFill>
+              <a:srgbClr val="C00000"/>
+            </a:solidFill>
+          </a:ln>
+        </p:spPr>
+        <p:txBody>
+          <a:bodyPr>
+            <a:noAutofit/>
+          </a:bodyPr>
+          <a:lstStyle/>
+          <a:p>
+            <a:pPr marL="342900" indent="-342900" algn="l">
+              <a:buClr>
+                <a:srgbClr val="0070C0"/>
+              </a:buClr>
+              <a:buSzPct val="80000"/>
+              <a:buFont typeface="Wingdings" pitchFamily="2" charset="2"/>
+              <a:buChar char="u"/>
+            </a:pPr>
+            <a:r>
+              <a:rPr lang="en-US" altLang="zh-TW" sz="1800" b="1" dirty="0">
+                <a:solidFill>
+                  <a:schemeClr val="tx1"/>
+                </a:solidFill>
+                <a:latin typeface="+mj-lt"/>
+              </a:rPr>
+              <a:t>React Context</a:t>
+            </a:r>
+          </a:p>
+          <a:p>
+            <a:pPr marL="342900" indent="-342900" algn="l">
+              <a:buClr>
+                <a:srgbClr val="0070C0"/>
+              </a:buClr>
+              <a:buSzPct val="80000"/>
+              <a:buFont typeface="Wingdings" pitchFamily="2" charset="2"/>
+              <a:buChar char="u"/>
+            </a:pPr>
+            <a:r>
+              <a:rPr lang="en-US" altLang="zh-TW" sz="1800" dirty="0">
+                <a:solidFill>
+                  <a:schemeClr val="tx1"/>
+                </a:solidFill>
+                <a:latin typeface="+mj-lt"/>
+              </a:rPr>
+              <a:t>The requirement in our application is that the component A, D, and F are supposed to display the logged in user name.</a:t>
+            </a:r>
+          </a:p>
+          <a:p>
+            <a:pPr marL="342900" indent="-342900" algn="l">
+              <a:buClr>
+                <a:srgbClr val="0070C0"/>
+              </a:buClr>
+              <a:buSzPct val="80000"/>
+              <a:buFont typeface="Wingdings" pitchFamily="2" charset="2"/>
+              <a:buChar char="u"/>
+            </a:pPr>
+            <a:r>
+              <a:rPr lang="en-US" altLang="zh-TW" sz="1800" dirty="0">
+                <a:solidFill>
+                  <a:schemeClr val="tx1"/>
+                </a:solidFill>
+                <a:latin typeface="+mj-lt"/>
+              </a:rPr>
+              <a:t>That information is maintained as a property in the AppComponent.</a:t>
+            </a:r>
+          </a:p>
+          <a:p>
+            <a:pPr marL="342900" indent="-342900" algn="l">
+              <a:buClr>
+                <a:srgbClr val="0070C0"/>
+              </a:buClr>
+              <a:buSzPct val="80000"/>
+              <a:buFont typeface="Wingdings" pitchFamily="2" charset="2"/>
+              <a:buChar char="u"/>
+            </a:pPr>
+            <a:r>
+              <a:rPr lang="en-US" altLang="zh-TW" sz="1800" dirty="0">
+                <a:solidFill>
+                  <a:schemeClr val="tx1"/>
+                </a:solidFill>
+                <a:latin typeface="+mj-lt"/>
+              </a:rPr>
+              <a:t>To be able to display the user name in the nested components. </a:t>
+            </a:r>
+          </a:p>
+          <a:p>
+            <a:pPr marL="342900" indent="-342900" algn="l">
+              <a:buClr>
+                <a:srgbClr val="0070C0"/>
+              </a:buClr>
+              <a:buSzPct val="80000"/>
+              <a:buFont typeface="Wingdings" pitchFamily="2" charset="2"/>
+              <a:buChar char="u"/>
+            </a:pPr>
+            <a:r>
+              <a:rPr lang="en-US" altLang="zh-TW" sz="1800" dirty="0">
+                <a:solidFill>
+                  <a:schemeClr val="tx1"/>
+                </a:solidFill>
+                <a:latin typeface="+mj-lt"/>
+              </a:rPr>
+              <a:t>We need to pass down the  username as a props.</a:t>
+            </a:r>
+            <a:endParaRPr lang="en-US" altLang="zh-TW" sz="1800" dirty="0">
+              <a:solidFill>
+                <a:schemeClr val="tx1"/>
+              </a:solidFill>
+            </a:endParaRPr>
+          </a:p>
+        </p:txBody>
+      </p:sp>
+      <p:sp>
+        <p:nvSpPr>
+          <p:cNvPr id="4" name="標題 1"/>
+          <p:cNvSpPr txBox="1">
+            <a:spLocks/>
+          </p:cNvSpPr>
+          <p:nvPr/>
+        </p:nvSpPr>
+        <p:spPr>
+          <a:xfrm>
+            <a:off x="0" y="764704"/>
+            <a:ext cx="9144000" cy="398616"/>
+          </a:xfrm>
+          <a:prstGeom prst="rect">
+            <a:avLst/>
+          </a:prstGeom>
+          <a:gradFill flip="none" rotWithShape="1">
+            <a:gsLst>
+              <a:gs pos="0">
+                <a:srgbClr val="00B0F0">
+                  <a:shade val="30000"/>
+                  <a:satMod val="115000"/>
+                </a:srgbClr>
+              </a:gs>
+              <a:gs pos="50000">
+                <a:srgbClr val="00B0F0">
+                  <a:shade val="67500"/>
+                  <a:satMod val="115000"/>
+                </a:srgbClr>
+              </a:gs>
+              <a:gs pos="100000">
+                <a:srgbClr val="00B0F0">
+                  <a:shade val="100000"/>
+                  <a:satMod val="115000"/>
+                </a:srgbClr>
+              </a:gs>
+            </a:gsLst>
+            <a:path path="circle">
+              <a:fillToRect t="100000" r="100000"/>
+            </a:path>
+            <a:tileRect l="-100000" b="-100000"/>
+          </a:gradFill>
+        </p:spPr>
+        <p:txBody>
+          <a:bodyPr vert="horz" lIns="91440" tIns="45720" rIns="91440" bIns="45720" rtlCol="0" anchor="ctr">
+            <a:normAutofit/>
+          </a:bodyPr>
+          <a:lstStyle/>
+          <a:p>
+            <a:r>
+              <a:rPr lang="en-US" sz="1600" dirty="0">
+                <a:hlinkClick r:id="rId2"/>
+              </a:rPr>
+              <a:t>https://www.youtube.com/watch?v=j3j8St50fNY&amp;list=PLC3y8-rFHvwgg3vaYJgHGnModB54rxOk3&amp;index=38</a:t>
+            </a:r>
+            <a:endParaRPr lang="en-US" altLang="zh-TW" sz="1600" b="1" i="1" dirty="0"/>
+          </a:p>
+        </p:txBody>
+      </p:sp>
+      <p:sp>
+        <p:nvSpPr>
+          <p:cNvPr id="5" name="日期版面配置區 4"/>
+          <p:cNvSpPr>
+            <a:spLocks noGrp="1"/>
+          </p:cNvSpPr>
+          <p:nvPr>
+            <p:ph type="dt" sz="half" idx="10"/>
+          </p:nvPr>
+        </p:nvSpPr>
+        <p:spPr>
+          <a:xfrm>
+            <a:off x="457200" y="6356350"/>
+            <a:ext cx="2133600" cy="404246"/>
+          </a:xfrm>
+        </p:spPr>
+        <p:txBody>
+          <a:bodyPr/>
+          <a:lstStyle/>
+          <a:p>
+            <a:fld id="{A4F910E6-8D00-4BAF-8C48-9688E0B449D3}" type="datetime1">
+              <a:rPr lang="zh-TW" altLang="en-US" smtClean="0"/>
+              <a:pPr/>
+              <a:t>2020/5/25</a:t>
+            </a:fld>
+            <a:endParaRPr lang="zh-TW" altLang="en-US"/>
+          </a:p>
+        </p:txBody>
+      </p:sp>
+      <p:sp>
+        <p:nvSpPr>
+          <p:cNvPr id="6" name="投影片編號版面配置區 5"/>
+          <p:cNvSpPr>
+            <a:spLocks noGrp="1"/>
+          </p:cNvSpPr>
+          <p:nvPr>
+            <p:ph type="sldNum" sz="quarter" idx="12"/>
+          </p:nvPr>
+        </p:nvSpPr>
+        <p:spPr>
+          <a:xfrm>
+            <a:off x="6553200" y="6356350"/>
+            <a:ext cx="2133600" cy="404246"/>
+          </a:xfrm>
+        </p:spPr>
+        <p:txBody>
+          <a:bodyPr/>
+          <a:lstStyle/>
+          <a:p>
+            <a:fld id="{E4D7E63D-91F2-4366-A2C4-1B00C9E2590E}" type="slidenum">
+              <a:rPr lang="zh-TW" altLang="en-US" smtClean="0"/>
+              <a:pPr/>
+              <a:t>4</a:t>
+            </a:fld>
+            <a:endParaRPr lang="zh-TW" altLang="en-US"/>
+          </a:p>
+        </p:txBody>
+      </p:sp>
+      <p:sp>
+        <p:nvSpPr>
+          <p:cNvPr id="7" name="Rectangle 6">
+            <a:extLst>
+              <a:ext uri="{FF2B5EF4-FFF2-40B4-BE49-F238E27FC236}">
+                <a16:creationId xmlns:a16="http://schemas.microsoft.com/office/drawing/2014/main" id="{3B7F3B87-61C9-4D4F-845A-18B53CDDA0B4}"/>
+              </a:ext>
+            </a:extLst>
+          </p:cNvPr>
+          <p:cNvSpPr/>
+          <p:nvPr/>
+        </p:nvSpPr>
+        <p:spPr>
+          <a:xfrm>
+            <a:off x="3419872" y="3672826"/>
+            <a:ext cx="1656184" cy="432048"/>
+          </a:xfrm>
+          <a:prstGeom prst="rect">
+            <a:avLst/>
+          </a:prstGeom>
+          <a:solidFill>
+            <a:schemeClr val="accent2">
+              <a:lumMod val="75000"/>
+            </a:schemeClr>
+          </a:solidFill>
+        </p:spPr>
+        <p:style>
+          <a:lnRef idx="2">
+            <a:schemeClr val="accent1">
+              <a:shade val="50000"/>
+            </a:schemeClr>
+          </a:lnRef>
+          <a:fillRef idx="1">
+            <a:schemeClr val="accent1"/>
+          </a:fillRef>
+          <a:effectRef idx="0">
+            <a:schemeClr val="accent1"/>
+          </a:effectRef>
+          <a:fontRef idx="minor">
+            <a:schemeClr val="lt1"/>
+          </a:fontRef>
+        </p:style>
+        <p:txBody>
+          <a:bodyPr rtlCol="0" anchor="ctr"/>
+          <a:lstStyle/>
+          <a:p>
+            <a:pPr algn="ctr"/>
+            <a:r>
+              <a:rPr lang="en-US" dirty="0"/>
+              <a:t>AppComponent</a:t>
+            </a:r>
+          </a:p>
+        </p:txBody>
+      </p:sp>
+      <p:sp>
+        <p:nvSpPr>
+          <p:cNvPr id="12" name="Rectangle 11">
+            <a:extLst>
+              <a:ext uri="{FF2B5EF4-FFF2-40B4-BE49-F238E27FC236}">
+                <a16:creationId xmlns:a16="http://schemas.microsoft.com/office/drawing/2014/main" id="{C740B47C-8F93-4FC4-81D0-35C391B59DDE}"/>
+              </a:ext>
+            </a:extLst>
+          </p:cNvPr>
+          <p:cNvSpPr/>
+          <p:nvPr/>
+        </p:nvSpPr>
+        <p:spPr>
+          <a:xfrm>
+            <a:off x="1259632" y="4602224"/>
+            <a:ext cx="936104" cy="404246"/>
+          </a:xfrm>
+          <a:prstGeom prst="rect">
+            <a:avLst/>
+          </a:prstGeom>
+          <a:solidFill>
+            <a:srgbClr val="0070C0"/>
+          </a:solidFill>
+        </p:spPr>
+        <p:style>
+          <a:lnRef idx="2">
+            <a:schemeClr val="accent1">
+              <a:shade val="50000"/>
+            </a:schemeClr>
+          </a:lnRef>
+          <a:fillRef idx="1">
+            <a:schemeClr val="accent1"/>
+          </a:fillRef>
+          <a:effectRef idx="0">
+            <a:schemeClr val="accent1"/>
+          </a:effectRef>
+          <a:fontRef idx="minor">
+            <a:schemeClr val="lt1"/>
+          </a:fontRef>
+        </p:style>
+        <p:txBody>
+          <a:bodyPr rtlCol="0" anchor="ctr"/>
+          <a:lstStyle/>
+          <a:p>
+            <a:pPr algn="ctr"/>
+            <a:r>
+              <a:rPr lang="en-US" dirty="0"/>
+              <a:t>A</a:t>
+            </a:r>
+          </a:p>
+        </p:txBody>
+      </p:sp>
+      <p:cxnSp>
+        <p:nvCxnSpPr>
+          <p:cNvPr id="14" name="Connector: Elbow 13">
+            <a:extLst>
+              <a:ext uri="{FF2B5EF4-FFF2-40B4-BE49-F238E27FC236}">
+                <a16:creationId xmlns:a16="http://schemas.microsoft.com/office/drawing/2014/main" id="{36174D81-3E84-4F4D-B5A0-6B7BAC57F41D}"/>
+              </a:ext>
+            </a:extLst>
+          </p:cNvPr>
+          <p:cNvCxnSpPr>
+            <a:stCxn id="7" idx="2"/>
+            <a:endCxn id="12" idx="0"/>
+          </p:cNvCxnSpPr>
+          <p:nvPr/>
+        </p:nvCxnSpPr>
+        <p:spPr>
+          <a:xfrm rot="5400000">
+            <a:off x="2739149" y="3093409"/>
+            <a:ext cx="497350" cy="2520280"/>
+          </a:xfrm>
+          <a:prstGeom prst="bentConnector3">
+            <a:avLst/>
+          </a:prstGeom>
+          <a:ln>
+            <a:tailEnd type="triangle"/>
+          </a:ln>
+        </p:spPr>
+        <p:style>
+          <a:lnRef idx="1">
+            <a:schemeClr val="accent1"/>
+          </a:lnRef>
+          <a:fillRef idx="0">
+            <a:schemeClr val="accent1"/>
+          </a:fillRef>
+          <a:effectRef idx="0">
+            <a:schemeClr val="accent1"/>
+          </a:effectRef>
+          <a:fontRef idx="minor">
+            <a:schemeClr val="tx1"/>
+          </a:fontRef>
+        </p:style>
+      </p:cxnSp>
+      <p:sp>
+        <p:nvSpPr>
+          <p:cNvPr id="15" name="Rectangle 14">
+            <a:extLst>
+              <a:ext uri="{FF2B5EF4-FFF2-40B4-BE49-F238E27FC236}">
+                <a16:creationId xmlns:a16="http://schemas.microsoft.com/office/drawing/2014/main" id="{E77C73DF-B0D7-4E98-9416-7FE3DC864E03}"/>
+              </a:ext>
+            </a:extLst>
+          </p:cNvPr>
+          <p:cNvSpPr/>
+          <p:nvPr/>
+        </p:nvSpPr>
+        <p:spPr>
+          <a:xfrm>
+            <a:off x="3779912" y="4602224"/>
+            <a:ext cx="936104" cy="404246"/>
+          </a:xfrm>
+          <a:prstGeom prst="rect">
+            <a:avLst/>
+          </a:prstGeom>
+          <a:solidFill>
+            <a:srgbClr val="92D050"/>
+          </a:solidFill>
+        </p:spPr>
+        <p:style>
+          <a:lnRef idx="2">
+            <a:schemeClr val="accent1">
+              <a:shade val="50000"/>
+            </a:schemeClr>
+          </a:lnRef>
+          <a:fillRef idx="1">
+            <a:schemeClr val="accent1"/>
+          </a:fillRef>
+          <a:effectRef idx="0">
+            <a:schemeClr val="accent1"/>
+          </a:effectRef>
+          <a:fontRef idx="minor">
+            <a:schemeClr val="lt1"/>
+          </a:fontRef>
+        </p:style>
+        <p:txBody>
+          <a:bodyPr rtlCol="0" anchor="ctr"/>
+          <a:lstStyle/>
+          <a:p>
+            <a:pPr algn="ctr"/>
+            <a:r>
+              <a:rPr lang="en-US" dirty="0"/>
+              <a:t>B</a:t>
+            </a:r>
+          </a:p>
+        </p:txBody>
+      </p:sp>
+      <p:cxnSp>
+        <p:nvCxnSpPr>
+          <p:cNvPr id="17" name="Connector: Elbow 16">
+            <a:extLst>
+              <a:ext uri="{FF2B5EF4-FFF2-40B4-BE49-F238E27FC236}">
+                <a16:creationId xmlns:a16="http://schemas.microsoft.com/office/drawing/2014/main" id="{E4897540-D724-4DE8-8470-D3C730BF55B0}"/>
+              </a:ext>
+            </a:extLst>
+          </p:cNvPr>
+          <p:cNvCxnSpPr>
+            <a:stCxn id="7" idx="2"/>
+            <a:endCxn id="15" idx="0"/>
+          </p:cNvCxnSpPr>
+          <p:nvPr/>
+        </p:nvCxnSpPr>
+        <p:spPr>
+          <a:xfrm rot="5400000">
+            <a:off x="3999289" y="4353549"/>
+            <a:ext cx="497350" cy="12700"/>
+          </a:xfrm>
+          <a:prstGeom prst="bentConnector3">
+            <a:avLst/>
+          </a:prstGeom>
+          <a:ln>
+            <a:tailEnd type="triangle"/>
+          </a:ln>
+        </p:spPr>
+        <p:style>
+          <a:lnRef idx="1">
+            <a:schemeClr val="accent1"/>
+          </a:lnRef>
+          <a:fillRef idx="0">
+            <a:schemeClr val="accent1"/>
+          </a:fillRef>
+          <a:effectRef idx="0">
+            <a:schemeClr val="accent1"/>
+          </a:effectRef>
+          <a:fontRef idx="minor">
+            <a:schemeClr val="tx1"/>
+          </a:fontRef>
+        </p:style>
+      </p:cxnSp>
+      <p:sp>
+        <p:nvSpPr>
+          <p:cNvPr id="18" name="Rectangle 17">
+            <a:extLst>
+              <a:ext uri="{FF2B5EF4-FFF2-40B4-BE49-F238E27FC236}">
+                <a16:creationId xmlns:a16="http://schemas.microsoft.com/office/drawing/2014/main" id="{16C8F14F-CE87-4C27-9EA2-770ED4995169}"/>
+              </a:ext>
+            </a:extLst>
+          </p:cNvPr>
+          <p:cNvSpPr/>
+          <p:nvPr/>
+        </p:nvSpPr>
+        <p:spPr>
+          <a:xfrm>
+            <a:off x="6300192" y="4602224"/>
+            <a:ext cx="936104" cy="404246"/>
+          </a:xfrm>
+          <a:prstGeom prst="rect">
+            <a:avLst/>
+          </a:prstGeom>
+          <a:solidFill>
+            <a:srgbClr val="92D050"/>
+          </a:solidFill>
+        </p:spPr>
+        <p:style>
+          <a:lnRef idx="2">
+            <a:schemeClr val="accent1">
+              <a:shade val="50000"/>
+            </a:schemeClr>
+          </a:lnRef>
+          <a:fillRef idx="1">
+            <a:schemeClr val="accent1"/>
+          </a:fillRef>
+          <a:effectRef idx="0">
+            <a:schemeClr val="accent1"/>
+          </a:effectRef>
+          <a:fontRef idx="minor">
+            <a:schemeClr val="lt1"/>
+          </a:fontRef>
+        </p:style>
+        <p:txBody>
+          <a:bodyPr rtlCol="0" anchor="ctr"/>
+          <a:lstStyle/>
+          <a:p>
+            <a:pPr algn="ctr"/>
+            <a:r>
+              <a:rPr lang="en-US" dirty="0"/>
+              <a:t>C</a:t>
+            </a:r>
+          </a:p>
+        </p:txBody>
+      </p:sp>
+      <p:cxnSp>
+        <p:nvCxnSpPr>
+          <p:cNvPr id="20" name="Connector: Elbow 19">
+            <a:extLst>
+              <a:ext uri="{FF2B5EF4-FFF2-40B4-BE49-F238E27FC236}">
+                <a16:creationId xmlns:a16="http://schemas.microsoft.com/office/drawing/2014/main" id="{1AE4378E-741C-4654-9F80-861B0BCE4816}"/>
+              </a:ext>
+            </a:extLst>
+          </p:cNvPr>
+          <p:cNvCxnSpPr>
+            <a:stCxn id="7" idx="2"/>
+            <a:endCxn id="18" idx="0"/>
+          </p:cNvCxnSpPr>
+          <p:nvPr/>
+        </p:nvCxnSpPr>
+        <p:spPr>
+          <a:xfrm rot="16200000" flipH="1">
+            <a:off x="5259429" y="3093409"/>
+            <a:ext cx="497350" cy="2520280"/>
+          </a:xfrm>
+          <a:prstGeom prst="bentConnector3">
+            <a:avLst/>
+          </a:prstGeom>
+          <a:ln>
+            <a:tailEnd type="triangle"/>
+          </a:ln>
+        </p:spPr>
+        <p:style>
+          <a:lnRef idx="1">
+            <a:schemeClr val="accent1"/>
+          </a:lnRef>
+          <a:fillRef idx="0">
+            <a:schemeClr val="accent1"/>
+          </a:fillRef>
+          <a:effectRef idx="0">
+            <a:schemeClr val="accent1"/>
+          </a:effectRef>
+          <a:fontRef idx="minor">
+            <a:schemeClr val="tx1"/>
+          </a:fontRef>
+        </p:style>
+      </p:cxnSp>
+      <p:sp>
+        <p:nvSpPr>
+          <p:cNvPr id="21" name="Rectangle 20">
+            <a:extLst>
+              <a:ext uri="{FF2B5EF4-FFF2-40B4-BE49-F238E27FC236}">
+                <a16:creationId xmlns:a16="http://schemas.microsoft.com/office/drawing/2014/main" id="{EFB9DFA5-A109-4685-8784-CBA97D5F7F4E}"/>
+              </a:ext>
+            </a:extLst>
+          </p:cNvPr>
+          <p:cNvSpPr/>
+          <p:nvPr/>
+        </p:nvSpPr>
+        <p:spPr>
+          <a:xfrm>
+            <a:off x="3779912" y="5339796"/>
+            <a:ext cx="936104" cy="404246"/>
+          </a:xfrm>
+          <a:prstGeom prst="rect">
+            <a:avLst/>
+          </a:prstGeom>
+          <a:solidFill>
+            <a:srgbClr val="0070C0"/>
+          </a:solidFill>
+        </p:spPr>
+        <p:style>
+          <a:lnRef idx="2">
+            <a:schemeClr val="accent1">
+              <a:shade val="50000"/>
+            </a:schemeClr>
+          </a:lnRef>
+          <a:fillRef idx="1">
+            <a:schemeClr val="accent1"/>
+          </a:fillRef>
+          <a:effectRef idx="0">
+            <a:schemeClr val="accent1"/>
+          </a:effectRef>
+          <a:fontRef idx="minor">
+            <a:schemeClr val="lt1"/>
+          </a:fontRef>
+        </p:style>
+        <p:txBody>
+          <a:bodyPr rtlCol="0" anchor="ctr"/>
+          <a:lstStyle/>
+          <a:p>
+            <a:pPr algn="ctr"/>
+            <a:r>
+              <a:rPr lang="en-US" dirty="0"/>
+              <a:t>D</a:t>
+            </a:r>
+          </a:p>
+        </p:txBody>
+      </p:sp>
+      <p:sp>
+        <p:nvSpPr>
+          <p:cNvPr id="22" name="Rectangle 21">
+            <a:extLst>
+              <a:ext uri="{FF2B5EF4-FFF2-40B4-BE49-F238E27FC236}">
+                <a16:creationId xmlns:a16="http://schemas.microsoft.com/office/drawing/2014/main" id="{AFFC857F-3D17-4F8B-A9D5-04EC8BB56533}"/>
+              </a:ext>
+            </a:extLst>
+          </p:cNvPr>
+          <p:cNvSpPr/>
+          <p:nvPr/>
+        </p:nvSpPr>
+        <p:spPr>
+          <a:xfrm>
+            <a:off x="6300192" y="5329010"/>
+            <a:ext cx="936104" cy="404246"/>
+          </a:xfrm>
+          <a:prstGeom prst="rect">
+            <a:avLst/>
+          </a:prstGeom>
+          <a:solidFill>
+            <a:srgbClr val="92D050"/>
+          </a:solidFill>
+        </p:spPr>
+        <p:style>
+          <a:lnRef idx="2">
+            <a:schemeClr val="accent1">
+              <a:shade val="50000"/>
+            </a:schemeClr>
+          </a:lnRef>
+          <a:fillRef idx="1">
+            <a:schemeClr val="accent1"/>
+          </a:fillRef>
+          <a:effectRef idx="0">
+            <a:schemeClr val="accent1"/>
+          </a:effectRef>
+          <a:fontRef idx="minor">
+            <a:schemeClr val="lt1"/>
+          </a:fontRef>
+        </p:style>
+        <p:txBody>
+          <a:bodyPr rtlCol="0" anchor="ctr"/>
+          <a:lstStyle/>
+          <a:p>
+            <a:pPr algn="ctr"/>
+            <a:r>
+              <a:rPr lang="en-US" dirty="0"/>
+              <a:t>E</a:t>
+            </a:r>
+          </a:p>
+        </p:txBody>
+      </p:sp>
+      <p:sp>
+        <p:nvSpPr>
+          <p:cNvPr id="23" name="Rectangle 22">
+            <a:extLst>
+              <a:ext uri="{FF2B5EF4-FFF2-40B4-BE49-F238E27FC236}">
+                <a16:creationId xmlns:a16="http://schemas.microsoft.com/office/drawing/2014/main" id="{EC285AE9-CDFA-4FF5-9943-7A7183005579}"/>
+              </a:ext>
+            </a:extLst>
+          </p:cNvPr>
+          <p:cNvSpPr/>
+          <p:nvPr/>
+        </p:nvSpPr>
+        <p:spPr>
+          <a:xfrm>
+            <a:off x="6300192" y="6049090"/>
+            <a:ext cx="936104" cy="404246"/>
+          </a:xfrm>
+          <a:prstGeom prst="rect">
+            <a:avLst/>
+          </a:prstGeom>
+          <a:solidFill>
+            <a:srgbClr val="0070C0"/>
+          </a:solidFill>
+        </p:spPr>
+        <p:style>
+          <a:lnRef idx="2">
+            <a:schemeClr val="accent1">
+              <a:shade val="50000"/>
+            </a:schemeClr>
+          </a:lnRef>
+          <a:fillRef idx="1">
+            <a:schemeClr val="accent1"/>
+          </a:fillRef>
+          <a:effectRef idx="0">
+            <a:schemeClr val="accent1"/>
+          </a:effectRef>
+          <a:fontRef idx="minor">
+            <a:schemeClr val="lt1"/>
+          </a:fontRef>
+        </p:style>
+        <p:txBody>
+          <a:bodyPr rtlCol="0" anchor="ctr"/>
+          <a:lstStyle/>
+          <a:p>
+            <a:pPr algn="ctr"/>
+            <a:r>
+              <a:rPr lang="en-US" dirty="0"/>
+              <a:t>F</a:t>
+            </a:r>
+          </a:p>
+        </p:txBody>
+      </p:sp>
+      <p:cxnSp>
+        <p:nvCxnSpPr>
+          <p:cNvPr id="25" name="Connector: Elbow 24">
+            <a:extLst>
+              <a:ext uri="{FF2B5EF4-FFF2-40B4-BE49-F238E27FC236}">
+                <a16:creationId xmlns:a16="http://schemas.microsoft.com/office/drawing/2014/main" id="{8566D521-4785-4387-B645-1B937EDCCD62}"/>
+              </a:ext>
+            </a:extLst>
+          </p:cNvPr>
+          <p:cNvCxnSpPr>
+            <a:stCxn id="15" idx="2"/>
+            <a:endCxn id="21" idx="0"/>
+          </p:cNvCxnSpPr>
+          <p:nvPr/>
+        </p:nvCxnSpPr>
+        <p:spPr>
+          <a:xfrm rot="5400000">
+            <a:off x="4081301" y="5173133"/>
+            <a:ext cx="333326" cy="12700"/>
+          </a:xfrm>
+          <a:prstGeom prst="bentConnector3">
+            <a:avLst/>
+          </a:prstGeom>
+          <a:ln>
+            <a:tailEnd type="triangle"/>
+          </a:ln>
+        </p:spPr>
+        <p:style>
+          <a:lnRef idx="1">
+            <a:schemeClr val="accent1"/>
+          </a:lnRef>
+          <a:fillRef idx="0">
+            <a:schemeClr val="accent1"/>
+          </a:fillRef>
+          <a:effectRef idx="0">
+            <a:schemeClr val="accent1"/>
+          </a:effectRef>
+          <a:fontRef idx="minor">
+            <a:schemeClr val="tx1"/>
+          </a:fontRef>
+        </p:style>
+      </p:cxnSp>
+      <p:cxnSp>
+        <p:nvCxnSpPr>
+          <p:cNvPr id="27" name="Connector: Elbow 26">
+            <a:extLst>
+              <a:ext uri="{FF2B5EF4-FFF2-40B4-BE49-F238E27FC236}">
+                <a16:creationId xmlns:a16="http://schemas.microsoft.com/office/drawing/2014/main" id="{B3A72A48-D7CC-4880-84E8-F7FAA91F2504}"/>
+              </a:ext>
+            </a:extLst>
+          </p:cNvPr>
+          <p:cNvCxnSpPr>
+            <a:stCxn id="18" idx="2"/>
+            <a:endCxn id="22" idx="0"/>
+          </p:cNvCxnSpPr>
+          <p:nvPr/>
+        </p:nvCxnSpPr>
+        <p:spPr>
+          <a:xfrm rot="5400000">
+            <a:off x="6606974" y="5167740"/>
+            <a:ext cx="322540" cy="12700"/>
+          </a:xfrm>
+          <a:prstGeom prst="bentConnector3">
+            <a:avLst/>
+          </a:prstGeom>
+          <a:ln>
+            <a:tailEnd type="triangle"/>
+          </a:ln>
+        </p:spPr>
+        <p:style>
+          <a:lnRef idx="1">
+            <a:schemeClr val="accent1"/>
+          </a:lnRef>
+          <a:fillRef idx="0">
+            <a:schemeClr val="accent1"/>
+          </a:fillRef>
+          <a:effectRef idx="0">
+            <a:schemeClr val="accent1"/>
+          </a:effectRef>
+          <a:fontRef idx="minor">
+            <a:schemeClr val="tx1"/>
+          </a:fontRef>
+        </p:style>
+      </p:cxnSp>
+      <p:cxnSp>
+        <p:nvCxnSpPr>
+          <p:cNvPr id="29" name="Connector: Elbow 28">
+            <a:extLst>
+              <a:ext uri="{FF2B5EF4-FFF2-40B4-BE49-F238E27FC236}">
+                <a16:creationId xmlns:a16="http://schemas.microsoft.com/office/drawing/2014/main" id="{F45C6B26-416A-443E-8731-E1F60617843D}"/>
+              </a:ext>
+            </a:extLst>
+          </p:cNvPr>
+          <p:cNvCxnSpPr>
+            <a:stCxn id="22" idx="2"/>
+            <a:endCxn id="23" idx="0"/>
+          </p:cNvCxnSpPr>
+          <p:nvPr/>
+        </p:nvCxnSpPr>
+        <p:spPr>
+          <a:xfrm rot="5400000">
+            <a:off x="6610327" y="5891173"/>
+            <a:ext cx="315834" cy="12700"/>
           </a:xfrm>
           <a:prstGeom prst="bentConnector3">
             <a:avLst/>
@@ -6545,7 +6270,7 @@
         </p:nvSpPr>
         <p:spPr>
           <a:xfrm>
-            <a:off x="5292080" y="3284984"/>
+            <a:off x="5292080" y="3798092"/>
             <a:ext cx="1152128" cy="300431"/>
           </a:xfrm>
           <a:prstGeom prst="rect">
@@ -6583,181 +6308,10 @@
           </a:p>
         </p:txBody>
       </p:sp>
-      <p:sp>
-        <p:nvSpPr>
-          <p:cNvPr id="26" name="Rectangle 25">
-            <a:extLst>
-              <a:ext uri="{FF2B5EF4-FFF2-40B4-BE49-F238E27FC236}">
-                <a16:creationId xmlns:a16="http://schemas.microsoft.com/office/drawing/2014/main" id="{0968F401-7554-4D5D-92F7-F4E7B6C66F0B}"/>
-              </a:ext>
-            </a:extLst>
-          </p:cNvPr>
-          <p:cNvSpPr/>
-          <p:nvPr/>
-        </p:nvSpPr>
-        <p:spPr>
-          <a:xfrm>
-            <a:off x="2014736" y="3992994"/>
-            <a:ext cx="910704" cy="300431"/>
-          </a:xfrm>
-          <a:prstGeom prst="rect">
-            <a:avLst/>
-          </a:prstGeom>
-          <a:noFill/>
-          <a:ln>
-            <a:noFill/>
-          </a:ln>
-        </p:spPr>
-        <p:style>
-          <a:lnRef idx="2">
-            <a:schemeClr val="accent1">
-              <a:shade val="50000"/>
-            </a:schemeClr>
-          </a:lnRef>
-          <a:fillRef idx="1">
-            <a:schemeClr val="accent1"/>
-          </a:fillRef>
-          <a:effectRef idx="0">
-            <a:schemeClr val="accent1"/>
-          </a:effectRef>
-          <a:fontRef idx="minor">
-            <a:schemeClr val="lt1"/>
-          </a:fontRef>
-        </p:style>
-        <p:txBody>
-          <a:bodyPr rtlCol="0" anchor="ctr"/>
-          <a:lstStyle/>
-          <a:p>
-            <a:pPr algn="ctr"/>
-            <a:r>
-              <a:rPr lang="en-US" sz="1400" dirty="0">
-                <a:solidFill>
-                  <a:schemeClr val="tx1"/>
-                </a:solidFill>
-              </a:rPr>
-              <a:t>username</a:t>
-            </a:r>
-          </a:p>
-        </p:txBody>
-      </p:sp>
-      <p:sp>
-        <p:nvSpPr>
-          <p:cNvPr id="28" name="Rectangle 27">
-            <a:extLst>
-              <a:ext uri="{FF2B5EF4-FFF2-40B4-BE49-F238E27FC236}">
-                <a16:creationId xmlns:a16="http://schemas.microsoft.com/office/drawing/2014/main" id="{F9AB0F72-9268-4A3B-BD4E-9DA5BA29DC71}"/>
-              </a:ext>
-            </a:extLst>
-          </p:cNvPr>
-          <p:cNvSpPr/>
-          <p:nvPr/>
-        </p:nvSpPr>
-        <p:spPr>
-          <a:xfrm>
-            <a:off x="4267014" y="4057967"/>
-            <a:ext cx="910704" cy="300431"/>
-          </a:xfrm>
-          <a:prstGeom prst="rect">
-            <a:avLst/>
-          </a:prstGeom>
-          <a:noFill/>
-          <a:ln>
-            <a:noFill/>
-          </a:ln>
-        </p:spPr>
-        <p:style>
-          <a:lnRef idx="2">
-            <a:schemeClr val="accent1">
-              <a:shade val="50000"/>
-            </a:schemeClr>
-          </a:lnRef>
-          <a:fillRef idx="1">
-            <a:schemeClr val="accent1"/>
-          </a:fillRef>
-          <a:effectRef idx="0">
-            <a:schemeClr val="accent1"/>
-          </a:effectRef>
-          <a:fontRef idx="minor">
-            <a:schemeClr val="lt1"/>
-          </a:fontRef>
-        </p:style>
-        <p:txBody>
-          <a:bodyPr rtlCol="0" anchor="ctr"/>
-          <a:lstStyle/>
-          <a:p>
-            <a:pPr algn="ctr"/>
-            <a:r>
-              <a:rPr lang="en-US" sz="1400" dirty="0">
-                <a:solidFill>
-                  <a:schemeClr val="tx1"/>
-                </a:solidFill>
-              </a:rPr>
-              <a:t>username</a:t>
-            </a:r>
-          </a:p>
-        </p:txBody>
-      </p:sp>
-      <p:sp>
-        <p:nvSpPr>
-          <p:cNvPr id="30" name="Rectangle 29">
-            <a:extLst>
-              <a:ext uri="{FF2B5EF4-FFF2-40B4-BE49-F238E27FC236}">
-                <a16:creationId xmlns:a16="http://schemas.microsoft.com/office/drawing/2014/main" id="{69FF77C4-1791-4639-B0C4-8A40A14D33C2}"/>
-              </a:ext>
-            </a:extLst>
-          </p:cNvPr>
-          <p:cNvSpPr/>
-          <p:nvPr/>
-        </p:nvSpPr>
-        <p:spPr>
-          <a:xfrm>
-            <a:off x="4267014" y="4947950"/>
-            <a:ext cx="910704" cy="300431"/>
-          </a:xfrm>
-          <a:prstGeom prst="rect">
-            <a:avLst/>
-          </a:prstGeom>
-          <a:noFill/>
-          <a:ln>
-            <a:noFill/>
-          </a:ln>
-        </p:spPr>
-        <p:style>
-          <a:lnRef idx="2">
-            <a:schemeClr val="accent1">
-              <a:shade val="50000"/>
-            </a:schemeClr>
-          </a:lnRef>
-          <a:fillRef idx="1">
-            <a:schemeClr val="accent1"/>
-          </a:fillRef>
-          <a:effectRef idx="0">
-            <a:schemeClr val="accent1"/>
-          </a:effectRef>
-          <a:fontRef idx="minor">
-            <a:schemeClr val="lt1"/>
-          </a:fontRef>
-        </p:style>
-        <p:txBody>
-          <a:bodyPr rtlCol="0" anchor="ctr"/>
-          <a:lstStyle/>
-          <a:p>
-            <a:pPr algn="ctr"/>
-            <a:r>
-              <a:rPr lang="en-US" sz="1400" dirty="0">
-                <a:solidFill>
-                  <a:schemeClr val="tx1"/>
-                </a:solidFill>
-              </a:rPr>
-              <a:t>username</a:t>
-            </a:r>
-          </a:p>
-        </p:txBody>
-      </p:sp>
     </p:spTree>
     <p:extLst>
       <p:ext uri="{BB962C8B-B14F-4D97-AF65-F5344CB8AC3E}">
-        <p14:creationId xmlns:p14="http://schemas.microsoft.com/office/powerpoint/2010/main" val="2021266787"/>
+        <p14:creationId xmlns:p14="http://schemas.microsoft.com/office/powerpoint/2010/main" val="2072331584"/>
       </p:ext>
     </p:extLst>
   </p:cSld>
@@ -6862,7 +6416,7 @@
         <p:spPr>
           <a:xfrm>
             <a:off x="467544" y="1340766"/>
-            <a:ext cx="8352928" cy="1828226"/>
+            <a:ext cx="8352928" cy="2163068"/>
           </a:xfrm>
           <a:ln>
             <a:solidFill>
@@ -6904,13 +6458,13 @@
               <a:buChar char="u"/>
             </a:pPr>
             <a:r>
-              <a:rPr lang="en-US" altLang="zh-TW" sz="1800" b="1" dirty="0">
+              <a:rPr lang="en-US" altLang="zh-TW" sz="1800" dirty="0">
                 <a:solidFill>
                   <a:schemeClr val="tx1"/>
                 </a:solidFill>
                 <a:latin typeface="+mj-lt"/>
               </a:rPr>
-              <a:t>If the components are nested five or ten levels deep, all the components in between would have to forward the prop. </a:t>
+              <a:t>For component A, it is very straightforward. Directly pass it as props.</a:t>
             </a:r>
           </a:p>
           <a:p>
@@ -6923,15 +6477,53 @@
               <a:buChar char="u"/>
             </a:pPr>
             <a:r>
-              <a:rPr lang="en-US" altLang="zh-TW" sz="1800" b="1" dirty="0">
+              <a:rPr lang="en-US" altLang="zh-TW" sz="1800" dirty="0">
                 <a:solidFill>
                   <a:schemeClr val="tx1"/>
                 </a:solidFill>
                 <a:latin typeface="+mj-lt"/>
               </a:rPr>
-              <a:t>This cause problem for certain type of props, such as, language preference UI team and authenticated user which are required by many components in your application.</a:t>
-            </a:r>
-            <a:endParaRPr lang="en-US" altLang="zh-TW" sz="1800" b="1" dirty="0">
+              <a:t>For component D, however, we have the intermediate component B.</a:t>
+            </a:r>
+          </a:p>
+          <a:p>
+            <a:pPr marL="342900" indent="-342900" algn="l">
+              <a:buClr>
+                <a:srgbClr val="0070C0"/>
+              </a:buClr>
+              <a:buSzPct val="80000"/>
+              <a:buFont typeface="Wingdings" pitchFamily="2" charset="2"/>
+              <a:buChar char="u"/>
+            </a:pPr>
+            <a:r>
+              <a:rPr lang="en-US" altLang="zh-TW" sz="1800" dirty="0">
+                <a:solidFill>
+                  <a:schemeClr val="tx1"/>
+                </a:solidFill>
+                <a:latin typeface="+mj-lt"/>
+              </a:rPr>
+              <a:t>So we have to pass down the username as a prop to component B and that in turn has to pass down the prop to component D.</a:t>
+            </a:r>
+          </a:p>
+          <a:p>
+            <a:pPr marL="342900" indent="-342900" algn="l">
+              <a:buClr>
+                <a:srgbClr val="0070C0"/>
+              </a:buClr>
+              <a:buSzPct val="80000"/>
+              <a:buFont typeface="Wingdings" pitchFamily="2" charset="2"/>
+              <a:buChar char="u"/>
+            </a:pPr>
+            <a:r>
+              <a:rPr lang="en-US" altLang="zh-TW" sz="1800" dirty="0">
+                <a:solidFill>
+                  <a:schemeClr val="tx1"/>
+                </a:solidFill>
+                <a:latin typeface="+mj-lt"/>
+              </a:rPr>
+              <a:t>The scenario is somewhat similar for component F as well. The prop has to be passed through component C, and then component E, and finally to component F.</a:t>
+            </a:r>
+            <a:endParaRPr lang="en-US" altLang="zh-TW" sz="1800" dirty="0">
               <a:solidFill>
                 <a:schemeClr val="tx1"/>
               </a:solidFill>
@@ -7021,7 +6613,7 @@
             <a:fld id="{A4F910E6-8D00-4BAF-8C48-9688E0B449D3}" type="datetime1">
               <a:rPr lang="zh-TW" altLang="en-US" smtClean="0"/>
               <a:pPr/>
-              <a:t>2020/4/7</a:t>
+              <a:t>2020/5/25</a:t>
             </a:fld>
             <a:endParaRPr lang="zh-TW" altLang="en-US"/>
           </a:p>
@@ -7070,7 +6662,7 @@
         </p:nvSpPr>
         <p:spPr>
           <a:xfrm>
-            <a:off x="3419872" y="3159718"/>
+            <a:off x="3484864" y="3529289"/>
             <a:ext cx="1656184" cy="432048"/>
           </a:xfrm>
           <a:prstGeom prst="rect">
@@ -7104,10 +6696,9 @@
           <a:p>
             <a:pPr algn="ctr"/>
             <a:r>
-              <a:rPr lang="en-US" dirty="0" err="1"/>
+              <a:rPr lang="en-US" dirty="0"/>
               <a:t>AppComponent</a:t>
             </a:r>
-            <a:endParaRPr lang="en-US" dirty="0"/>
           </a:p>
         </p:txBody>
       </p:sp>
@@ -7125,7 +6716,7 @@
         </p:nvSpPr>
         <p:spPr>
           <a:xfrm>
-            <a:off x="1259632" y="4358398"/>
+            <a:off x="1324624" y="4727969"/>
             <a:ext cx="936104" cy="404246"/>
           </a:xfrm>
           <a:prstGeom prst="rect">
@@ -7180,7 +6771,7 @@
         </p:nvCxnSpPr>
         <p:spPr>
           <a:xfrm rot="5400000">
-            <a:off x="2604508" y="2714942"/>
+            <a:off x="2669500" y="3084513"/>
             <a:ext cx="766632" cy="2520280"/>
           </a:xfrm>
           <a:prstGeom prst="bentConnector3">
@@ -7219,7 +6810,7 @@
         </p:nvSpPr>
         <p:spPr>
           <a:xfrm>
-            <a:off x="3779912" y="4358398"/>
+            <a:off x="3844904" y="4727969"/>
             <a:ext cx="936104" cy="404246"/>
           </a:xfrm>
           <a:prstGeom prst="rect">
@@ -7274,7 +6865,7 @@
         </p:nvCxnSpPr>
         <p:spPr>
           <a:xfrm rot="5400000">
-            <a:off x="3864648" y="3975082"/>
+            <a:off x="3929640" y="4344653"/>
             <a:ext cx="766632" cy="12700"/>
           </a:xfrm>
           <a:prstGeom prst="bentConnector3">
@@ -7313,7 +6904,7 @@
         </p:nvSpPr>
         <p:spPr>
           <a:xfrm>
-            <a:off x="6300192" y="4358398"/>
+            <a:off x="6365184" y="4727969"/>
             <a:ext cx="936104" cy="404246"/>
           </a:xfrm>
           <a:prstGeom prst="rect">
@@ -7368,7 +6959,7 @@
         </p:nvCxnSpPr>
         <p:spPr>
           <a:xfrm rot="16200000" flipH="1">
-            <a:off x="5124788" y="2714942"/>
+            <a:off x="5189780" y="3084513"/>
             <a:ext cx="766632" cy="2520280"/>
           </a:xfrm>
           <a:prstGeom prst="bentConnector3">
@@ -7407,7 +6998,7 @@
         </p:nvSpPr>
         <p:spPr>
           <a:xfrm>
-            <a:off x="3779912" y="5358546"/>
+            <a:off x="3844904" y="5505311"/>
             <a:ext cx="936104" cy="404246"/>
           </a:xfrm>
           <a:prstGeom prst="rect">
@@ -7459,7 +7050,7 @@
         </p:nvSpPr>
         <p:spPr>
           <a:xfrm>
-            <a:off x="6300192" y="5347760"/>
+            <a:off x="6365184" y="5494525"/>
             <a:ext cx="936104" cy="404246"/>
           </a:xfrm>
           <a:prstGeom prst="rect">
@@ -7511,7 +7102,7 @@
         </p:nvSpPr>
         <p:spPr>
           <a:xfrm>
-            <a:off x="6300192" y="6337122"/>
+            <a:off x="6365184" y="6246843"/>
             <a:ext cx="936104" cy="404246"/>
           </a:xfrm>
           <a:prstGeom prst="rect">
@@ -7566,8 +7157,8 @@
         </p:nvCxnSpPr>
         <p:spPr>
           <a:xfrm rot="5400000">
-            <a:off x="3950013" y="5060595"/>
-            <a:ext cx="595902" cy="12700"/>
+            <a:off x="4126408" y="5318763"/>
+            <a:ext cx="373096" cy="12700"/>
           </a:xfrm>
           <a:prstGeom prst="bentConnector3">
             <a:avLst/>
@@ -7608,8 +7199,8 @@
         </p:nvCxnSpPr>
         <p:spPr>
           <a:xfrm rot="5400000">
-            <a:off x="6475686" y="5055202"/>
-            <a:ext cx="585116" cy="12700"/>
+            <a:off x="6652081" y="5313370"/>
+            <a:ext cx="362310" cy="12700"/>
           </a:xfrm>
           <a:prstGeom prst="bentConnector3">
             <a:avLst/>
@@ -7650,8 +7241,8 @@
         </p:nvCxnSpPr>
         <p:spPr>
           <a:xfrm rot="5400000">
-            <a:off x="6475686" y="6044564"/>
-            <a:ext cx="585116" cy="12700"/>
+            <a:off x="6659200" y="6072807"/>
+            <a:ext cx="348072" cy="12700"/>
           </a:xfrm>
           <a:prstGeom prst="bentConnector3">
             <a:avLst/>
@@ -7689,7 +7280,7 @@
         </p:nvSpPr>
         <p:spPr>
           <a:xfrm>
-            <a:off x="5292080" y="3284984"/>
+            <a:off x="5357072" y="3654555"/>
             <a:ext cx="1152128" cy="300431"/>
           </a:xfrm>
           <a:prstGeom prst="rect">
@@ -7741,7 +7332,7 @@
         </p:nvSpPr>
         <p:spPr>
           <a:xfrm>
-            <a:off x="2014736" y="3992994"/>
+            <a:off x="2079728" y="4362565"/>
             <a:ext cx="910704" cy="300431"/>
           </a:xfrm>
           <a:prstGeom prst="rect">
@@ -7798,7 +7389,7 @@
         </p:nvSpPr>
         <p:spPr>
           <a:xfrm>
-            <a:off x="4267014" y="4057967"/>
+            <a:off x="4332006" y="4427538"/>
             <a:ext cx="910704" cy="300431"/>
           </a:xfrm>
           <a:prstGeom prst="rect">
@@ -7855,7 +7446,7 @@
         </p:nvSpPr>
         <p:spPr>
           <a:xfrm>
-            <a:off x="4267014" y="4947950"/>
+            <a:off x="4332006" y="5154324"/>
             <a:ext cx="910704" cy="300431"/>
           </a:xfrm>
           <a:prstGeom prst="rect">
@@ -7900,10 +7491,10 @@
       </p:sp>
       <p:sp>
         <p:nvSpPr>
-          <p:cNvPr id="24" name="Rectangle 23">
+          <p:cNvPr id="31" name="Rectangle 30">
             <a:extLst>
               <a:ext uri="{FF2B5EF4-FFF2-40B4-BE49-F238E27FC236}">
-                <a16:creationId xmlns:a16="http://schemas.microsoft.com/office/drawing/2014/main" id="{734EF50C-E076-49DA-A951-C09F39B898AD}"/>
+                <a16:creationId xmlns:a16="http://schemas.microsoft.com/office/drawing/2014/main" id="{60A64346-4CCB-4361-BD13-6FE833EB33BC}"/>
               </a:ext>
             </a:extLst>
           </p:cNvPr>
@@ -7912,7 +7503,7 @@
         </p:nvSpPr>
         <p:spPr>
           <a:xfrm>
-            <a:off x="6861818" y="4064345"/>
+            <a:off x="6966648" y="5094715"/>
             <a:ext cx="910704" cy="300431"/>
           </a:xfrm>
           <a:prstGeom prst="rect">
@@ -7957,10 +7548,10 @@
       </p:sp>
       <p:sp>
         <p:nvSpPr>
-          <p:cNvPr id="31" name="Rectangle 30">
+          <p:cNvPr id="32" name="Rectangle 31">
             <a:extLst>
               <a:ext uri="{FF2B5EF4-FFF2-40B4-BE49-F238E27FC236}">
-                <a16:creationId xmlns:a16="http://schemas.microsoft.com/office/drawing/2014/main" id="{5B9EB45D-1CD2-4141-A8CA-04B318F12788}"/>
+                <a16:creationId xmlns:a16="http://schemas.microsoft.com/office/drawing/2014/main" id="{5BB0AD57-4FFE-4D1F-8CA0-D5B78F964FA5}"/>
               </a:ext>
             </a:extLst>
           </p:cNvPr>
@@ -7969,7 +7560,7 @@
         </p:nvSpPr>
         <p:spPr>
           <a:xfrm>
-            <a:off x="6856292" y="4897864"/>
+            <a:off x="6966648" y="5821501"/>
             <a:ext cx="910704" cy="300431"/>
           </a:xfrm>
           <a:prstGeom prst="rect">
@@ -8014,10 +7605,10 @@
       </p:sp>
       <p:sp>
         <p:nvSpPr>
-          <p:cNvPr id="32" name="Rectangle 31">
+          <p:cNvPr id="33" name="Rectangle 32">
             <a:extLst>
               <a:ext uri="{FF2B5EF4-FFF2-40B4-BE49-F238E27FC236}">
-                <a16:creationId xmlns:a16="http://schemas.microsoft.com/office/drawing/2014/main" id="{5211D5C6-32E8-4DEE-B3B4-39765455F076}"/>
+                <a16:creationId xmlns:a16="http://schemas.microsoft.com/office/drawing/2014/main" id="{D366A551-FDCE-43C6-A212-CE5C2CB712B9}"/>
               </a:ext>
             </a:extLst>
           </p:cNvPr>
@@ -8026,7 +7617,7 @@
         </p:nvSpPr>
         <p:spPr>
           <a:xfrm>
-            <a:off x="6856292" y="5920699"/>
+            <a:off x="6889937" y="4362565"/>
             <a:ext cx="910704" cy="300431"/>
           </a:xfrm>
           <a:prstGeom prst="rect">
@@ -8072,7 +7663,7 @@
     </p:spTree>
     <p:extLst>
       <p:ext uri="{BB962C8B-B14F-4D97-AF65-F5344CB8AC3E}">
-        <p14:creationId xmlns:p14="http://schemas.microsoft.com/office/powerpoint/2010/main" val="3963717228"/>
+        <p14:creationId xmlns:p14="http://schemas.microsoft.com/office/powerpoint/2010/main" val="2021266787"/>
       </p:ext>
     </p:extLst>
   </p:cSld>
@@ -8177,7 +7768,7 @@
         <p:spPr>
           <a:xfrm>
             <a:off x="467544" y="1340766"/>
-            <a:ext cx="8352928" cy="1828226"/>
+            <a:ext cx="8352928" cy="1206168"/>
           </a:xfrm>
           <a:ln>
             <a:solidFill>
@@ -8219,50 +7810,13 @@
               <a:buChar char="u"/>
             </a:pPr>
             <a:r>
-              <a:rPr lang="en-US" altLang="zh-TW" sz="1800" b="1" dirty="0">
+              <a:rPr lang="en-US" altLang="zh-TW" sz="1800" dirty="0">
                 <a:solidFill>
                   <a:schemeClr val="tx1"/>
                 </a:solidFill>
                 <a:latin typeface="+mj-lt"/>
               </a:rPr>
-              <a:t>The scenario is similar to component F as well. The prop has to be passed through Component C, E, and finally F.</a:t>
-            </a:r>
-          </a:p>
-          <a:p>
-            <a:pPr marL="342900" indent="-342900" algn="l">
-              <a:buClr>
-                <a:srgbClr val="0070C0"/>
-              </a:buClr>
-              <a:buSzPct val="80000"/>
-              <a:buFont typeface="Wingdings" pitchFamily="2" charset="2"/>
-              <a:buChar char="u"/>
-            </a:pPr>
-            <a:r>
-              <a:rPr lang="en-US" altLang="zh-TW" sz="1800" b="1" dirty="0">
-                <a:solidFill>
-                  <a:schemeClr val="tx1"/>
-                </a:solidFill>
-                <a:latin typeface="+mj-lt"/>
-              </a:rPr>
-              <a:t>Even Component C and E do not need the prop, we still need to send prop through them in order to pass further down in the tree.</a:t>
-            </a:r>
-          </a:p>
-          <a:p>
-            <a:pPr marL="342900" indent="-342900" algn="l">
-              <a:buClr>
-                <a:srgbClr val="0070C0"/>
-              </a:buClr>
-              <a:buSzPct val="80000"/>
-              <a:buFont typeface="Wingdings" pitchFamily="2" charset="2"/>
-              <a:buChar char="u"/>
-            </a:pPr>
-            <a:r>
-              <a:rPr lang="en-US" altLang="zh-TW" sz="1800" b="1" dirty="0">
-                <a:solidFill>
-                  <a:schemeClr val="tx1"/>
-                </a:solidFill>
-              </a:rPr>
-              <a:t>This is where context come into the picture.</a:t>
+              <a:t>Now even though components B, C, and E do not need the prop, we still need to  send the prop through them to be able to pass it to components further down in the tree.</a:t>
             </a:r>
           </a:p>
         </p:txBody>
@@ -8349,7 +7903,7 @@
             <a:fld id="{A4F910E6-8D00-4BAF-8C48-9688E0B449D3}" type="datetime1">
               <a:rPr lang="zh-TW" altLang="en-US" smtClean="0"/>
               <a:pPr/>
-              <a:t>2020/4/7</a:t>
+              <a:t>2020/5/25</a:t>
             </a:fld>
             <a:endParaRPr lang="zh-TW" altLang="en-US"/>
           </a:p>
@@ -8398,7 +7952,7 @@
         </p:nvSpPr>
         <p:spPr>
           <a:xfrm>
-            <a:off x="3419872" y="3331536"/>
+            <a:off x="3419872" y="2924944"/>
             <a:ext cx="1656184" cy="432048"/>
           </a:xfrm>
           <a:prstGeom prst="rect">
@@ -8432,10 +7986,9 @@
           <a:p>
             <a:pPr algn="ctr"/>
             <a:r>
-              <a:rPr lang="en-US" dirty="0" err="1"/>
+              <a:rPr lang="en-US" dirty="0"/>
               <a:t>AppComponent</a:t>
             </a:r>
-            <a:endParaRPr lang="en-US" dirty="0"/>
           </a:p>
         </p:txBody>
       </p:sp>
@@ -8453,7 +8006,7 @@
         </p:nvSpPr>
         <p:spPr>
           <a:xfrm>
-            <a:off x="1259632" y="4530216"/>
+            <a:off x="1259632" y="3926350"/>
             <a:ext cx="936104" cy="404246"/>
           </a:xfrm>
           <a:prstGeom prst="rect">
@@ -8508,8 +8061,8 @@
         </p:nvCxnSpPr>
         <p:spPr>
           <a:xfrm rot="5400000">
-            <a:off x="2604508" y="2886760"/>
-            <a:ext cx="766632" cy="2520280"/>
+            <a:off x="2703145" y="2381531"/>
+            <a:ext cx="569358" cy="2520280"/>
           </a:xfrm>
           <a:prstGeom prst="bentConnector3">
             <a:avLst/>
@@ -8547,7 +8100,7 @@
         </p:nvSpPr>
         <p:spPr>
           <a:xfrm>
-            <a:off x="3779912" y="4530216"/>
+            <a:off x="3779912" y="3926350"/>
             <a:ext cx="936104" cy="404246"/>
           </a:xfrm>
           <a:prstGeom prst="rect">
@@ -8602,8 +8155,8 @@
         </p:nvCxnSpPr>
         <p:spPr>
           <a:xfrm rot="5400000">
-            <a:off x="3864648" y="4146900"/>
-            <a:ext cx="766632" cy="12700"/>
+            <a:off x="3963285" y="3641671"/>
+            <a:ext cx="569358" cy="12700"/>
           </a:xfrm>
           <a:prstGeom prst="bentConnector3">
             <a:avLst/>
@@ -8641,7 +8194,7 @@
         </p:nvSpPr>
         <p:spPr>
           <a:xfrm>
-            <a:off x="6300192" y="4530216"/>
+            <a:off x="6300192" y="3926350"/>
             <a:ext cx="936104" cy="404246"/>
           </a:xfrm>
           <a:prstGeom prst="rect">
@@ -8696,8 +8249,8 @@
         </p:nvCxnSpPr>
         <p:spPr>
           <a:xfrm rot="16200000" flipH="1">
-            <a:off x="5124788" y="2886760"/>
-            <a:ext cx="766632" cy="2520280"/>
+            <a:off x="5223425" y="2381531"/>
+            <a:ext cx="569358" cy="2520280"/>
           </a:xfrm>
           <a:prstGeom prst="bentConnector3">
             <a:avLst/>
@@ -8735,7 +8288,7 @@
         </p:nvSpPr>
         <p:spPr>
           <a:xfrm>
-            <a:off x="3779912" y="5339796"/>
+            <a:off x="3779912" y="4653136"/>
             <a:ext cx="936104" cy="404246"/>
           </a:xfrm>
           <a:prstGeom prst="rect">
@@ -8787,7 +8340,7 @@
         </p:nvSpPr>
         <p:spPr>
           <a:xfrm>
-            <a:off x="6300192" y="5329010"/>
+            <a:off x="6300192" y="4725144"/>
             <a:ext cx="936104" cy="404246"/>
           </a:xfrm>
           <a:prstGeom prst="rect">
@@ -8839,7 +8392,7 @@
         </p:nvSpPr>
         <p:spPr>
           <a:xfrm>
-            <a:off x="6300192" y="6121098"/>
+            <a:off x="6300192" y="5527063"/>
             <a:ext cx="936104" cy="404246"/>
           </a:xfrm>
           <a:prstGeom prst="rect">
@@ -8894,8 +8447,8 @@
         </p:nvCxnSpPr>
         <p:spPr>
           <a:xfrm rot="5400000">
-            <a:off x="4045297" y="5137129"/>
-            <a:ext cx="405334" cy="12700"/>
+            <a:off x="4086694" y="4491866"/>
+            <a:ext cx="322540" cy="12700"/>
           </a:xfrm>
           <a:prstGeom prst="bentConnector3">
             <a:avLst/>
@@ -8936,7 +8489,7 @@
         </p:nvCxnSpPr>
         <p:spPr>
           <a:xfrm rot="5400000">
-            <a:off x="6570970" y="5131736"/>
+            <a:off x="6570970" y="4527870"/>
             <a:ext cx="394548" cy="12700"/>
           </a:xfrm>
           <a:prstGeom prst="bentConnector3">
@@ -8978,8 +8531,8 @@
         </p:nvCxnSpPr>
         <p:spPr>
           <a:xfrm rot="5400000">
-            <a:off x="6574323" y="5927177"/>
-            <a:ext cx="387842" cy="12700"/>
+            <a:off x="6569408" y="5328226"/>
+            <a:ext cx="397673" cy="12700"/>
           </a:xfrm>
           <a:prstGeom prst="bentConnector3">
             <a:avLst/>
@@ -9017,7 +8570,7 @@
         </p:nvSpPr>
         <p:spPr>
           <a:xfrm>
-            <a:off x="5292080" y="3456802"/>
+            <a:off x="5292080" y="3050210"/>
             <a:ext cx="1152128" cy="300431"/>
           </a:xfrm>
           <a:prstGeom prst="rect">
@@ -9069,7 +8622,7 @@
         </p:nvSpPr>
         <p:spPr>
           <a:xfrm>
-            <a:off x="2014736" y="4164812"/>
+            <a:off x="1852619" y="3585704"/>
             <a:ext cx="910704" cy="300431"/>
           </a:xfrm>
           <a:prstGeom prst="rect">
@@ -9126,7 +8679,7 @@
         </p:nvSpPr>
         <p:spPr>
           <a:xfrm>
-            <a:off x="4267014" y="4229785"/>
+            <a:off x="4267014" y="3625919"/>
             <a:ext cx="910704" cy="300431"/>
           </a:xfrm>
           <a:prstGeom prst="rect">
@@ -9183,7 +8736,7 @@
         </p:nvSpPr>
         <p:spPr>
           <a:xfrm>
-            <a:off x="4298410" y="5034929"/>
+            <a:off x="4267014" y="4365104"/>
             <a:ext cx="910704" cy="300431"/>
           </a:xfrm>
           <a:prstGeom prst="rect">
@@ -9240,7 +8793,7 @@
         </p:nvSpPr>
         <p:spPr>
           <a:xfrm>
-            <a:off x="6861818" y="4236163"/>
+            <a:off x="6861818" y="3632297"/>
             <a:ext cx="910704" cy="300431"/>
           </a:xfrm>
           <a:prstGeom prst="rect">
@@ -9297,7 +8850,7 @@
         </p:nvSpPr>
         <p:spPr>
           <a:xfrm>
-            <a:off x="6856292" y="4968970"/>
+            <a:off x="6856292" y="4365104"/>
             <a:ext cx="910704" cy="300431"/>
           </a:xfrm>
           <a:prstGeom prst="rect">
@@ -9354,7 +8907,7 @@
         </p:nvSpPr>
         <p:spPr>
           <a:xfrm>
-            <a:off x="6856292" y="5761058"/>
+            <a:off x="6856292" y="5110640"/>
             <a:ext cx="910704" cy="300431"/>
           </a:xfrm>
           <a:prstGeom prst="rect">
@@ -9400,7 +8953,7 @@
     </p:spTree>
     <p:extLst>
       <p:ext uri="{BB962C8B-B14F-4D97-AF65-F5344CB8AC3E}">
-        <p14:creationId xmlns:p14="http://schemas.microsoft.com/office/powerpoint/2010/main" val="3083404495"/>
+        <p14:creationId xmlns:p14="http://schemas.microsoft.com/office/powerpoint/2010/main" val="3963717228"/>
       </p:ext>
     </p:extLst>
   </p:cSld>
@@ -9504,8 +9057,8 @@
         </p:nvSpPr>
         <p:spPr>
           <a:xfrm>
-            <a:off x="467544" y="1340767"/>
-            <a:ext cx="8352928" cy="1080121"/>
+            <a:off x="467544" y="1340766"/>
+            <a:ext cx="8352928" cy="1828226"/>
           </a:xfrm>
           <a:ln>
             <a:solidFill>
@@ -9547,13 +9100,50 @@
               <a:buChar char="u"/>
             </a:pPr>
             <a:r>
-              <a:rPr lang="en-US" altLang="zh-TW" sz="1800" b="1" dirty="0">
+              <a:rPr lang="en-US" altLang="zh-TW" sz="1800" dirty="0">
                 <a:solidFill>
-                  <a:srgbClr val="C00000"/>
+                  <a:schemeClr val="tx1"/>
                 </a:solidFill>
                 <a:latin typeface="+mj-lt"/>
               </a:rPr>
-              <a:t>Context provides a way to pass data through the component tree without having to pass props down manually at every level. </a:t>
+              <a:t>The scenario is similar to component F as well. The prop has to be passed through Component C, E, and finally F.</a:t>
+            </a:r>
+          </a:p>
+          <a:p>
+            <a:pPr marL="342900" indent="-342900" algn="l">
+              <a:buClr>
+                <a:srgbClr val="0070C0"/>
+              </a:buClr>
+              <a:buSzPct val="80000"/>
+              <a:buFont typeface="Wingdings" pitchFamily="2" charset="2"/>
+              <a:buChar char="u"/>
+            </a:pPr>
+            <a:r>
+              <a:rPr lang="en-US" altLang="zh-TW" sz="1800" dirty="0">
+                <a:solidFill>
+                  <a:schemeClr val="tx1"/>
+                </a:solidFill>
+                <a:latin typeface="+mj-lt"/>
+              </a:rPr>
+              <a:t>Even Component C and E do not need the prop, we still need to send prop through them in order to pass further down in the tree.</a:t>
+            </a:r>
+          </a:p>
+          <a:p>
+            <a:pPr marL="342900" indent="-342900" algn="l">
+              <a:buClr>
+                <a:srgbClr val="0070C0"/>
+              </a:buClr>
+              <a:buSzPct val="80000"/>
+              <a:buFont typeface="Wingdings" pitchFamily="2" charset="2"/>
+              <a:buChar char="u"/>
+            </a:pPr>
+            <a:r>
+              <a:rPr lang="en-US" altLang="zh-TW" sz="1800" dirty="0">
+                <a:solidFill>
+                  <a:schemeClr val="tx1"/>
+                </a:solidFill>
+              </a:rPr>
+              <a:t>This is where context come into the picture.</a:t>
             </a:r>
           </a:p>
         </p:txBody>
@@ -9640,7 +9230,7 @@
             <a:fld id="{A4F910E6-8D00-4BAF-8C48-9688E0B449D3}" type="datetime1">
               <a:rPr lang="zh-TW" altLang="en-US" smtClean="0"/>
               <a:pPr/>
-              <a:t>2020/4/7</a:t>
+              <a:t>2020/5/25</a:t>
             </a:fld>
             <a:endParaRPr lang="zh-TW" altLang="en-US"/>
           </a:p>
@@ -9675,10 +9265,1022 @@
           </a:p>
         </p:txBody>
       </p:sp>
+      <p:sp>
+        <p:nvSpPr>
+          <p:cNvPr id="7" name="Rectangle 6">
+            <a:extLst>
+              <a:ext uri="{FF2B5EF4-FFF2-40B4-BE49-F238E27FC236}">
+                <a16:creationId xmlns:a16="http://schemas.microsoft.com/office/drawing/2014/main" id="{3B7F3B87-61C9-4D4F-845A-18B53CDDA0B4}"/>
+              </a:ext>
+            </a:extLst>
+          </p:cNvPr>
+          <p:cNvSpPr/>
+          <p:nvPr/>
+        </p:nvSpPr>
+        <p:spPr>
+          <a:xfrm>
+            <a:off x="3419872" y="3331536"/>
+            <a:ext cx="1656184" cy="432048"/>
+          </a:xfrm>
+          <a:prstGeom prst="rect">
+            <a:avLst/>
+          </a:prstGeom>
+          <a:solidFill>
+            <a:schemeClr val="accent2">
+              <a:lumMod val="75000"/>
+            </a:schemeClr>
+          </a:solidFill>
+        </p:spPr>
+        <p:style>
+          <a:lnRef idx="2">
+            <a:schemeClr val="accent1">
+              <a:shade val="50000"/>
+            </a:schemeClr>
+          </a:lnRef>
+          <a:fillRef idx="1">
+            <a:schemeClr val="accent1"/>
+          </a:fillRef>
+          <a:effectRef idx="0">
+            <a:schemeClr val="accent1"/>
+          </a:effectRef>
+          <a:fontRef idx="minor">
+            <a:schemeClr val="lt1"/>
+          </a:fontRef>
+        </p:style>
+        <p:txBody>
+          <a:bodyPr rtlCol="0" anchor="ctr"/>
+          <a:lstStyle/>
+          <a:p>
+            <a:pPr algn="ctr"/>
+            <a:r>
+              <a:rPr lang="en-US" dirty="0"/>
+              <a:t>AppComponent</a:t>
+            </a:r>
+          </a:p>
+        </p:txBody>
+      </p:sp>
+      <p:sp>
+        <p:nvSpPr>
+          <p:cNvPr id="12" name="Rectangle 11">
+            <a:extLst>
+              <a:ext uri="{FF2B5EF4-FFF2-40B4-BE49-F238E27FC236}">
+                <a16:creationId xmlns:a16="http://schemas.microsoft.com/office/drawing/2014/main" id="{C740B47C-8F93-4FC4-81D0-35C391B59DDE}"/>
+              </a:ext>
+            </a:extLst>
+          </p:cNvPr>
+          <p:cNvSpPr/>
+          <p:nvPr/>
+        </p:nvSpPr>
+        <p:spPr>
+          <a:xfrm>
+            <a:off x="1259632" y="4530216"/>
+            <a:ext cx="936104" cy="404246"/>
+          </a:xfrm>
+          <a:prstGeom prst="rect">
+            <a:avLst/>
+          </a:prstGeom>
+          <a:solidFill>
+            <a:srgbClr val="0070C0"/>
+          </a:solidFill>
+        </p:spPr>
+        <p:style>
+          <a:lnRef idx="2">
+            <a:schemeClr val="accent1">
+              <a:shade val="50000"/>
+            </a:schemeClr>
+          </a:lnRef>
+          <a:fillRef idx="1">
+            <a:schemeClr val="accent1"/>
+          </a:fillRef>
+          <a:effectRef idx="0">
+            <a:schemeClr val="accent1"/>
+          </a:effectRef>
+          <a:fontRef idx="minor">
+            <a:schemeClr val="lt1"/>
+          </a:fontRef>
+        </p:style>
+        <p:txBody>
+          <a:bodyPr rtlCol="0" anchor="ctr"/>
+          <a:lstStyle/>
+          <a:p>
+            <a:pPr algn="ctr"/>
+            <a:r>
+              <a:rPr lang="en-US" dirty="0"/>
+              <a:t>A</a:t>
+            </a:r>
+          </a:p>
+        </p:txBody>
+      </p:sp>
+      <p:cxnSp>
+        <p:nvCxnSpPr>
+          <p:cNvPr id="14" name="Connector: Elbow 13">
+            <a:extLst>
+              <a:ext uri="{FF2B5EF4-FFF2-40B4-BE49-F238E27FC236}">
+                <a16:creationId xmlns:a16="http://schemas.microsoft.com/office/drawing/2014/main" id="{36174D81-3E84-4F4D-B5A0-6B7BAC57F41D}"/>
+              </a:ext>
+            </a:extLst>
+          </p:cNvPr>
+          <p:cNvCxnSpPr>
+            <a:stCxn id="7" idx="2"/>
+            <a:endCxn id="12" idx="0"/>
+          </p:cNvCxnSpPr>
+          <p:nvPr/>
+        </p:nvCxnSpPr>
+        <p:spPr>
+          <a:xfrm rot="5400000">
+            <a:off x="2604508" y="2886760"/>
+            <a:ext cx="766632" cy="2520280"/>
+          </a:xfrm>
+          <a:prstGeom prst="bentConnector3">
+            <a:avLst/>
+          </a:prstGeom>
+          <a:ln>
+            <a:tailEnd type="triangle"/>
+          </a:ln>
+        </p:spPr>
+        <p:style>
+          <a:lnRef idx="1">
+            <a:schemeClr val="accent1"/>
+          </a:lnRef>
+          <a:fillRef idx="0">
+            <a:schemeClr val="accent1"/>
+          </a:fillRef>
+          <a:effectRef idx="0">
+            <a:schemeClr val="accent1"/>
+          </a:effectRef>
+          <a:fontRef idx="minor">
+            <a:schemeClr val="tx1"/>
+          </a:fontRef>
+        </p:style>
+      </p:cxnSp>
+      <p:sp>
+        <p:nvSpPr>
+          <p:cNvPr id="15" name="Rectangle 14">
+            <a:extLst>
+              <a:ext uri="{FF2B5EF4-FFF2-40B4-BE49-F238E27FC236}">
+                <a16:creationId xmlns:a16="http://schemas.microsoft.com/office/drawing/2014/main" id="{E77C73DF-B0D7-4E98-9416-7FE3DC864E03}"/>
+              </a:ext>
+            </a:extLst>
+          </p:cNvPr>
+          <p:cNvSpPr/>
+          <p:nvPr/>
+        </p:nvSpPr>
+        <p:spPr>
+          <a:xfrm>
+            <a:off x="3779912" y="4530216"/>
+            <a:ext cx="936104" cy="404246"/>
+          </a:xfrm>
+          <a:prstGeom prst="rect">
+            <a:avLst/>
+          </a:prstGeom>
+          <a:solidFill>
+            <a:srgbClr val="92D050"/>
+          </a:solidFill>
+        </p:spPr>
+        <p:style>
+          <a:lnRef idx="2">
+            <a:schemeClr val="accent1">
+              <a:shade val="50000"/>
+            </a:schemeClr>
+          </a:lnRef>
+          <a:fillRef idx="1">
+            <a:schemeClr val="accent1"/>
+          </a:fillRef>
+          <a:effectRef idx="0">
+            <a:schemeClr val="accent1"/>
+          </a:effectRef>
+          <a:fontRef idx="minor">
+            <a:schemeClr val="lt1"/>
+          </a:fontRef>
+        </p:style>
+        <p:txBody>
+          <a:bodyPr rtlCol="0" anchor="ctr"/>
+          <a:lstStyle/>
+          <a:p>
+            <a:pPr algn="ctr"/>
+            <a:r>
+              <a:rPr lang="en-US" dirty="0"/>
+              <a:t>B</a:t>
+            </a:r>
+          </a:p>
+        </p:txBody>
+      </p:sp>
+      <p:cxnSp>
+        <p:nvCxnSpPr>
+          <p:cNvPr id="17" name="Connector: Elbow 16">
+            <a:extLst>
+              <a:ext uri="{FF2B5EF4-FFF2-40B4-BE49-F238E27FC236}">
+                <a16:creationId xmlns:a16="http://schemas.microsoft.com/office/drawing/2014/main" id="{E4897540-D724-4DE8-8470-D3C730BF55B0}"/>
+              </a:ext>
+            </a:extLst>
+          </p:cNvPr>
+          <p:cNvCxnSpPr>
+            <a:stCxn id="7" idx="2"/>
+            <a:endCxn id="15" idx="0"/>
+          </p:cNvCxnSpPr>
+          <p:nvPr/>
+        </p:nvCxnSpPr>
+        <p:spPr>
+          <a:xfrm rot="5400000">
+            <a:off x="3864648" y="4146900"/>
+            <a:ext cx="766632" cy="12700"/>
+          </a:xfrm>
+          <a:prstGeom prst="bentConnector3">
+            <a:avLst/>
+          </a:prstGeom>
+          <a:ln>
+            <a:tailEnd type="triangle"/>
+          </a:ln>
+        </p:spPr>
+        <p:style>
+          <a:lnRef idx="1">
+            <a:schemeClr val="accent1"/>
+          </a:lnRef>
+          <a:fillRef idx="0">
+            <a:schemeClr val="accent1"/>
+          </a:fillRef>
+          <a:effectRef idx="0">
+            <a:schemeClr val="accent1"/>
+          </a:effectRef>
+          <a:fontRef idx="minor">
+            <a:schemeClr val="tx1"/>
+          </a:fontRef>
+        </p:style>
+      </p:cxnSp>
+      <p:sp>
+        <p:nvSpPr>
+          <p:cNvPr id="18" name="Rectangle 17">
+            <a:extLst>
+              <a:ext uri="{FF2B5EF4-FFF2-40B4-BE49-F238E27FC236}">
+                <a16:creationId xmlns:a16="http://schemas.microsoft.com/office/drawing/2014/main" id="{16C8F14F-CE87-4C27-9EA2-770ED4995169}"/>
+              </a:ext>
+            </a:extLst>
+          </p:cNvPr>
+          <p:cNvSpPr/>
+          <p:nvPr/>
+        </p:nvSpPr>
+        <p:spPr>
+          <a:xfrm>
+            <a:off x="6300192" y="4530216"/>
+            <a:ext cx="936104" cy="404246"/>
+          </a:xfrm>
+          <a:prstGeom prst="rect">
+            <a:avLst/>
+          </a:prstGeom>
+          <a:solidFill>
+            <a:srgbClr val="92D050"/>
+          </a:solidFill>
+        </p:spPr>
+        <p:style>
+          <a:lnRef idx="2">
+            <a:schemeClr val="accent1">
+              <a:shade val="50000"/>
+            </a:schemeClr>
+          </a:lnRef>
+          <a:fillRef idx="1">
+            <a:schemeClr val="accent1"/>
+          </a:fillRef>
+          <a:effectRef idx="0">
+            <a:schemeClr val="accent1"/>
+          </a:effectRef>
+          <a:fontRef idx="minor">
+            <a:schemeClr val="lt1"/>
+          </a:fontRef>
+        </p:style>
+        <p:txBody>
+          <a:bodyPr rtlCol="0" anchor="ctr"/>
+          <a:lstStyle/>
+          <a:p>
+            <a:pPr algn="ctr"/>
+            <a:r>
+              <a:rPr lang="en-US" dirty="0"/>
+              <a:t>C</a:t>
+            </a:r>
+          </a:p>
+        </p:txBody>
+      </p:sp>
+      <p:cxnSp>
+        <p:nvCxnSpPr>
+          <p:cNvPr id="20" name="Connector: Elbow 19">
+            <a:extLst>
+              <a:ext uri="{FF2B5EF4-FFF2-40B4-BE49-F238E27FC236}">
+                <a16:creationId xmlns:a16="http://schemas.microsoft.com/office/drawing/2014/main" id="{1AE4378E-741C-4654-9F80-861B0BCE4816}"/>
+              </a:ext>
+            </a:extLst>
+          </p:cNvPr>
+          <p:cNvCxnSpPr>
+            <a:stCxn id="7" idx="2"/>
+            <a:endCxn id="18" idx="0"/>
+          </p:cNvCxnSpPr>
+          <p:nvPr/>
+        </p:nvCxnSpPr>
+        <p:spPr>
+          <a:xfrm rot="16200000" flipH="1">
+            <a:off x="5124788" y="2886760"/>
+            <a:ext cx="766632" cy="2520280"/>
+          </a:xfrm>
+          <a:prstGeom prst="bentConnector3">
+            <a:avLst/>
+          </a:prstGeom>
+          <a:ln>
+            <a:tailEnd type="triangle"/>
+          </a:ln>
+        </p:spPr>
+        <p:style>
+          <a:lnRef idx="1">
+            <a:schemeClr val="accent1"/>
+          </a:lnRef>
+          <a:fillRef idx="0">
+            <a:schemeClr val="accent1"/>
+          </a:fillRef>
+          <a:effectRef idx="0">
+            <a:schemeClr val="accent1"/>
+          </a:effectRef>
+          <a:fontRef idx="minor">
+            <a:schemeClr val="tx1"/>
+          </a:fontRef>
+        </p:style>
+      </p:cxnSp>
+      <p:sp>
+        <p:nvSpPr>
+          <p:cNvPr id="21" name="Rectangle 20">
+            <a:extLst>
+              <a:ext uri="{FF2B5EF4-FFF2-40B4-BE49-F238E27FC236}">
+                <a16:creationId xmlns:a16="http://schemas.microsoft.com/office/drawing/2014/main" id="{EFB9DFA5-A109-4685-8784-CBA97D5F7F4E}"/>
+              </a:ext>
+            </a:extLst>
+          </p:cNvPr>
+          <p:cNvSpPr/>
+          <p:nvPr/>
+        </p:nvSpPr>
+        <p:spPr>
+          <a:xfrm>
+            <a:off x="3779912" y="5339796"/>
+            <a:ext cx="936104" cy="404246"/>
+          </a:xfrm>
+          <a:prstGeom prst="rect">
+            <a:avLst/>
+          </a:prstGeom>
+          <a:solidFill>
+            <a:srgbClr val="0070C0"/>
+          </a:solidFill>
+        </p:spPr>
+        <p:style>
+          <a:lnRef idx="2">
+            <a:schemeClr val="accent1">
+              <a:shade val="50000"/>
+            </a:schemeClr>
+          </a:lnRef>
+          <a:fillRef idx="1">
+            <a:schemeClr val="accent1"/>
+          </a:fillRef>
+          <a:effectRef idx="0">
+            <a:schemeClr val="accent1"/>
+          </a:effectRef>
+          <a:fontRef idx="minor">
+            <a:schemeClr val="lt1"/>
+          </a:fontRef>
+        </p:style>
+        <p:txBody>
+          <a:bodyPr rtlCol="0" anchor="ctr"/>
+          <a:lstStyle/>
+          <a:p>
+            <a:pPr algn="ctr"/>
+            <a:r>
+              <a:rPr lang="en-US" dirty="0"/>
+              <a:t>D</a:t>
+            </a:r>
+          </a:p>
+        </p:txBody>
+      </p:sp>
+      <p:sp>
+        <p:nvSpPr>
+          <p:cNvPr id="22" name="Rectangle 21">
+            <a:extLst>
+              <a:ext uri="{FF2B5EF4-FFF2-40B4-BE49-F238E27FC236}">
+                <a16:creationId xmlns:a16="http://schemas.microsoft.com/office/drawing/2014/main" id="{AFFC857F-3D17-4F8B-A9D5-04EC8BB56533}"/>
+              </a:ext>
+            </a:extLst>
+          </p:cNvPr>
+          <p:cNvSpPr/>
+          <p:nvPr/>
+        </p:nvSpPr>
+        <p:spPr>
+          <a:xfrm>
+            <a:off x="6300192" y="5329010"/>
+            <a:ext cx="936104" cy="404246"/>
+          </a:xfrm>
+          <a:prstGeom prst="rect">
+            <a:avLst/>
+          </a:prstGeom>
+          <a:solidFill>
+            <a:srgbClr val="92D050"/>
+          </a:solidFill>
+        </p:spPr>
+        <p:style>
+          <a:lnRef idx="2">
+            <a:schemeClr val="accent1">
+              <a:shade val="50000"/>
+            </a:schemeClr>
+          </a:lnRef>
+          <a:fillRef idx="1">
+            <a:schemeClr val="accent1"/>
+          </a:fillRef>
+          <a:effectRef idx="0">
+            <a:schemeClr val="accent1"/>
+          </a:effectRef>
+          <a:fontRef idx="minor">
+            <a:schemeClr val="lt1"/>
+          </a:fontRef>
+        </p:style>
+        <p:txBody>
+          <a:bodyPr rtlCol="0" anchor="ctr"/>
+          <a:lstStyle/>
+          <a:p>
+            <a:pPr algn="ctr"/>
+            <a:r>
+              <a:rPr lang="en-US" dirty="0"/>
+              <a:t>E</a:t>
+            </a:r>
+          </a:p>
+        </p:txBody>
+      </p:sp>
+      <p:sp>
+        <p:nvSpPr>
+          <p:cNvPr id="23" name="Rectangle 22">
+            <a:extLst>
+              <a:ext uri="{FF2B5EF4-FFF2-40B4-BE49-F238E27FC236}">
+                <a16:creationId xmlns:a16="http://schemas.microsoft.com/office/drawing/2014/main" id="{EC285AE9-CDFA-4FF5-9943-7A7183005579}"/>
+              </a:ext>
+            </a:extLst>
+          </p:cNvPr>
+          <p:cNvSpPr/>
+          <p:nvPr/>
+        </p:nvSpPr>
+        <p:spPr>
+          <a:xfrm>
+            <a:off x="6300192" y="6121098"/>
+            <a:ext cx="936104" cy="404246"/>
+          </a:xfrm>
+          <a:prstGeom prst="rect">
+            <a:avLst/>
+          </a:prstGeom>
+          <a:solidFill>
+            <a:srgbClr val="0070C0"/>
+          </a:solidFill>
+        </p:spPr>
+        <p:style>
+          <a:lnRef idx="2">
+            <a:schemeClr val="accent1">
+              <a:shade val="50000"/>
+            </a:schemeClr>
+          </a:lnRef>
+          <a:fillRef idx="1">
+            <a:schemeClr val="accent1"/>
+          </a:fillRef>
+          <a:effectRef idx="0">
+            <a:schemeClr val="accent1"/>
+          </a:effectRef>
+          <a:fontRef idx="minor">
+            <a:schemeClr val="lt1"/>
+          </a:fontRef>
+        </p:style>
+        <p:txBody>
+          <a:bodyPr rtlCol="0" anchor="ctr"/>
+          <a:lstStyle/>
+          <a:p>
+            <a:pPr algn="ctr"/>
+            <a:r>
+              <a:rPr lang="en-US" dirty="0"/>
+              <a:t>F</a:t>
+            </a:r>
+          </a:p>
+        </p:txBody>
+      </p:sp>
+      <p:cxnSp>
+        <p:nvCxnSpPr>
+          <p:cNvPr id="25" name="Connector: Elbow 24">
+            <a:extLst>
+              <a:ext uri="{FF2B5EF4-FFF2-40B4-BE49-F238E27FC236}">
+                <a16:creationId xmlns:a16="http://schemas.microsoft.com/office/drawing/2014/main" id="{8566D521-4785-4387-B645-1B937EDCCD62}"/>
+              </a:ext>
+            </a:extLst>
+          </p:cNvPr>
+          <p:cNvCxnSpPr>
+            <a:stCxn id="15" idx="2"/>
+            <a:endCxn id="21" idx="0"/>
+          </p:cNvCxnSpPr>
+          <p:nvPr/>
+        </p:nvCxnSpPr>
+        <p:spPr>
+          <a:xfrm rot="5400000">
+            <a:off x="4045297" y="5137129"/>
+            <a:ext cx="405334" cy="12700"/>
+          </a:xfrm>
+          <a:prstGeom prst="bentConnector3">
+            <a:avLst/>
+          </a:prstGeom>
+          <a:ln>
+            <a:tailEnd type="triangle"/>
+          </a:ln>
+        </p:spPr>
+        <p:style>
+          <a:lnRef idx="1">
+            <a:schemeClr val="accent1"/>
+          </a:lnRef>
+          <a:fillRef idx="0">
+            <a:schemeClr val="accent1"/>
+          </a:fillRef>
+          <a:effectRef idx="0">
+            <a:schemeClr val="accent1"/>
+          </a:effectRef>
+          <a:fontRef idx="minor">
+            <a:schemeClr val="tx1"/>
+          </a:fontRef>
+        </p:style>
+      </p:cxnSp>
+      <p:cxnSp>
+        <p:nvCxnSpPr>
+          <p:cNvPr id="27" name="Connector: Elbow 26">
+            <a:extLst>
+              <a:ext uri="{FF2B5EF4-FFF2-40B4-BE49-F238E27FC236}">
+                <a16:creationId xmlns:a16="http://schemas.microsoft.com/office/drawing/2014/main" id="{B3A72A48-D7CC-4880-84E8-F7FAA91F2504}"/>
+              </a:ext>
+            </a:extLst>
+          </p:cNvPr>
+          <p:cNvCxnSpPr>
+            <a:stCxn id="18" idx="2"/>
+            <a:endCxn id="22" idx="0"/>
+          </p:cNvCxnSpPr>
+          <p:nvPr/>
+        </p:nvCxnSpPr>
+        <p:spPr>
+          <a:xfrm rot="5400000">
+            <a:off x="6570970" y="5131736"/>
+            <a:ext cx="394548" cy="12700"/>
+          </a:xfrm>
+          <a:prstGeom prst="bentConnector3">
+            <a:avLst/>
+          </a:prstGeom>
+          <a:ln>
+            <a:tailEnd type="triangle"/>
+          </a:ln>
+        </p:spPr>
+        <p:style>
+          <a:lnRef idx="1">
+            <a:schemeClr val="accent1"/>
+          </a:lnRef>
+          <a:fillRef idx="0">
+            <a:schemeClr val="accent1"/>
+          </a:fillRef>
+          <a:effectRef idx="0">
+            <a:schemeClr val="accent1"/>
+          </a:effectRef>
+          <a:fontRef idx="minor">
+            <a:schemeClr val="tx1"/>
+          </a:fontRef>
+        </p:style>
+      </p:cxnSp>
+      <p:cxnSp>
+        <p:nvCxnSpPr>
+          <p:cNvPr id="29" name="Connector: Elbow 28">
+            <a:extLst>
+              <a:ext uri="{FF2B5EF4-FFF2-40B4-BE49-F238E27FC236}">
+                <a16:creationId xmlns:a16="http://schemas.microsoft.com/office/drawing/2014/main" id="{F45C6B26-416A-443E-8731-E1F60617843D}"/>
+              </a:ext>
+            </a:extLst>
+          </p:cNvPr>
+          <p:cNvCxnSpPr>
+            <a:stCxn id="22" idx="2"/>
+            <a:endCxn id="23" idx="0"/>
+          </p:cNvCxnSpPr>
+          <p:nvPr/>
+        </p:nvCxnSpPr>
+        <p:spPr>
+          <a:xfrm rot="5400000">
+            <a:off x="6574323" y="5927177"/>
+            <a:ext cx="387842" cy="12700"/>
+          </a:xfrm>
+          <a:prstGeom prst="bentConnector3">
+            <a:avLst/>
+          </a:prstGeom>
+          <a:ln>
+            <a:tailEnd type="triangle"/>
+          </a:ln>
+        </p:spPr>
+        <p:style>
+          <a:lnRef idx="1">
+            <a:schemeClr val="accent1"/>
+          </a:lnRef>
+          <a:fillRef idx="0">
+            <a:schemeClr val="accent1"/>
+          </a:fillRef>
+          <a:effectRef idx="0">
+            <a:schemeClr val="accent1"/>
+          </a:effectRef>
+          <a:fontRef idx="minor">
+            <a:schemeClr val="tx1"/>
+          </a:fontRef>
+        </p:style>
+      </p:cxnSp>
+      <p:sp>
+        <p:nvSpPr>
+          <p:cNvPr id="8" name="Rectangle 7">
+            <a:extLst>
+              <a:ext uri="{FF2B5EF4-FFF2-40B4-BE49-F238E27FC236}">
+                <a16:creationId xmlns:a16="http://schemas.microsoft.com/office/drawing/2014/main" id="{3525F62D-AB6B-4C83-B1E1-DE9D89703FF1}"/>
+              </a:ext>
+            </a:extLst>
+          </p:cNvPr>
+          <p:cNvSpPr/>
+          <p:nvPr/>
+        </p:nvSpPr>
+        <p:spPr>
+          <a:xfrm>
+            <a:off x="5292080" y="3456802"/>
+            <a:ext cx="1152128" cy="300431"/>
+          </a:xfrm>
+          <a:prstGeom prst="rect">
+            <a:avLst/>
+          </a:prstGeom>
+          <a:solidFill>
+            <a:srgbClr val="00B0F0"/>
+          </a:solidFill>
+        </p:spPr>
+        <p:style>
+          <a:lnRef idx="2">
+            <a:schemeClr val="accent1">
+              <a:shade val="50000"/>
+            </a:schemeClr>
+          </a:lnRef>
+          <a:fillRef idx="1">
+            <a:schemeClr val="accent1"/>
+          </a:fillRef>
+          <a:effectRef idx="0">
+            <a:schemeClr val="accent1"/>
+          </a:effectRef>
+          <a:fontRef idx="minor">
+            <a:schemeClr val="lt1"/>
+          </a:fontRef>
+        </p:style>
+        <p:txBody>
+          <a:bodyPr rtlCol="0" anchor="ctr"/>
+          <a:lstStyle/>
+          <a:p>
+            <a:pPr algn="ctr"/>
+            <a:r>
+              <a:rPr lang="en-US" dirty="0"/>
+              <a:t>username</a:t>
+            </a:r>
+          </a:p>
+        </p:txBody>
+      </p:sp>
+      <p:sp>
+        <p:nvSpPr>
+          <p:cNvPr id="26" name="Rectangle 25">
+            <a:extLst>
+              <a:ext uri="{FF2B5EF4-FFF2-40B4-BE49-F238E27FC236}">
+                <a16:creationId xmlns:a16="http://schemas.microsoft.com/office/drawing/2014/main" id="{0968F401-7554-4D5D-92F7-F4E7B6C66F0B}"/>
+              </a:ext>
+            </a:extLst>
+          </p:cNvPr>
+          <p:cNvSpPr/>
+          <p:nvPr/>
+        </p:nvSpPr>
+        <p:spPr>
+          <a:xfrm>
+            <a:off x="2014736" y="4164812"/>
+            <a:ext cx="910704" cy="300431"/>
+          </a:xfrm>
+          <a:prstGeom prst="rect">
+            <a:avLst/>
+          </a:prstGeom>
+          <a:noFill/>
+          <a:ln>
+            <a:noFill/>
+          </a:ln>
+        </p:spPr>
+        <p:style>
+          <a:lnRef idx="2">
+            <a:schemeClr val="accent1">
+              <a:shade val="50000"/>
+            </a:schemeClr>
+          </a:lnRef>
+          <a:fillRef idx="1">
+            <a:schemeClr val="accent1"/>
+          </a:fillRef>
+          <a:effectRef idx="0">
+            <a:schemeClr val="accent1"/>
+          </a:effectRef>
+          <a:fontRef idx="minor">
+            <a:schemeClr val="lt1"/>
+          </a:fontRef>
+        </p:style>
+        <p:txBody>
+          <a:bodyPr rtlCol="0" anchor="ctr"/>
+          <a:lstStyle/>
+          <a:p>
+            <a:pPr algn="ctr"/>
+            <a:r>
+              <a:rPr lang="en-US" sz="1400" dirty="0">
+                <a:solidFill>
+                  <a:schemeClr val="tx1"/>
+                </a:solidFill>
+              </a:rPr>
+              <a:t>username</a:t>
+            </a:r>
+          </a:p>
+        </p:txBody>
+      </p:sp>
+      <p:sp>
+        <p:nvSpPr>
+          <p:cNvPr id="28" name="Rectangle 27">
+            <a:extLst>
+              <a:ext uri="{FF2B5EF4-FFF2-40B4-BE49-F238E27FC236}">
+                <a16:creationId xmlns:a16="http://schemas.microsoft.com/office/drawing/2014/main" id="{F9AB0F72-9268-4A3B-BD4E-9DA5BA29DC71}"/>
+              </a:ext>
+            </a:extLst>
+          </p:cNvPr>
+          <p:cNvSpPr/>
+          <p:nvPr/>
+        </p:nvSpPr>
+        <p:spPr>
+          <a:xfrm>
+            <a:off x="4267014" y="4229785"/>
+            <a:ext cx="910704" cy="300431"/>
+          </a:xfrm>
+          <a:prstGeom prst="rect">
+            <a:avLst/>
+          </a:prstGeom>
+          <a:noFill/>
+          <a:ln>
+            <a:noFill/>
+          </a:ln>
+        </p:spPr>
+        <p:style>
+          <a:lnRef idx="2">
+            <a:schemeClr val="accent1">
+              <a:shade val="50000"/>
+            </a:schemeClr>
+          </a:lnRef>
+          <a:fillRef idx="1">
+            <a:schemeClr val="accent1"/>
+          </a:fillRef>
+          <a:effectRef idx="0">
+            <a:schemeClr val="accent1"/>
+          </a:effectRef>
+          <a:fontRef idx="minor">
+            <a:schemeClr val="lt1"/>
+          </a:fontRef>
+        </p:style>
+        <p:txBody>
+          <a:bodyPr rtlCol="0" anchor="ctr"/>
+          <a:lstStyle/>
+          <a:p>
+            <a:pPr algn="ctr"/>
+            <a:r>
+              <a:rPr lang="en-US" sz="1400" dirty="0">
+                <a:solidFill>
+                  <a:schemeClr val="tx1"/>
+                </a:solidFill>
+              </a:rPr>
+              <a:t>username</a:t>
+            </a:r>
+          </a:p>
+        </p:txBody>
+      </p:sp>
+      <p:sp>
+        <p:nvSpPr>
+          <p:cNvPr id="30" name="Rectangle 29">
+            <a:extLst>
+              <a:ext uri="{FF2B5EF4-FFF2-40B4-BE49-F238E27FC236}">
+                <a16:creationId xmlns:a16="http://schemas.microsoft.com/office/drawing/2014/main" id="{69FF77C4-1791-4639-B0C4-8A40A14D33C2}"/>
+              </a:ext>
+            </a:extLst>
+          </p:cNvPr>
+          <p:cNvSpPr/>
+          <p:nvPr/>
+        </p:nvSpPr>
+        <p:spPr>
+          <a:xfrm>
+            <a:off x="4298410" y="5034929"/>
+            <a:ext cx="910704" cy="300431"/>
+          </a:xfrm>
+          <a:prstGeom prst="rect">
+            <a:avLst/>
+          </a:prstGeom>
+          <a:noFill/>
+          <a:ln>
+            <a:noFill/>
+          </a:ln>
+        </p:spPr>
+        <p:style>
+          <a:lnRef idx="2">
+            <a:schemeClr val="accent1">
+              <a:shade val="50000"/>
+            </a:schemeClr>
+          </a:lnRef>
+          <a:fillRef idx="1">
+            <a:schemeClr val="accent1"/>
+          </a:fillRef>
+          <a:effectRef idx="0">
+            <a:schemeClr val="accent1"/>
+          </a:effectRef>
+          <a:fontRef idx="minor">
+            <a:schemeClr val="lt1"/>
+          </a:fontRef>
+        </p:style>
+        <p:txBody>
+          <a:bodyPr rtlCol="0" anchor="ctr"/>
+          <a:lstStyle/>
+          <a:p>
+            <a:pPr algn="ctr"/>
+            <a:r>
+              <a:rPr lang="en-US" sz="1400" dirty="0">
+                <a:solidFill>
+                  <a:schemeClr val="tx1"/>
+                </a:solidFill>
+              </a:rPr>
+              <a:t>username</a:t>
+            </a:r>
+          </a:p>
+        </p:txBody>
+      </p:sp>
+      <p:sp>
+        <p:nvSpPr>
+          <p:cNvPr id="24" name="Rectangle 23">
+            <a:extLst>
+              <a:ext uri="{FF2B5EF4-FFF2-40B4-BE49-F238E27FC236}">
+                <a16:creationId xmlns:a16="http://schemas.microsoft.com/office/drawing/2014/main" id="{734EF50C-E076-49DA-A951-C09F39B898AD}"/>
+              </a:ext>
+            </a:extLst>
+          </p:cNvPr>
+          <p:cNvSpPr/>
+          <p:nvPr/>
+        </p:nvSpPr>
+        <p:spPr>
+          <a:xfrm>
+            <a:off x="6861818" y="4236163"/>
+            <a:ext cx="910704" cy="300431"/>
+          </a:xfrm>
+          <a:prstGeom prst="rect">
+            <a:avLst/>
+          </a:prstGeom>
+          <a:noFill/>
+          <a:ln>
+            <a:noFill/>
+          </a:ln>
+        </p:spPr>
+        <p:style>
+          <a:lnRef idx="2">
+            <a:schemeClr val="accent1">
+              <a:shade val="50000"/>
+            </a:schemeClr>
+          </a:lnRef>
+          <a:fillRef idx="1">
+            <a:schemeClr val="accent1"/>
+          </a:fillRef>
+          <a:effectRef idx="0">
+            <a:schemeClr val="accent1"/>
+          </a:effectRef>
+          <a:fontRef idx="minor">
+            <a:schemeClr val="lt1"/>
+          </a:fontRef>
+        </p:style>
+        <p:txBody>
+          <a:bodyPr rtlCol="0" anchor="ctr"/>
+          <a:lstStyle/>
+          <a:p>
+            <a:pPr algn="ctr"/>
+            <a:r>
+              <a:rPr lang="en-US" sz="1400" dirty="0">
+                <a:solidFill>
+                  <a:schemeClr val="tx1"/>
+                </a:solidFill>
+              </a:rPr>
+              <a:t>username</a:t>
+            </a:r>
+          </a:p>
+        </p:txBody>
+      </p:sp>
+      <p:sp>
+        <p:nvSpPr>
+          <p:cNvPr id="31" name="Rectangle 30">
+            <a:extLst>
+              <a:ext uri="{FF2B5EF4-FFF2-40B4-BE49-F238E27FC236}">
+                <a16:creationId xmlns:a16="http://schemas.microsoft.com/office/drawing/2014/main" id="{5B9EB45D-1CD2-4141-A8CA-04B318F12788}"/>
+              </a:ext>
+            </a:extLst>
+          </p:cNvPr>
+          <p:cNvSpPr/>
+          <p:nvPr/>
+        </p:nvSpPr>
+        <p:spPr>
+          <a:xfrm>
+            <a:off x="6856292" y="4968970"/>
+            <a:ext cx="910704" cy="300431"/>
+          </a:xfrm>
+          <a:prstGeom prst="rect">
+            <a:avLst/>
+          </a:prstGeom>
+          <a:noFill/>
+          <a:ln>
+            <a:noFill/>
+          </a:ln>
+        </p:spPr>
+        <p:style>
+          <a:lnRef idx="2">
+            <a:schemeClr val="accent1">
+              <a:shade val="50000"/>
+            </a:schemeClr>
+          </a:lnRef>
+          <a:fillRef idx="1">
+            <a:schemeClr val="accent1"/>
+          </a:fillRef>
+          <a:effectRef idx="0">
+            <a:schemeClr val="accent1"/>
+          </a:effectRef>
+          <a:fontRef idx="minor">
+            <a:schemeClr val="lt1"/>
+          </a:fontRef>
+        </p:style>
+        <p:txBody>
+          <a:bodyPr rtlCol="0" anchor="ctr"/>
+          <a:lstStyle/>
+          <a:p>
+            <a:pPr algn="ctr"/>
+            <a:r>
+              <a:rPr lang="en-US" sz="1400" dirty="0">
+                <a:solidFill>
+                  <a:schemeClr val="tx1"/>
+                </a:solidFill>
+              </a:rPr>
+              <a:t>username</a:t>
+            </a:r>
+          </a:p>
+        </p:txBody>
+      </p:sp>
+      <p:sp>
+        <p:nvSpPr>
+          <p:cNvPr id="32" name="Rectangle 31">
+            <a:extLst>
+              <a:ext uri="{FF2B5EF4-FFF2-40B4-BE49-F238E27FC236}">
+                <a16:creationId xmlns:a16="http://schemas.microsoft.com/office/drawing/2014/main" id="{5211D5C6-32E8-4DEE-B3B4-39765455F076}"/>
+              </a:ext>
+            </a:extLst>
+          </p:cNvPr>
+          <p:cNvSpPr/>
+          <p:nvPr/>
+        </p:nvSpPr>
+        <p:spPr>
+          <a:xfrm>
+            <a:off x="6856292" y="5761058"/>
+            <a:ext cx="910704" cy="300431"/>
+          </a:xfrm>
+          <a:prstGeom prst="rect">
+            <a:avLst/>
+          </a:prstGeom>
+          <a:noFill/>
+          <a:ln>
+            <a:noFill/>
+          </a:ln>
+        </p:spPr>
+        <p:style>
+          <a:lnRef idx="2">
+            <a:schemeClr val="accent1">
+              <a:shade val="50000"/>
+            </a:schemeClr>
+          </a:lnRef>
+          <a:fillRef idx="1">
+            <a:schemeClr val="accent1"/>
+          </a:fillRef>
+          <a:effectRef idx="0">
+            <a:schemeClr val="accent1"/>
+          </a:effectRef>
+          <a:fontRef idx="minor">
+            <a:schemeClr val="lt1"/>
+          </a:fontRef>
+        </p:style>
+        <p:txBody>
+          <a:bodyPr rtlCol="0" anchor="ctr"/>
+          <a:lstStyle/>
+          <a:p>
+            <a:pPr algn="ctr"/>
+            <a:r>
+              <a:rPr lang="en-US" sz="1400" dirty="0">
+                <a:solidFill>
+                  <a:schemeClr val="tx1"/>
+                </a:solidFill>
+              </a:rPr>
+              <a:t>username</a:t>
+            </a:r>
+          </a:p>
+        </p:txBody>
+      </p:sp>
     </p:spTree>
     <p:extLst>
       <p:ext uri="{BB962C8B-B14F-4D97-AF65-F5344CB8AC3E}">
-        <p14:creationId xmlns:p14="http://schemas.microsoft.com/office/powerpoint/2010/main" val="1837070409"/>
+        <p14:creationId xmlns:p14="http://schemas.microsoft.com/office/powerpoint/2010/main" val="3083404495"/>
       </p:ext>
     </p:extLst>
   </p:cSld>
@@ -9717,9 +10319,171 @@
         </p:nvSpPr>
         <p:spPr>
           <a:xfrm>
-            <a:off x="0" y="2130425"/>
-            <a:ext cx="9144000" cy="1470025"/>
-          </a:xfrm>
+            <a:off x="0" y="1"/>
+            <a:ext cx="9144000" cy="764704"/>
+          </a:xfrm>
+          <a:gradFill flip="none" rotWithShape="1">
+            <a:gsLst>
+              <a:gs pos="0">
+                <a:srgbClr val="C00000">
+                  <a:shade val="30000"/>
+                  <a:satMod val="115000"/>
+                </a:srgbClr>
+              </a:gs>
+              <a:gs pos="50000">
+                <a:srgbClr val="C00000">
+                  <a:shade val="67500"/>
+                  <a:satMod val="115000"/>
+                </a:srgbClr>
+              </a:gs>
+              <a:gs pos="100000">
+                <a:srgbClr val="C00000">
+                  <a:shade val="100000"/>
+                  <a:satMod val="115000"/>
+                </a:srgbClr>
+              </a:gs>
+            </a:gsLst>
+            <a:path path="circle">
+              <a:fillToRect t="100000" r="100000"/>
+            </a:path>
+            <a:tileRect l="-100000" b="-100000"/>
+          </a:gradFill>
+        </p:spPr>
+        <p:txBody>
+          <a:bodyPr>
+            <a:normAutofit/>
+          </a:bodyPr>
+          <a:lstStyle/>
+          <a:p>
+            <a:pPr algn="l"/>
+            <a:r>
+              <a:rPr lang="en-US" altLang="zh-TW" b="1" dirty="0">
+                <a:solidFill>
+                  <a:srgbClr val="FFFF00"/>
+                </a:solidFill>
+              </a:rPr>
+              <a:t>38 Context 1</a:t>
+            </a:r>
+            <a:endParaRPr lang="zh-TW" altLang="en-US" b="1" dirty="0">
+              <a:solidFill>
+                <a:srgbClr val="FFFF00"/>
+              </a:solidFill>
+            </a:endParaRPr>
+          </a:p>
+        </p:txBody>
+      </p:sp>
+      <p:sp>
+        <p:nvSpPr>
+          <p:cNvPr id="3" name="副標題 2"/>
+          <p:cNvSpPr>
+            <a:spLocks noGrp="1"/>
+          </p:cNvSpPr>
+          <p:nvPr>
+            <p:ph type="subTitle" idx="1"/>
+          </p:nvPr>
+        </p:nvSpPr>
+        <p:spPr>
+          <a:xfrm>
+            <a:off x="467544" y="1340766"/>
+            <a:ext cx="8352928" cy="1864726"/>
+          </a:xfrm>
+          <a:ln>
+            <a:solidFill>
+              <a:srgbClr val="C00000"/>
+            </a:solidFill>
+          </a:ln>
+        </p:spPr>
+        <p:txBody>
+          <a:bodyPr>
+            <a:noAutofit/>
+          </a:bodyPr>
+          <a:lstStyle/>
+          <a:p>
+            <a:pPr marL="342900" indent="-342900" algn="l">
+              <a:buClr>
+                <a:srgbClr val="0070C0"/>
+              </a:buClr>
+              <a:buSzPct val="80000"/>
+              <a:buFont typeface="Wingdings" pitchFamily="2" charset="2"/>
+              <a:buChar char="u"/>
+            </a:pPr>
+            <a:r>
+              <a:rPr lang="en-US" altLang="zh-TW" sz="1800" b="1" dirty="0">
+                <a:solidFill>
+                  <a:schemeClr val="tx1"/>
+                </a:solidFill>
+                <a:latin typeface="+mj-lt"/>
+              </a:rPr>
+              <a:t>React Context</a:t>
+            </a:r>
+            <a:endParaRPr lang="en-US" altLang="zh-TW" sz="1800" dirty="0">
+              <a:solidFill>
+                <a:schemeClr val="tx1"/>
+              </a:solidFill>
+              <a:latin typeface="+mj-lt"/>
+            </a:endParaRPr>
+          </a:p>
+          <a:p>
+            <a:pPr marL="342900" indent="-342900" algn="l">
+              <a:buClr>
+                <a:srgbClr val="0070C0"/>
+              </a:buClr>
+              <a:buSzPct val="80000"/>
+              <a:buFont typeface="Wingdings" pitchFamily="2" charset="2"/>
+              <a:buChar char="u"/>
+            </a:pPr>
+            <a:r>
+              <a:rPr lang="en-US" altLang="zh-TW" sz="1800" dirty="0">
+                <a:solidFill>
+                  <a:schemeClr val="tx1"/>
+                </a:solidFill>
+                <a:latin typeface="+mj-lt"/>
+              </a:rPr>
+              <a:t>Image if the components are nested five or ten levels deep, all the components in between would have to forward the prop. </a:t>
+            </a:r>
+          </a:p>
+          <a:p>
+            <a:pPr marL="342900" indent="-342900" algn="l">
+              <a:buClr>
+                <a:srgbClr val="0070C0"/>
+              </a:buClr>
+              <a:buSzPct val="80000"/>
+              <a:buFont typeface="Wingdings" pitchFamily="2" charset="2"/>
+              <a:buChar char="u"/>
+            </a:pPr>
+            <a:r>
+              <a:rPr lang="en-US" altLang="zh-TW" sz="1800" dirty="0">
+                <a:solidFill>
+                  <a:schemeClr val="tx1"/>
+                </a:solidFill>
+                <a:latin typeface="+mj-lt"/>
+              </a:rPr>
+              <a:t>This especially becomes a problem for certain type of props, such as, language preference, UI team, and authenticated user which are pretty much required by many components in your application.</a:t>
+            </a:r>
+            <a:endParaRPr lang="en-US" altLang="zh-TW" sz="1800" dirty="0">
+              <a:solidFill>
+                <a:schemeClr val="tx1"/>
+              </a:solidFill>
+            </a:endParaRPr>
+          </a:p>
+        </p:txBody>
+      </p:sp>
+      <p:sp>
+        <p:nvSpPr>
+          <p:cNvPr id="4" name="標題 1"/>
+          <p:cNvSpPr txBox="1">
+            <a:spLocks/>
+          </p:cNvSpPr>
+          <p:nvPr/>
+        </p:nvSpPr>
+        <p:spPr>
+          <a:xfrm>
+            <a:off x="0" y="764704"/>
+            <a:ext cx="9144000" cy="398616"/>
+          </a:xfrm>
+          <a:prstGeom prst="rect">
+            <a:avLst/>
+          </a:prstGeom>
           <a:gradFill flip="none" rotWithShape="1">
             <a:gsLst>
               <a:gs pos="0">
@@ -9748,24 +10512,18 @@
           </a:gradFill>
         </p:spPr>
         <p:txBody>
-          <a:bodyPr>
+          <a:bodyPr vert="horz" lIns="91440" tIns="45720" rIns="91440" bIns="45720" rtlCol="0" anchor="ctr">
             <a:normAutofit/>
           </a:bodyPr>
           <a:lstStyle/>
           <a:p>
             <a:r>
-              <a:rPr lang="en-US" altLang="zh-TW" sz="6000" b="1" dirty="0">
-                <a:solidFill>
-                  <a:srgbClr val="FFFF00"/>
-                </a:solidFill>
+              <a:rPr lang="en-US" sz="1600" dirty="0">
+                <a:hlinkClick r:id="rId2"/>
               </a:rPr>
-              <a:t>End of Chapter</a:t>
-            </a:r>
-            <a:endParaRPr lang="zh-TW" altLang="en-US" sz="6000" b="1" dirty="0">
-              <a:solidFill>
-                <a:srgbClr val="FFFF00"/>
-              </a:solidFill>
-            </a:endParaRPr>
+              <a:t>https://www.youtube.com/watch?v=j3j8St50fNY&amp;list=PLC3y8-rFHvwgg3vaYJgHGnModB54rxOk3&amp;index=38</a:t>
+            </a:r>
+            <a:endParaRPr lang="en-US" altLang="zh-TW" sz="1600" b="1" i="1" dirty="0"/>
           </a:p>
         </p:txBody>
       </p:sp>
@@ -9779,15 +10537,20 @@
             <p:ph type="dt" sz="half" idx="10"/>
           </p:nvPr>
         </p:nvSpPr>
-        <p:spPr/>
+        <p:spPr>
+          <a:xfrm>
+            <a:off x="457200" y="6356350"/>
+            <a:ext cx="2133600" cy="404246"/>
+          </a:xfrm>
+        </p:spPr>
         <p:txBody>
           <a:bodyPr/>
           <a:lstStyle/>
           <a:p>
-            <a:fld id="{4E46BE27-E923-4EC2-B046-3272AE2A3E5C}" type="datetime1">
+            <a:fld id="{A4F910E6-8D00-4BAF-8C48-9688E0B449D3}" type="datetime1">
               <a:rPr lang="zh-TW" altLang="en-US" smtClean="0"/>
               <a:pPr/>
-              <a:t>2020/4/7</a:t>
+              <a:t>2020/5/25</a:t>
             </a:fld>
             <a:endParaRPr lang="zh-TW" altLang="en-US"/>
           </a:p>
@@ -9803,7 +10566,12 @@
             <p:ph type="sldNum" sz="quarter" idx="12"/>
           </p:nvPr>
         </p:nvSpPr>
-        <p:spPr/>
+        <p:spPr>
+          <a:xfrm>
+            <a:off x="6553200" y="6356350"/>
+            <a:ext cx="2133600" cy="404246"/>
+          </a:xfrm>
+        </p:spPr>
         <p:txBody>
           <a:bodyPr/>
           <a:lstStyle/>
@@ -9817,7 +10585,2344 @@
           </a:p>
         </p:txBody>
       </p:sp>
+      <p:sp>
+        <p:nvSpPr>
+          <p:cNvPr id="7" name="Rectangle 6">
+            <a:extLst>
+              <a:ext uri="{FF2B5EF4-FFF2-40B4-BE49-F238E27FC236}">
+                <a16:creationId xmlns:a16="http://schemas.microsoft.com/office/drawing/2014/main" id="{3B7F3B87-61C9-4D4F-845A-18B53CDDA0B4}"/>
+              </a:ext>
+            </a:extLst>
+          </p:cNvPr>
+          <p:cNvSpPr/>
+          <p:nvPr/>
+        </p:nvSpPr>
+        <p:spPr>
+          <a:xfrm>
+            <a:off x="3419872" y="3429000"/>
+            <a:ext cx="1656184" cy="432048"/>
+          </a:xfrm>
+          <a:prstGeom prst="rect">
+            <a:avLst/>
+          </a:prstGeom>
+          <a:solidFill>
+            <a:schemeClr val="accent2">
+              <a:lumMod val="75000"/>
+            </a:schemeClr>
+          </a:solidFill>
+        </p:spPr>
+        <p:style>
+          <a:lnRef idx="2">
+            <a:schemeClr val="accent1">
+              <a:shade val="50000"/>
+            </a:schemeClr>
+          </a:lnRef>
+          <a:fillRef idx="1">
+            <a:schemeClr val="accent1"/>
+          </a:fillRef>
+          <a:effectRef idx="0">
+            <a:schemeClr val="accent1"/>
+          </a:effectRef>
+          <a:fontRef idx="minor">
+            <a:schemeClr val="lt1"/>
+          </a:fontRef>
+        </p:style>
+        <p:txBody>
+          <a:bodyPr rtlCol="0" anchor="ctr"/>
+          <a:lstStyle/>
+          <a:p>
+            <a:pPr algn="ctr"/>
+            <a:r>
+              <a:rPr lang="en-US" dirty="0"/>
+              <a:t>AppComponent</a:t>
+            </a:r>
+          </a:p>
+        </p:txBody>
+      </p:sp>
+      <p:sp>
+        <p:nvSpPr>
+          <p:cNvPr id="12" name="Rectangle 11">
+            <a:extLst>
+              <a:ext uri="{FF2B5EF4-FFF2-40B4-BE49-F238E27FC236}">
+                <a16:creationId xmlns:a16="http://schemas.microsoft.com/office/drawing/2014/main" id="{C740B47C-8F93-4FC4-81D0-35C391B59DDE}"/>
+              </a:ext>
+            </a:extLst>
+          </p:cNvPr>
+          <p:cNvSpPr/>
+          <p:nvPr/>
+        </p:nvSpPr>
+        <p:spPr>
+          <a:xfrm>
+            <a:off x="1259632" y="4430406"/>
+            <a:ext cx="936104" cy="404246"/>
+          </a:xfrm>
+          <a:prstGeom prst="rect">
+            <a:avLst/>
+          </a:prstGeom>
+          <a:solidFill>
+            <a:srgbClr val="0070C0"/>
+          </a:solidFill>
+        </p:spPr>
+        <p:style>
+          <a:lnRef idx="2">
+            <a:schemeClr val="accent1">
+              <a:shade val="50000"/>
+            </a:schemeClr>
+          </a:lnRef>
+          <a:fillRef idx="1">
+            <a:schemeClr val="accent1"/>
+          </a:fillRef>
+          <a:effectRef idx="0">
+            <a:schemeClr val="accent1"/>
+          </a:effectRef>
+          <a:fontRef idx="minor">
+            <a:schemeClr val="lt1"/>
+          </a:fontRef>
+        </p:style>
+        <p:txBody>
+          <a:bodyPr rtlCol="0" anchor="ctr"/>
+          <a:lstStyle/>
+          <a:p>
+            <a:pPr algn="ctr"/>
+            <a:r>
+              <a:rPr lang="en-US" dirty="0"/>
+              <a:t>A</a:t>
+            </a:r>
+          </a:p>
+        </p:txBody>
+      </p:sp>
+      <p:cxnSp>
+        <p:nvCxnSpPr>
+          <p:cNvPr id="14" name="Connector: Elbow 13">
+            <a:extLst>
+              <a:ext uri="{FF2B5EF4-FFF2-40B4-BE49-F238E27FC236}">
+                <a16:creationId xmlns:a16="http://schemas.microsoft.com/office/drawing/2014/main" id="{36174D81-3E84-4F4D-B5A0-6B7BAC57F41D}"/>
+              </a:ext>
+            </a:extLst>
+          </p:cNvPr>
+          <p:cNvCxnSpPr>
+            <a:stCxn id="7" idx="2"/>
+            <a:endCxn id="12" idx="0"/>
+          </p:cNvCxnSpPr>
+          <p:nvPr/>
+        </p:nvCxnSpPr>
+        <p:spPr>
+          <a:xfrm rot="5400000">
+            <a:off x="2703145" y="2885587"/>
+            <a:ext cx="569358" cy="2520280"/>
+          </a:xfrm>
+          <a:prstGeom prst="bentConnector3">
+            <a:avLst/>
+          </a:prstGeom>
+          <a:ln>
+            <a:tailEnd type="triangle"/>
+          </a:ln>
+        </p:spPr>
+        <p:style>
+          <a:lnRef idx="1">
+            <a:schemeClr val="accent1"/>
+          </a:lnRef>
+          <a:fillRef idx="0">
+            <a:schemeClr val="accent1"/>
+          </a:fillRef>
+          <a:effectRef idx="0">
+            <a:schemeClr val="accent1"/>
+          </a:effectRef>
+          <a:fontRef idx="minor">
+            <a:schemeClr val="tx1"/>
+          </a:fontRef>
+        </p:style>
+      </p:cxnSp>
+      <p:sp>
+        <p:nvSpPr>
+          <p:cNvPr id="15" name="Rectangle 14">
+            <a:extLst>
+              <a:ext uri="{FF2B5EF4-FFF2-40B4-BE49-F238E27FC236}">
+                <a16:creationId xmlns:a16="http://schemas.microsoft.com/office/drawing/2014/main" id="{E77C73DF-B0D7-4E98-9416-7FE3DC864E03}"/>
+              </a:ext>
+            </a:extLst>
+          </p:cNvPr>
+          <p:cNvSpPr/>
+          <p:nvPr/>
+        </p:nvSpPr>
+        <p:spPr>
+          <a:xfrm>
+            <a:off x="3779912" y="4430406"/>
+            <a:ext cx="936104" cy="404246"/>
+          </a:xfrm>
+          <a:prstGeom prst="rect">
+            <a:avLst/>
+          </a:prstGeom>
+          <a:solidFill>
+            <a:srgbClr val="92D050"/>
+          </a:solidFill>
+        </p:spPr>
+        <p:style>
+          <a:lnRef idx="2">
+            <a:schemeClr val="accent1">
+              <a:shade val="50000"/>
+            </a:schemeClr>
+          </a:lnRef>
+          <a:fillRef idx="1">
+            <a:schemeClr val="accent1"/>
+          </a:fillRef>
+          <a:effectRef idx="0">
+            <a:schemeClr val="accent1"/>
+          </a:effectRef>
+          <a:fontRef idx="minor">
+            <a:schemeClr val="lt1"/>
+          </a:fontRef>
+        </p:style>
+        <p:txBody>
+          <a:bodyPr rtlCol="0" anchor="ctr"/>
+          <a:lstStyle/>
+          <a:p>
+            <a:pPr algn="ctr"/>
+            <a:r>
+              <a:rPr lang="en-US" dirty="0"/>
+              <a:t>B</a:t>
+            </a:r>
+          </a:p>
+        </p:txBody>
+      </p:sp>
+      <p:cxnSp>
+        <p:nvCxnSpPr>
+          <p:cNvPr id="17" name="Connector: Elbow 16">
+            <a:extLst>
+              <a:ext uri="{FF2B5EF4-FFF2-40B4-BE49-F238E27FC236}">
+                <a16:creationId xmlns:a16="http://schemas.microsoft.com/office/drawing/2014/main" id="{E4897540-D724-4DE8-8470-D3C730BF55B0}"/>
+              </a:ext>
+            </a:extLst>
+          </p:cNvPr>
+          <p:cNvCxnSpPr>
+            <a:stCxn id="7" idx="2"/>
+            <a:endCxn id="15" idx="0"/>
+          </p:cNvCxnSpPr>
+          <p:nvPr/>
+        </p:nvCxnSpPr>
+        <p:spPr>
+          <a:xfrm rot="5400000">
+            <a:off x="3963285" y="4145727"/>
+            <a:ext cx="569358" cy="12700"/>
+          </a:xfrm>
+          <a:prstGeom prst="bentConnector3">
+            <a:avLst/>
+          </a:prstGeom>
+          <a:ln>
+            <a:tailEnd type="triangle"/>
+          </a:ln>
+        </p:spPr>
+        <p:style>
+          <a:lnRef idx="1">
+            <a:schemeClr val="accent1"/>
+          </a:lnRef>
+          <a:fillRef idx="0">
+            <a:schemeClr val="accent1"/>
+          </a:fillRef>
+          <a:effectRef idx="0">
+            <a:schemeClr val="accent1"/>
+          </a:effectRef>
+          <a:fontRef idx="minor">
+            <a:schemeClr val="tx1"/>
+          </a:fontRef>
+        </p:style>
+      </p:cxnSp>
+      <p:sp>
+        <p:nvSpPr>
+          <p:cNvPr id="18" name="Rectangle 17">
+            <a:extLst>
+              <a:ext uri="{FF2B5EF4-FFF2-40B4-BE49-F238E27FC236}">
+                <a16:creationId xmlns:a16="http://schemas.microsoft.com/office/drawing/2014/main" id="{16C8F14F-CE87-4C27-9EA2-770ED4995169}"/>
+              </a:ext>
+            </a:extLst>
+          </p:cNvPr>
+          <p:cNvSpPr/>
+          <p:nvPr/>
+        </p:nvSpPr>
+        <p:spPr>
+          <a:xfrm>
+            <a:off x="6300192" y="4430406"/>
+            <a:ext cx="936104" cy="404246"/>
+          </a:xfrm>
+          <a:prstGeom prst="rect">
+            <a:avLst/>
+          </a:prstGeom>
+          <a:solidFill>
+            <a:srgbClr val="92D050"/>
+          </a:solidFill>
+        </p:spPr>
+        <p:style>
+          <a:lnRef idx="2">
+            <a:schemeClr val="accent1">
+              <a:shade val="50000"/>
+            </a:schemeClr>
+          </a:lnRef>
+          <a:fillRef idx="1">
+            <a:schemeClr val="accent1"/>
+          </a:fillRef>
+          <a:effectRef idx="0">
+            <a:schemeClr val="accent1"/>
+          </a:effectRef>
+          <a:fontRef idx="minor">
+            <a:schemeClr val="lt1"/>
+          </a:fontRef>
+        </p:style>
+        <p:txBody>
+          <a:bodyPr rtlCol="0" anchor="ctr"/>
+          <a:lstStyle/>
+          <a:p>
+            <a:pPr algn="ctr"/>
+            <a:r>
+              <a:rPr lang="en-US" dirty="0"/>
+              <a:t>C</a:t>
+            </a:r>
+          </a:p>
+        </p:txBody>
+      </p:sp>
+      <p:cxnSp>
+        <p:nvCxnSpPr>
+          <p:cNvPr id="20" name="Connector: Elbow 19">
+            <a:extLst>
+              <a:ext uri="{FF2B5EF4-FFF2-40B4-BE49-F238E27FC236}">
+                <a16:creationId xmlns:a16="http://schemas.microsoft.com/office/drawing/2014/main" id="{1AE4378E-741C-4654-9F80-861B0BCE4816}"/>
+              </a:ext>
+            </a:extLst>
+          </p:cNvPr>
+          <p:cNvCxnSpPr>
+            <a:stCxn id="7" idx="2"/>
+            <a:endCxn id="18" idx="0"/>
+          </p:cNvCxnSpPr>
+          <p:nvPr/>
+        </p:nvCxnSpPr>
+        <p:spPr>
+          <a:xfrm rot="16200000" flipH="1">
+            <a:off x="5223425" y="2885587"/>
+            <a:ext cx="569358" cy="2520280"/>
+          </a:xfrm>
+          <a:prstGeom prst="bentConnector3">
+            <a:avLst/>
+          </a:prstGeom>
+          <a:ln>
+            <a:tailEnd type="triangle"/>
+          </a:ln>
+        </p:spPr>
+        <p:style>
+          <a:lnRef idx="1">
+            <a:schemeClr val="accent1"/>
+          </a:lnRef>
+          <a:fillRef idx="0">
+            <a:schemeClr val="accent1"/>
+          </a:fillRef>
+          <a:effectRef idx="0">
+            <a:schemeClr val="accent1"/>
+          </a:effectRef>
+          <a:fontRef idx="minor">
+            <a:schemeClr val="tx1"/>
+          </a:fontRef>
+        </p:style>
+      </p:cxnSp>
+      <p:sp>
+        <p:nvSpPr>
+          <p:cNvPr id="21" name="Rectangle 20">
+            <a:extLst>
+              <a:ext uri="{FF2B5EF4-FFF2-40B4-BE49-F238E27FC236}">
+                <a16:creationId xmlns:a16="http://schemas.microsoft.com/office/drawing/2014/main" id="{EFB9DFA5-A109-4685-8784-CBA97D5F7F4E}"/>
+              </a:ext>
+            </a:extLst>
+          </p:cNvPr>
+          <p:cNvSpPr/>
+          <p:nvPr/>
+        </p:nvSpPr>
+        <p:spPr>
+          <a:xfrm>
+            <a:off x="3779912" y="5157192"/>
+            <a:ext cx="936104" cy="404246"/>
+          </a:xfrm>
+          <a:prstGeom prst="rect">
+            <a:avLst/>
+          </a:prstGeom>
+          <a:solidFill>
+            <a:srgbClr val="0070C0"/>
+          </a:solidFill>
+        </p:spPr>
+        <p:style>
+          <a:lnRef idx="2">
+            <a:schemeClr val="accent1">
+              <a:shade val="50000"/>
+            </a:schemeClr>
+          </a:lnRef>
+          <a:fillRef idx="1">
+            <a:schemeClr val="accent1"/>
+          </a:fillRef>
+          <a:effectRef idx="0">
+            <a:schemeClr val="accent1"/>
+          </a:effectRef>
+          <a:fontRef idx="minor">
+            <a:schemeClr val="lt1"/>
+          </a:fontRef>
+        </p:style>
+        <p:txBody>
+          <a:bodyPr rtlCol="0" anchor="ctr"/>
+          <a:lstStyle/>
+          <a:p>
+            <a:pPr algn="ctr"/>
+            <a:r>
+              <a:rPr lang="en-US" dirty="0"/>
+              <a:t>D</a:t>
+            </a:r>
+          </a:p>
+        </p:txBody>
+      </p:sp>
+      <p:sp>
+        <p:nvSpPr>
+          <p:cNvPr id="22" name="Rectangle 21">
+            <a:extLst>
+              <a:ext uri="{FF2B5EF4-FFF2-40B4-BE49-F238E27FC236}">
+                <a16:creationId xmlns:a16="http://schemas.microsoft.com/office/drawing/2014/main" id="{AFFC857F-3D17-4F8B-A9D5-04EC8BB56533}"/>
+              </a:ext>
+            </a:extLst>
+          </p:cNvPr>
+          <p:cNvSpPr/>
+          <p:nvPr/>
+        </p:nvSpPr>
+        <p:spPr>
+          <a:xfrm>
+            <a:off x="6300192" y="5229200"/>
+            <a:ext cx="936104" cy="404246"/>
+          </a:xfrm>
+          <a:prstGeom prst="rect">
+            <a:avLst/>
+          </a:prstGeom>
+          <a:solidFill>
+            <a:srgbClr val="92D050"/>
+          </a:solidFill>
+        </p:spPr>
+        <p:style>
+          <a:lnRef idx="2">
+            <a:schemeClr val="accent1">
+              <a:shade val="50000"/>
+            </a:schemeClr>
+          </a:lnRef>
+          <a:fillRef idx="1">
+            <a:schemeClr val="accent1"/>
+          </a:fillRef>
+          <a:effectRef idx="0">
+            <a:schemeClr val="accent1"/>
+          </a:effectRef>
+          <a:fontRef idx="minor">
+            <a:schemeClr val="lt1"/>
+          </a:fontRef>
+        </p:style>
+        <p:txBody>
+          <a:bodyPr rtlCol="0" anchor="ctr"/>
+          <a:lstStyle/>
+          <a:p>
+            <a:pPr algn="ctr"/>
+            <a:r>
+              <a:rPr lang="en-US" dirty="0"/>
+              <a:t>E</a:t>
+            </a:r>
+          </a:p>
+        </p:txBody>
+      </p:sp>
+      <p:sp>
+        <p:nvSpPr>
+          <p:cNvPr id="23" name="Rectangle 22">
+            <a:extLst>
+              <a:ext uri="{FF2B5EF4-FFF2-40B4-BE49-F238E27FC236}">
+                <a16:creationId xmlns:a16="http://schemas.microsoft.com/office/drawing/2014/main" id="{EC285AE9-CDFA-4FF5-9943-7A7183005579}"/>
+              </a:ext>
+            </a:extLst>
+          </p:cNvPr>
+          <p:cNvSpPr/>
+          <p:nvPr/>
+        </p:nvSpPr>
+        <p:spPr>
+          <a:xfrm>
+            <a:off x="6300192" y="6031119"/>
+            <a:ext cx="936104" cy="404246"/>
+          </a:xfrm>
+          <a:prstGeom prst="rect">
+            <a:avLst/>
+          </a:prstGeom>
+          <a:solidFill>
+            <a:srgbClr val="0070C0"/>
+          </a:solidFill>
+        </p:spPr>
+        <p:style>
+          <a:lnRef idx="2">
+            <a:schemeClr val="accent1">
+              <a:shade val="50000"/>
+            </a:schemeClr>
+          </a:lnRef>
+          <a:fillRef idx="1">
+            <a:schemeClr val="accent1"/>
+          </a:fillRef>
+          <a:effectRef idx="0">
+            <a:schemeClr val="accent1"/>
+          </a:effectRef>
+          <a:fontRef idx="minor">
+            <a:schemeClr val="lt1"/>
+          </a:fontRef>
+        </p:style>
+        <p:txBody>
+          <a:bodyPr rtlCol="0" anchor="ctr"/>
+          <a:lstStyle/>
+          <a:p>
+            <a:pPr algn="ctr"/>
+            <a:r>
+              <a:rPr lang="en-US" dirty="0"/>
+              <a:t>F</a:t>
+            </a:r>
+          </a:p>
+        </p:txBody>
+      </p:sp>
+      <p:cxnSp>
+        <p:nvCxnSpPr>
+          <p:cNvPr id="25" name="Connector: Elbow 24">
+            <a:extLst>
+              <a:ext uri="{FF2B5EF4-FFF2-40B4-BE49-F238E27FC236}">
+                <a16:creationId xmlns:a16="http://schemas.microsoft.com/office/drawing/2014/main" id="{8566D521-4785-4387-B645-1B937EDCCD62}"/>
+              </a:ext>
+            </a:extLst>
+          </p:cNvPr>
+          <p:cNvCxnSpPr>
+            <a:stCxn id="15" idx="2"/>
+            <a:endCxn id="21" idx="0"/>
+          </p:cNvCxnSpPr>
+          <p:nvPr/>
+        </p:nvCxnSpPr>
+        <p:spPr>
+          <a:xfrm rot="5400000">
+            <a:off x="4086694" y="4995922"/>
+            <a:ext cx="322540" cy="12700"/>
+          </a:xfrm>
+          <a:prstGeom prst="bentConnector3">
+            <a:avLst/>
+          </a:prstGeom>
+          <a:ln>
+            <a:tailEnd type="triangle"/>
+          </a:ln>
+        </p:spPr>
+        <p:style>
+          <a:lnRef idx="1">
+            <a:schemeClr val="accent1"/>
+          </a:lnRef>
+          <a:fillRef idx="0">
+            <a:schemeClr val="accent1"/>
+          </a:fillRef>
+          <a:effectRef idx="0">
+            <a:schemeClr val="accent1"/>
+          </a:effectRef>
+          <a:fontRef idx="minor">
+            <a:schemeClr val="tx1"/>
+          </a:fontRef>
+        </p:style>
+      </p:cxnSp>
+      <p:cxnSp>
+        <p:nvCxnSpPr>
+          <p:cNvPr id="27" name="Connector: Elbow 26">
+            <a:extLst>
+              <a:ext uri="{FF2B5EF4-FFF2-40B4-BE49-F238E27FC236}">
+                <a16:creationId xmlns:a16="http://schemas.microsoft.com/office/drawing/2014/main" id="{B3A72A48-D7CC-4880-84E8-F7FAA91F2504}"/>
+              </a:ext>
+            </a:extLst>
+          </p:cNvPr>
+          <p:cNvCxnSpPr>
+            <a:stCxn id="18" idx="2"/>
+            <a:endCxn id="22" idx="0"/>
+          </p:cNvCxnSpPr>
+          <p:nvPr/>
+        </p:nvCxnSpPr>
+        <p:spPr>
+          <a:xfrm rot="5400000">
+            <a:off x="6570970" y="5031926"/>
+            <a:ext cx="394548" cy="12700"/>
+          </a:xfrm>
+          <a:prstGeom prst="bentConnector3">
+            <a:avLst/>
+          </a:prstGeom>
+          <a:ln>
+            <a:tailEnd type="triangle"/>
+          </a:ln>
+        </p:spPr>
+        <p:style>
+          <a:lnRef idx="1">
+            <a:schemeClr val="accent1"/>
+          </a:lnRef>
+          <a:fillRef idx="0">
+            <a:schemeClr val="accent1"/>
+          </a:fillRef>
+          <a:effectRef idx="0">
+            <a:schemeClr val="accent1"/>
+          </a:effectRef>
+          <a:fontRef idx="minor">
+            <a:schemeClr val="tx1"/>
+          </a:fontRef>
+        </p:style>
+      </p:cxnSp>
+      <p:cxnSp>
+        <p:nvCxnSpPr>
+          <p:cNvPr id="29" name="Connector: Elbow 28">
+            <a:extLst>
+              <a:ext uri="{FF2B5EF4-FFF2-40B4-BE49-F238E27FC236}">
+                <a16:creationId xmlns:a16="http://schemas.microsoft.com/office/drawing/2014/main" id="{F45C6B26-416A-443E-8731-E1F60617843D}"/>
+              </a:ext>
+            </a:extLst>
+          </p:cNvPr>
+          <p:cNvCxnSpPr>
+            <a:stCxn id="22" idx="2"/>
+            <a:endCxn id="23" idx="0"/>
+          </p:cNvCxnSpPr>
+          <p:nvPr/>
+        </p:nvCxnSpPr>
+        <p:spPr>
+          <a:xfrm rot="5400000">
+            <a:off x="6569408" y="5832282"/>
+            <a:ext cx="397673" cy="12700"/>
+          </a:xfrm>
+          <a:prstGeom prst="bentConnector3">
+            <a:avLst/>
+          </a:prstGeom>
+          <a:ln>
+            <a:tailEnd type="triangle"/>
+          </a:ln>
+        </p:spPr>
+        <p:style>
+          <a:lnRef idx="1">
+            <a:schemeClr val="accent1"/>
+          </a:lnRef>
+          <a:fillRef idx="0">
+            <a:schemeClr val="accent1"/>
+          </a:fillRef>
+          <a:effectRef idx="0">
+            <a:schemeClr val="accent1"/>
+          </a:effectRef>
+          <a:fontRef idx="minor">
+            <a:schemeClr val="tx1"/>
+          </a:fontRef>
+        </p:style>
+      </p:cxnSp>
+      <p:sp>
+        <p:nvSpPr>
+          <p:cNvPr id="8" name="Rectangle 7">
+            <a:extLst>
+              <a:ext uri="{FF2B5EF4-FFF2-40B4-BE49-F238E27FC236}">
+                <a16:creationId xmlns:a16="http://schemas.microsoft.com/office/drawing/2014/main" id="{3525F62D-AB6B-4C83-B1E1-DE9D89703FF1}"/>
+              </a:ext>
+            </a:extLst>
+          </p:cNvPr>
+          <p:cNvSpPr/>
+          <p:nvPr/>
+        </p:nvSpPr>
+        <p:spPr>
+          <a:xfrm>
+            <a:off x="5292080" y="3554266"/>
+            <a:ext cx="1152128" cy="300431"/>
+          </a:xfrm>
+          <a:prstGeom prst="rect">
+            <a:avLst/>
+          </a:prstGeom>
+          <a:solidFill>
+            <a:srgbClr val="00B0F0"/>
+          </a:solidFill>
+        </p:spPr>
+        <p:style>
+          <a:lnRef idx="2">
+            <a:schemeClr val="accent1">
+              <a:shade val="50000"/>
+            </a:schemeClr>
+          </a:lnRef>
+          <a:fillRef idx="1">
+            <a:schemeClr val="accent1"/>
+          </a:fillRef>
+          <a:effectRef idx="0">
+            <a:schemeClr val="accent1"/>
+          </a:effectRef>
+          <a:fontRef idx="minor">
+            <a:schemeClr val="lt1"/>
+          </a:fontRef>
+        </p:style>
+        <p:txBody>
+          <a:bodyPr rtlCol="0" anchor="ctr"/>
+          <a:lstStyle/>
+          <a:p>
+            <a:pPr algn="ctr"/>
+            <a:r>
+              <a:rPr lang="en-US" dirty="0"/>
+              <a:t>username</a:t>
+            </a:r>
+          </a:p>
+        </p:txBody>
+      </p:sp>
+      <p:sp>
+        <p:nvSpPr>
+          <p:cNvPr id="26" name="Rectangle 25">
+            <a:extLst>
+              <a:ext uri="{FF2B5EF4-FFF2-40B4-BE49-F238E27FC236}">
+                <a16:creationId xmlns:a16="http://schemas.microsoft.com/office/drawing/2014/main" id="{0968F401-7554-4D5D-92F7-F4E7B6C66F0B}"/>
+              </a:ext>
+            </a:extLst>
+          </p:cNvPr>
+          <p:cNvSpPr/>
+          <p:nvPr/>
+        </p:nvSpPr>
+        <p:spPr>
+          <a:xfrm>
+            <a:off x="1852619" y="4089760"/>
+            <a:ext cx="910704" cy="300431"/>
+          </a:xfrm>
+          <a:prstGeom prst="rect">
+            <a:avLst/>
+          </a:prstGeom>
+          <a:noFill/>
+          <a:ln>
+            <a:noFill/>
+          </a:ln>
+        </p:spPr>
+        <p:style>
+          <a:lnRef idx="2">
+            <a:schemeClr val="accent1">
+              <a:shade val="50000"/>
+            </a:schemeClr>
+          </a:lnRef>
+          <a:fillRef idx="1">
+            <a:schemeClr val="accent1"/>
+          </a:fillRef>
+          <a:effectRef idx="0">
+            <a:schemeClr val="accent1"/>
+          </a:effectRef>
+          <a:fontRef idx="minor">
+            <a:schemeClr val="lt1"/>
+          </a:fontRef>
+        </p:style>
+        <p:txBody>
+          <a:bodyPr rtlCol="0" anchor="ctr"/>
+          <a:lstStyle/>
+          <a:p>
+            <a:pPr algn="ctr"/>
+            <a:r>
+              <a:rPr lang="en-US" sz="1400" dirty="0">
+                <a:solidFill>
+                  <a:schemeClr val="tx1"/>
+                </a:solidFill>
+              </a:rPr>
+              <a:t>username</a:t>
+            </a:r>
+          </a:p>
+        </p:txBody>
+      </p:sp>
+      <p:sp>
+        <p:nvSpPr>
+          <p:cNvPr id="28" name="Rectangle 27">
+            <a:extLst>
+              <a:ext uri="{FF2B5EF4-FFF2-40B4-BE49-F238E27FC236}">
+                <a16:creationId xmlns:a16="http://schemas.microsoft.com/office/drawing/2014/main" id="{F9AB0F72-9268-4A3B-BD4E-9DA5BA29DC71}"/>
+              </a:ext>
+            </a:extLst>
+          </p:cNvPr>
+          <p:cNvSpPr/>
+          <p:nvPr/>
+        </p:nvSpPr>
+        <p:spPr>
+          <a:xfrm>
+            <a:off x="4267014" y="4129975"/>
+            <a:ext cx="910704" cy="300431"/>
+          </a:xfrm>
+          <a:prstGeom prst="rect">
+            <a:avLst/>
+          </a:prstGeom>
+          <a:noFill/>
+          <a:ln>
+            <a:noFill/>
+          </a:ln>
+        </p:spPr>
+        <p:style>
+          <a:lnRef idx="2">
+            <a:schemeClr val="accent1">
+              <a:shade val="50000"/>
+            </a:schemeClr>
+          </a:lnRef>
+          <a:fillRef idx="1">
+            <a:schemeClr val="accent1"/>
+          </a:fillRef>
+          <a:effectRef idx="0">
+            <a:schemeClr val="accent1"/>
+          </a:effectRef>
+          <a:fontRef idx="minor">
+            <a:schemeClr val="lt1"/>
+          </a:fontRef>
+        </p:style>
+        <p:txBody>
+          <a:bodyPr rtlCol="0" anchor="ctr"/>
+          <a:lstStyle/>
+          <a:p>
+            <a:pPr algn="ctr"/>
+            <a:r>
+              <a:rPr lang="en-US" sz="1400" dirty="0">
+                <a:solidFill>
+                  <a:schemeClr val="tx1"/>
+                </a:solidFill>
+              </a:rPr>
+              <a:t>username</a:t>
+            </a:r>
+          </a:p>
+        </p:txBody>
+      </p:sp>
+      <p:sp>
+        <p:nvSpPr>
+          <p:cNvPr id="30" name="Rectangle 29">
+            <a:extLst>
+              <a:ext uri="{FF2B5EF4-FFF2-40B4-BE49-F238E27FC236}">
+                <a16:creationId xmlns:a16="http://schemas.microsoft.com/office/drawing/2014/main" id="{69FF77C4-1791-4639-B0C4-8A40A14D33C2}"/>
+              </a:ext>
+            </a:extLst>
+          </p:cNvPr>
+          <p:cNvSpPr/>
+          <p:nvPr/>
+        </p:nvSpPr>
+        <p:spPr>
+          <a:xfrm>
+            <a:off x="4267014" y="4869160"/>
+            <a:ext cx="910704" cy="300431"/>
+          </a:xfrm>
+          <a:prstGeom prst="rect">
+            <a:avLst/>
+          </a:prstGeom>
+          <a:noFill/>
+          <a:ln>
+            <a:noFill/>
+          </a:ln>
+        </p:spPr>
+        <p:style>
+          <a:lnRef idx="2">
+            <a:schemeClr val="accent1">
+              <a:shade val="50000"/>
+            </a:schemeClr>
+          </a:lnRef>
+          <a:fillRef idx="1">
+            <a:schemeClr val="accent1"/>
+          </a:fillRef>
+          <a:effectRef idx="0">
+            <a:schemeClr val="accent1"/>
+          </a:effectRef>
+          <a:fontRef idx="minor">
+            <a:schemeClr val="lt1"/>
+          </a:fontRef>
+        </p:style>
+        <p:txBody>
+          <a:bodyPr rtlCol="0" anchor="ctr"/>
+          <a:lstStyle/>
+          <a:p>
+            <a:pPr algn="ctr"/>
+            <a:r>
+              <a:rPr lang="en-US" sz="1400" dirty="0">
+                <a:solidFill>
+                  <a:schemeClr val="tx1"/>
+                </a:solidFill>
+              </a:rPr>
+              <a:t>username</a:t>
+            </a:r>
+          </a:p>
+        </p:txBody>
+      </p:sp>
+      <p:sp>
+        <p:nvSpPr>
+          <p:cNvPr id="24" name="Rectangle 23">
+            <a:extLst>
+              <a:ext uri="{FF2B5EF4-FFF2-40B4-BE49-F238E27FC236}">
+                <a16:creationId xmlns:a16="http://schemas.microsoft.com/office/drawing/2014/main" id="{734EF50C-E076-49DA-A951-C09F39B898AD}"/>
+              </a:ext>
+            </a:extLst>
+          </p:cNvPr>
+          <p:cNvSpPr/>
+          <p:nvPr/>
+        </p:nvSpPr>
+        <p:spPr>
+          <a:xfrm>
+            <a:off x="6861818" y="4136353"/>
+            <a:ext cx="910704" cy="300431"/>
+          </a:xfrm>
+          <a:prstGeom prst="rect">
+            <a:avLst/>
+          </a:prstGeom>
+          <a:noFill/>
+          <a:ln>
+            <a:noFill/>
+          </a:ln>
+        </p:spPr>
+        <p:style>
+          <a:lnRef idx="2">
+            <a:schemeClr val="accent1">
+              <a:shade val="50000"/>
+            </a:schemeClr>
+          </a:lnRef>
+          <a:fillRef idx="1">
+            <a:schemeClr val="accent1"/>
+          </a:fillRef>
+          <a:effectRef idx="0">
+            <a:schemeClr val="accent1"/>
+          </a:effectRef>
+          <a:fontRef idx="minor">
+            <a:schemeClr val="lt1"/>
+          </a:fontRef>
+        </p:style>
+        <p:txBody>
+          <a:bodyPr rtlCol="0" anchor="ctr"/>
+          <a:lstStyle/>
+          <a:p>
+            <a:pPr algn="ctr"/>
+            <a:r>
+              <a:rPr lang="en-US" sz="1400" dirty="0">
+                <a:solidFill>
+                  <a:schemeClr val="tx1"/>
+                </a:solidFill>
+              </a:rPr>
+              <a:t>username</a:t>
+            </a:r>
+          </a:p>
+        </p:txBody>
+      </p:sp>
+      <p:sp>
+        <p:nvSpPr>
+          <p:cNvPr id="31" name="Rectangle 30">
+            <a:extLst>
+              <a:ext uri="{FF2B5EF4-FFF2-40B4-BE49-F238E27FC236}">
+                <a16:creationId xmlns:a16="http://schemas.microsoft.com/office/drawing/2014/main" id="{5B9EB45D-1CD2-4141-A8CA-04B318F12788}"/>
+              </a:ext>
+            </a:extLst>
+          </p:cNvPr>
+          <p:cNvSpPr/>
+          <p:nvPr/>
+        </p:nvSpPr>
+        <p:spPr>
+          <a:xfrm>
+            <a:off x="6856292" y="4869160"/>
+            <a:ext cx="910704" cy="300431"/>
+          </a:xfrm>
+          <a:prstGeom prst="rect">
+            <a:avLst/>
+          </a:prstGeom>
+          <a:noFill/>
+          <a:ln>
+            <a:noFill/>
+          </a:ln>
+        </p:spPr>
+        <p:style>
+          <a:lnRef idx="2">
+            <a:schemeClr val="accent1">
+              <a:shade val="50000"/>
+            </a:schemeClr>
+          </a:lnRef>
+          <a:fillRef idx="1">
+            <a:schemeClr val="accent1"/>
+          </a:fillRef>
+          <a:effectRef idx="0">
+            <a:schemeClr val="accent1"/>
+          </a:effectRef>
+          <a:fontRef idx="minor">
+            <a:schemeClr val="lt1"/>
+          </a:fontRef>
+        </p:style>
+        <p:txBody>
+          <a:bodyPr rtlCol="0" anchor="ctr"/>
+          <a:lstStyle/>
+          <a:p>
+            <a:pPr algn="ctr"/>
+            <a:r>
+              <a:rPr lang="en-US" sz="1400" dirty="0">
+                <a:solidFill>
+                  <a:schemeClr val="tx1"/>
+                </a:solidFill>
+              </a:rPr>
+              <a:t>username</a:t>
+            </a:r>
+          </a:p>
+        </p:txBody>
+      </p:sp>
+      <p:sp>
+        <p:nvSpPr>
+          <p:cNvPr id="32" name="Rectangle 31">
+            <a:extLst>
+              <a:ext uri="{FF2B5EF4-FFF2-40B4-BE49-F238E27FC236}">
+                <a16:creationId xmlns:a16="http://schemas.microsoft.com/office/drawing/2014/main" id="{5211D5C6-32E8-4DEE-B3B4-39765455F076}"/>
+              </a:ext>
+            </a:extLst>
+          </p:cNvPr>
+          <p:cNvSpPr/>
+          <p:nvPr/>
+        </p:nvSpPr>
+        <p:spPr>
+          <a:xfrm>
+            <a:off x="6856292" y="5614696"/>
+            <a:ext cx="910704" cy="300431"/>
+          </a:xfrm>
+          <a:prstGeom prst="rect">
+            <a:avLst/>
+          </a:prstGeom>
+          <a:noFill/>
+          <a:ln>
+            <a:noFill/>
+          </a:ln>
+        </p:spPr>
+        <p:style>
+          <a:lnRef idx="2">
+            <a:schemeClr val="accent1">
+              <a:shade val="50000"/>
+            </a:schemeClr>
+          </a:lnRef>
+          <a:fillRef idx="1">
+            <a:schemeClr val="accent1"/>
+          </a:fillRef>
+          <a:effectRef idx="0">
+            <a:schemeClr val="accent1"/>
+          </a:effectRef>
+          <a:fontRef idx="minor">
+            <a:schemeClr val="lt1"/>
+          </a:fontRef>
+        </p:style>
+        <p:txBody>
+          <a:bodyPr rtlCol="0" anchor="ctr"/>
+          <a:lstStyle/>
+          <a:p>
+            <a:pPr algn="ctr"/>
+            <a:r>
+              <a:rPr lang="en-US" sz="1400" dirty="0">
+                <a:solidFill>
+                  <a:schemeClr val="tx1"/>
+                </a:solidFill>
+              </a:rPr>
+              <a:t>username</a:t>
+            </a:r>
+          </a:p>
+        </p:txBody>
+      </p:sp>
     </p:spTree>
+    <p:extLst>
+      <p:ext uri="{BB962C8B-B14F-4D97-AF65-F5344CB8AC3E}">
+        <p14:creationId xmlns:p14="http://schemas.microsoft.com/office/powerpoint/2010/main" val="1984461474"/>
+      </p:ext>
+    </p:extLst>
+  </p:cSld>
+  <p:clrMapOvr>
+    <a:masterClrMapping/>
+  </p:clrMapOvr>
+</p:sld>
+</file>
+
+<file path=ppt/slides/slide9.xml><?xml version="1.0" encoding="utf-8"?>
+<p:sld xmlns:a="http://schemas.openxmlformats.org/drawingml/2006/main" xmlns:r="http://schemas.openxmlformats.org/officeDocument/2006/relationships" xmlns:p="http://schemas.openxmlformats.org/presentationml/2006/main">
+  <p:cSld>
+    <p:spTree>
+      <p:nvGrpSpPr>
+        <p:cNvPr id="1" name=""/>
+        <p:cNvGrpSpPr/>
+        <p:nvPr/>
+      </p:nvGrpSpPr>
+      <p:grpSpPr>
+        <a:xfrm>
+          <a:off x="0" y="0"/>
+          <a:ext cx="0" cy="0"/>
+          <a:chOff x="0" y="0"/>
+          <a:chExt cx="0" cy="0"/>
+        </a:xfrm>
+      </p:grpSpPr>
+      <p:sp>
+        <p:nvSpPr>
+          <p:cNvPr id="2" name="標題 1"/>
+          <p:cNvSpPr>
+            <a:spLocks noGrp="1"/>
+          </p:cNvSpPr>
+          <p:nvPr>
+            <p:ph type="ctrTitle"/>
+          </p:nvPr>
+        </p:nvSpPr>
+        <p:spPr>
+          <a:xfrm>
+            <a:off x="0" y="1"/>
+            <a:ext cx="9144000" cy="764704"/>
+          </a:xfrm>
+          <a:gradFill flip="none" rotWithShape="1">
+            <a:gsLst>
+              <a:gs pos="0">
+                <a:srgbClr val="C00000">
+                  <a:shade val="30000"/>
+                  <a:satMod val="115000"/>
+                </a:srgbClr>
+              </a:gs>
+              <a:gs pos="50000">
+                <a:srgbClr val="C00000">
+                  <a:shade val="67500"/>
+                  <a:satMod val="115000"/>
+                </a:srgbClr>
+              </a:gs>
+              <a:gs pos="100000">
+                <a:srgbClr val="C00000">
+                  <a:shade val="100000"/>
+                  <a:satMod val="115000"/>
+                </a:srgbClr>
+              </a:gs>
+            </a:gsLst>
+            <a:path path="circle">
+              <a:fillToRect t="100000" r="100000"/>
+            </a:path>
+            <a:tileRect l="-100000" b="-100000"/>
+          </a:gradFill>
+        </p:spPr>
+        <p:txBody>
+          <a:bodyPr>
+            <a:normAutofit/>
+          </a:bodyPr>
+          <a:lstStyle/>
+          <a:p>
+            <a:pPr algn="l"/>
+            <a:r>
+              <a:rPr lang="en-US" altLang="zh-TW" b="1" dirty="0">
+                <a:solidFill>
+                  <a:srgbClr val="FFFF00"/>
+                </a:solidFill>
+              </a:rPr>
+              <a:t>38 Context 1</a:t>
+            </a:r>
+            <a:endParaRPr lang="zh-TW" altLang="en-US" b="1" dirty="0">
+              <a:solidFill>
+                <a:srgbClr val="FFFF00"/>
+              </a:solidFill>
+            </a:endParaRPr>
+          </a:p>
+        </p:txBody>
+      </p:sp>
+      <p:sp>
+        <p:nvSpPr>
+          <p:cNvPr id="3" name="副標題 2"/>
+          <p:cNvSpPr>
+            <a:spLocks noGrp="1"/>
+          </p:cNvSpPr>
+          <p:nvPr>
+            <p:ph type="subTitle" idx="1"/>
+          </p:nvPr>
+        </p:nvSpPr>
+        <p:spPr>
+          <a:xfrm>
+            <a:off x="467544" y="1340766"/>
+            <a:ext cx="8352928" cy="1617675"/>
+          </a:xfrm>
+          <a:ln>
+            <a:solidFill>
+              <a:srgbClr val="C00000"/>
+            </a:solidFill>
+          </a:ln>
+        </p:spPr>
+        <p:txBody>
+          <a:bodyPr>
+            <a:noAutofit/>
+          </a:bodyPr>
+          <a:lstStyle/>
+          <a:p>
+            <a:pPr marL="342900" indent="-342900" algn="l">
+              <a:buClr>
+                <a:srgbClr val="0070C0"/>
+              </a:buClr>
+              <a:buSzPct val="80000"/>
+              <a:buFont typeface="Wingdings" pitchFamily="2" charset="2"/>
+              <a:buChar char="u"/>
+            </a:pPr>
+            <a:r>
+              <a:rPr lang="en-US" altLang="zh-TW" sz="1800" b="1" dirty="0">
+                <a:solidFill>
+                  <a:schemeClr val="tx1"/>
+                </a:solidFill>
+                <a:latin typeface="+mj-lt"/>
+              </a:rPr>
+              <a:t>React Context</a:t>
+            </a:r>
+            <a:endParaRPr lang="en-US" altLang="zh-TW" sz="1800" dirty="0">
+              <a:solidFill>
+                <a:schemeClr val="tx1"/>
+              </a:solidFill>
+              <a:latin typeface="+mj-lt"/>
+            </a:endParaRPr>
+          </a:p>
+          <a:p>
+            <a:pPr marL="342900" indent="-342900" algn="l">
+              <a:buClr>
+                <a:srgbClr val="0070C0"/>
+              </a:buClr>
+              <a:buSzPct val="80000"/>
+              <a:buFont typeface="Wingdings" pitchFamily="2" charset="2"/>
+              <a:buChar char="u"/>
+            </a:pPr>
+            <a:r>
+              <a:rPr lang="en-US" altLang="zh-TW" sz="1800" dirty="0">
+                <a:solidFill>
+                  <a:schemeClr val="tx1"/>
+                </a:solidFill>
+                <a:latin typeface="+mj-lt"/>
+              </a:rPr>
+              <a:t>What would be nice is if we could directly send data to the required component without having manually drill down the props through every level of the component tree.</a:t>
+            </a:r>
+          </a:p>
+          <a:p>
+            <a:pPr marL="342900" indent="-342900" algn="l">
+              <a:buClr>
+                <a:srgbClr val="0070C0"/>
+              </a:buClr>
+              <a:buSzPct val="80000"/>
+              <a:buFont typeface="Wingdings" pitchFamily="2" charset="2"/>
+              <a:buChar char="u"/>
+            </a:pPr>
+            <a:r>
+              <a:rPr lang="en-US" altLang="zh-TW" sz="1800" dirty="0">
+                <a:solidFill>
+                  <a:schemeClr val="tx1"/>
+                </a:solidFill>
+                <a:latin typeface="+mj-lt"/>
+              </a:rPr>
+              <a:t>This is where the context comes into the picture.</a:t>
+            </a:r>
+            <a:endParaRPr lang="en-US" altLang="zh-TW" sz="1800" dirty="0">
+              <a:solidFill>
+                <a:schemeClr val="tx1"/>
+              </a:solidFill>
+            </a:endParaRPr>
+          </a:p>
+        </p:txBody>
+      </p:sp>
+      <p:sp>
+        <p:nvSpPr>
+          <p:cNvPr id="4" name="標題 1"/>
+          <p:cNvSpPr txBox="1">
+            <a:spLocks/>
+          </p:cNvSpPr>
+          <p:nvPr/>
+        </p:nvSpPr>
+        <p:spPr>
+          <a:xfrm>
+            <a:off x="0" y="764704"/>
+            <a:ext cx="9144000" cy="398616"/>
+          </a:xfrm>
+          <a:prstGeom prst="rect">
+            <a:avLst/>
+          </a:prstGeom>
+          <a:gradFill flip="none" rotWithShape="1">
+            <a:gsLst>
+              <a:gs pos="0">
+                <a:srgbClr val="00B0F0">
+                  <a:shade val="30000"/>
+                  <a:satMod val="115000"/>
+                </a:srgbClr>
+              </a:gs>
+              <a:gs pos="50000">
+                <a:srgbClr val="00B0F0">
+                  <a:shade val="67500"/>
+                  <a:satMod val="115000"/>
+                </a:srgbClr>
+              </a:gs>
+              <a:gs pos="100000">
+                <a:srgbClr val="00B0F0">
+                  <a:shade val="100000"/>
+                  <a:satMod val="115000"/>
+                </a:srgbClr>
+              </a:gs>
+            </a:gsLst>
+            <a:path path="circle">
+              <a:fillToRect t="100000" r="100000"/>
+            </a:path>
+            <a:tileRect l="-100000" b="-100000"/>
+          </a:gradFill>
+        </p:spPr>
+        <p:txBody>
+          <a:bodyPr vert="horz" lIns="91440" tIns="45720" rIns="91440" bIns="45720" rtlCol="0" anchor="ctr">
+            <a:normAutofit/>
+          </a:bodyPr>
+          <a:lstStyle/>
+          <a:p>
+            <a:r>
+              <a:rPr lang="en-US" sz="1600" dirty="0">
+                <a:hlinkClick r:id="rId2"/>
+              </a:rPr>
+              <a:t>https://www.youtube.com/watch?v=j3j8St50fNY&amp;list=PLC3y8-rFHvwgg3vaYJgHGnModB54rxOk3&amp;index=38</a:t>
+            </a:r>
+            <a:endParaRPr lang="en-US" altLang="zh-TW" sz="1600" b="1" i="1" dirty="0"/>
+          </a:p>
+        </p:txBody>
+      </p:sp>
+      <p:sp>
+        <p:nvSpPr>
+          <p:cNvPr id="5" name="日期版面配置區 4"/>
+          <p:cNvSpPr>
+            <a:spLocks noGrp="1"/>
+          </p:cNvSpPr>
+          <p:nvPr>
+            <p:ph type="dt" sz="half" idx="10"/>
+          </p:nvPr>
+        </p:nvSpPr>
+        <p:spPr>
+          <a:xfrm>
+            <a:off x="457200" y="6356350"/>
+            <a:ext cx="2133600" cy="404246"/>
+          </a:xfrm>
+        </p:spPr>
+        <p:txBody>
+          <a:bodyPr/>
+          <a:lstStyle/>
+          <a:p>
+            <a:fld id="{A4F910E6-8D00-4BAF-8C48-9688E0B449D3}" type="datetime1">
+              <a:rPr lang="zh-TW" altLang="en-US" smtClean="0"/>
+              <a:pPr/>
+              <a:t>2020/5/25</a:t>
+            </a:fld>
+            <a:endParaRPr lang="zh-TW" altLang="en-US"/>
+          </a:p>
+        </p:txBody>
+      </p:sp>
+      <p:sp>
+        <p:nvSpPr>
+          <p:cNvPr id="6" name="投影片編號版面配置區 5"/>
+          <p:cNvSpPr>
+            <a:spLocks noGrp="1"/>
+          </p:cNvSpPr>
+          <p:nvPr>
+            <p:ph type="sldNum" sz="quarter" idx="12"/>
+          </p:nvPr>
+        </p:nvSpPr>
+        <p:spPr>
+          <a:xfrm>
+            <a:off x="6553200" y="6356350"/>
+            <a:ext cx="2133600" cy="404246"/>
+          </a:xfrm>
+        </p:spPr>
+        <p:txBody>
+          <a:bodyPr/>
+          <a:lstStyle/>
+          <a:p>
+            <a:fld id="{E4D7E63D-91F2-4366-A2C4-1B00C9E2590E}" type="slidenum">
+              <a:rPr lang="zh-TW" altLang="en-US" smtClean="0"/>
+              <a:pPr/>
+              <a:t>9</a:t>
+            </a:fld>
+            <a:endParaRPr lang="zh-TW" altLang="en-US"/>
+          </a:p>
+        </p:txBody>
+      </p:sp>
+      <p:sp>
+        <p:nvSpPr>
+          <p:cNvPr id="7" name="Rectangle 6">
+            <a:extLst>
+              <a:ext uri="{FF2B5EF4-FFF2-40B4-BE49-F238E27FC236}">
+                <a16:creationId xmlns:a16="http://schemas.microsoft.com/office/drawing/2014/main" id="{3B7F3B87-61C9-4D4F-845A-18B53CDDA0B4}"/>
+              </a:ext>
+            </a:extLst>
+          </p:cNvPr>
+          <p:cNvSpPr/>
+          <p:nvPr/>
+        </p:nvSpPr>
+        <p:spPr>
+          <a:xfrm>
+            <a:off x="3419872" y="3429000"/>
+            <a:ext cx="1656184" cy="432048"/>
+          </a:xfrm>
+          <a:prstGeom prst="rect">
+            <a:avLst/>
+          </a:prstGeom>
+          <a:solidFill>
+            <a:schemeClr val="accent2">
+              <a:lumMod val="75000"/>
+            </a:schemeClr>
+          </a:solidFill>
+        </p:spPr>
+        <p:style>
+          <a:lnRef idx="2">
+            <a:schemeClr val="accent1">
+              <a:shade val="50000"/>
+            </a:schemeClr>
+          </a:lnRef>
+          <a:fillRef idx="1">
+            <a:schemeClr val="accent1"/>
+          </a:fillRef>
+          <a:effectRef idx="0">
+            <a:schemeClr val="accent1"/>
+          </a:effectRef>
+          <a:fontRef idx="minor">
+            <a:schemeClr val="lt1"/>
+          </a:fontRef>
+        </p:style>
+        <p:txBody>
+          <a:bodyPr rtlCol="0" anchor="ctr"/>
+          <a:lstStyle/>
+          <a:p>
+            <a:pPr algn="ctr"/>
+            <a:r>
+              <a:rPr lang="en-US" dirty="0"/>
+              <a:t>AppComponent</a:t>
+            </a:r>
+          </a:p>
+        </p:txBody>
+      </p:sp>
+      <p:sp>
+        <p:nvSpPr>
+          <p:cNvPr id="12" name="Rectangle 11">
+            <a:extLst>
+              <a:ext uri="{FF2B5EF4-FFF2-40B4-BE49-F238E27FC236}">
+                <a16:creationId xmlns:a16="http://schemas.microsoft.com/office/drawing/2014/main" id="{C740B47C-8F93-4FC4-81D0-35C391B59DDE}"/>
+              </a:ext>
+            </a:extLst>
+          </p:cNvPr>
+          <p:cNvSpPr/>
+          <p:nvPr/>
+        </p:nvSpPr>
+        <p:spPr>
+          <a:xfrm>
+            <a:off x="1259632" y="4430406"/>
+            <a:ext cx="936104" cy="404246"/>
+          </a:xfrm>
+          <a:prstGeom prst="rect">
+            <a:avLst/>
+          </a:prstGeom>
+          <a:solidFill>
+            <a:srgbClr val="0070C0"/>
+          </a:solidFill>
+        </p:spPr>
+        <p:style>
+          <a:lnRef idx="2">
+            <a:schemeClr val="accent1">
+              <a:shade val="50000"/>
+            </a:schemeClr>
+          </a:lnRef>
+          <a:fillRef idx="1">
+            <a:schemeClr val="accent1"/>
+          </a:fillRef>
+          <a:effectRef idx="0">
+            <a:schemeClr val="accent1"/>
+          </a:effectRef>
+          <a:fontRef idx="minor">
+            <a:schemeClr val="lt1"/>
+          </a:fontRef>
+        </p:style>
+        <p:txBody>
+          <a:bodyPr rtlCol="0" anchor="ctr"/>
+          <a:lstStyle/>
+          <a:p>
+            <a:pPr algn="ctr"/>
+            <a:r>
+              <a:rPr lang="en-US" dirty="0"/>
+              <a:t>A</a:t>
+            </a:r>
+          </a:p>
+        </p:txBody>
+      </p:sp>
+      <p:cxnSp>
+        <p:nvCxnSpPr>
+          <p:cNvPr id="14" name="Connector: Elbow 13">
+            <a:extLst>
+              <a:ext uri="{FF2B5EF4-FFF2-40B4-BE49-F238E27FC236}">
+                <a16:creationId xmlns:a16="http://schemas.microsoft.com/office/drawing/2014/main" id="{36174D81-3E84-4F4D-B5A0-6B7BAC57F41D}"/>
+              </a:ext>
+            </a:extLst>
+          </p:cNvPr>
+          <p:cNvCxnSpPr>
+            <a:stCxn id="7" idx="2"/>
+            <a:endCxn id="12" idx="0"/>
+          </p:cNvCxnSpPr>
+          <p:nvPr/>
+        </p:nvCxnSpPr>
+        <p:spPr>
+          <a:xfrm rot="5400000">
+            <a:off x="2703145" y="2885587"/>
+            <a:ext cx="569358" cy="2520280"/>
+          </a:xfrm>
+          <a:prstGeom prst="bentConnector3">
+            <a:avLst/>
+          </a:prstGeom>
+          <a:ln>
+            <a:tailEnd type="triangle"/>
+          </a:ln>
+        </p:spPr>
+        <p:style>
+          <a:lnRef idx="1">
+            <a:schemeClr val="accent1"/>
+          </a:lnRef>
+          <a:fillRef idx="0">
+            <a:schemeClr val="accent1"/>
+          </a:fillRef>
+          <a:effectRef idx="0">
+            <a:schemeClr val="accent1"/>
+          </a:effectRef>
+          <a:fontRef idx="minor">
+            <a:schemeClr val="tx1"/>
+          </a:fontRef>
+        </p:style>
+      </p:cxnSp>
+      <p:sp>
+        <p:nvSpPr>
+          <p:cNvPr id="15" name="Rectangle 14">
+            <a:extLst>
+              <a:ext uri="{FF2B5EF4-FFF2-40B4-BE49-F238E27FC236}">
+                <a16:creationId xmlns:a16="http://schemas.microsoft.com/office/drawing/2014/main" id="{E77C73DF-B0D7-4E98-9416-7FE3DC864E03}"/>
+              </a:ext>
+            </a:extLst>
+          </p:cNvPr>
+          <p:cNvSpPr/>
+          <p:nvPr/>
+        </p:nvSpPr>
+        <p:spPr>
+          <a:xfrm>
+            <a:off x="3779912" y="4430406"/>
+            <a:ext cx="936104" cy="404246"/>
+          </a:xfrm>
+          <a:prstGeom prst="rect">
+            <a:avLst/>
+          </a:prstGeom>
+          <a:solidFill>
+            <a:srgbClr val="92D050"/>
+          </a:solidFill>
+        </p:spPr>
+        <p:style>
+          <a:lnRef idx="2">
+            <a:schemeClr val="accent1">
+              <a:shade val="50000"/>
+            </a:schemeClr>
+          </a:lnRef>
+          <a:fillRef idx="1">
+            <a:schemeClr val="accent1"/>
+          </a:fillRef>
+          <a:effectRef idx="0">
+            <a:schemeClr val="accent1"/>
+          </a:effectRef>
+          <a:fontRef idx="minor">
+            <a:schemeClr val="lt1"/>
+          </a:fontRef>
+        </p:style>
+        <p:txBody>
+          <a:bodyPr rtlCol="0" anchor="ctr"/>
+          <a:lstStyle/>
+          <a:p>
+            <a:pPr algn="ctr"/>
+            <a:r>
+              <a:rPr lang="en-US" dirty="0"/>
+              <a:t>B</a:t>
+            </a:r>
+          </a:p>
+        </p:txBody>
+      </p:sp>
+      <p:cxnSp>
+        <p:nvCxnSpPr>
+          <p:cNvPr id="17" name="Connector: Elbow 16">
+            <a:extLst>
+              <a:ext uri="{FF2B5EF4-FFF2-40B4-BE49-F238E27FC236}">
+                <a16:creationId xmlns:a16="http://schemas.microsoft.com/office/drawing/2014/main" id="{E4897540-D724-4DE8-8470-D3C730BF55B0}"/>
+              </a:ext>
+            </a:extLst>
+          </p:cNvPr>
+          <p:cNvCxnSpPr>
+            <a:stCxn id="7" idx="2"/>
+            <a:endCxn id="15" idx="0"/>
+          </p:cNvCxnSpPr>
+          <p:nvPr/>
+        </p:nvCxnSpPr>
+        <p:spPr>
+          <a:xfrm rot="5400000">
+            <a:off x="3963285" y="4145727"/>
+            <a:ext cx="569358" cy="12700"/>
+          </a:xfrm>
+          <a:prstGeom prst="bentConnector3">
+            <a:avLst/>
+          </a:prstGeom>
+          <a:ln>
+            <a:tailEnd type="triangle"/>
+          </a:ln>
+        </p:spPr>
+        <p:style>
+          <a:lnRef idx="1">
+            <a:schemeClr val="accent1"/>
+          </a:lnRef>
+          <a:fillRef idx="0">
+            <a:schemeClr val="accent1"/>
+          </a:fillRef>
+          <a:effectRef idx="0">
+            <a:schemeClr val="accent1"/>
+          </a:effectRef>
+          <a:fontRef idx="minor">
+            <a:schemeClr val="tx1"/>
+          </a:fontRef>
+        </p:style>
+      </p:cxnSp>
+      <p:sp>
+        <p:nvSpPr>
+          <p:cNvPr id="18" name="Rectangle 17">
+            <a:extLst>
+              <a:ext uri="{FF2B5EF4-FFF2-40B4-BE49-F238E27FC236}">
+                <a16:creationId xmlns:a16="http://schemas.microsoft.com/office/drawing/2014/main" id="{16C8F14F-CE87-4C27-9EA2-770ED4995169}"/>
+              </a:ext>
+            </a:extLst>
+          </p:cNvPr>
+          <p:cNvSpPr/>
+          <p:nvPr/>
+        </p:nvSpPr>
+        <p:spPr>
+          <a:xfrm>
+            <a:off x="6300192" y="4430406"/>
+            <a:ext cx="936104" cy="404246"/>
+          </a:xfrm>
+          <a:prstGeom prst="rect">
+            <a:avLst/>
+          </a:prstGeom>
+          <a:solidFill>
+            <a:srgbClr val="92D050"/>
+          </a:solidFill>
+        </p:spPr>
+        <p:style>
+          <a:lnRef idx="2">
+            <a:schemeClr val="accent1">
+              <a:shade val="50000"/>
+            </a:schemeClr>
+          </a:lnRef>
+          <a:fillRef idx="1">
+            <a:schemeClr val="accent1"/>
+          </a:fillRef>
+          <a:effectRef idx="0">
+            <a:schemeClr val="accent1"/>
+          </a:effectRef>
+          <a:fontRef idx="minor">
+            <a:schemeClr val="lt1"/>
+          </a:fontRef>
+        </p:style>
+        <p:txBody>
+          <a:bodyPr rtlCol="0" anchor="ctr"/>
+          <a:lstStyle/>
+          <a:p>
+            <a:pPr algn="ctr"/>
+            <a:r>
+              <a:rPr lang="en-US" dirty="0"/>
+              <a:t>C</a:t>
+            </a:r>
+          </a:p>
+        </p:txBody>
+      </p:sp>
+      <p:cxnSp>
+        <p:nvCxnSpPr>
+          <p:cNvPr id="20" name="Connector: Elbow 19">
+            <a:extLst>
+              <a:ext uri="{FF2B5EF4-FFF2-40B4-BE49-F238E27FC236}">
+                <a16:creationId xmlns:a16="http://schemas.microsoft.com/office/drawing/2014/main" id="{1AE4378E-741C-4654-9F80-861B0BCE4816}"/>
+              </a:ext>
+            </a:extLst>
+          </p:cNvPr>
+          <p:cNvCxnSpPr>
+            <a:stCxn id="7" idx="2"/>
+            <a:endCxn id="18" idx="0"/>
+          </p:cNvCxnSpPr>
+          <p:nvPr/>
+        </p:nvCxnSpPr>
+        <p:spPr>
+          <a:xfrm rot="16200000" flipH="1">
+            <a:off x="5223425" y="2885587"/>
+            <a:ext cx="569358" cy="2520280"/>
+          </a:xfrm>
+          <a:prstGeom prst="bentConnector3">
+            <a:avLst/>
+          </a:prstGeom>
+          <a:ln>
+            <a:tailEnd type="triangle"/>
+          </a:ln>
+        </p:spPr>
+        <p:style>
+          <a:lnRef idx="1">
+            <a:schemeClr val="accent1"/>
+          </a:lnRef>
+          <a:fillRef idx="0">
+            <a:schemeClr val="accent1"/>
+          </a:fillRef>
+          <a:effectRef idx="0">
+            <a:schemeClr val="accent1"/>
+          </a:effectRef>
+          <a:fontRef idx="minor">
+            <a:schemeClr val="tx1"/>
+          </a:fontRef>
+        </p:style>
+      </p:cxnSp>
+      <p:sp>
+        <p:nvSpPr>
+          <p:cNvPr id="21" name="Rectangle 20">
+            <a:extLst>
+              <a:ext uri="{FF2B5EF4-FFF2-40B4-BE49-F238E27FC236}">
+                <a16:creationId xmlns:a16="http://schemas.microsoft.com/office/drawing/2014/main" id="{EFB9DFA5-A109-4685-8784-CBA97D5F7F4E}"/>
+              </a:ext>
+            </a:extLst>
+          </p:cNvPr>
+          <p:cNvSpPr/>
+          <p:nvPr/>
+        </p:nvSpPr>
+        <p:spPr>
+          <a:xfrm>
+            <a:off x="3779912" y="5157192"/>
+            <a:ext cx="936104" cy="404246"/>
+          </a:xfrm>
+          <a:prstGeom prst="rect">
+            <a:avLst/>
+          </a:prstGeom>
+          <a:solidFill>
+            <a:srgbClr val="0070C0"/>
+          </a:solidFill>
+        </p:spPr>
+        <p:style>
+          <a:lnRef idx="2">
+            <a:schemeClr val="accent1">
+              <a:shade val="50000"/>
+            </a:schemeClr>
+          </a:lnRef>
+          <a:fillRef idx="1">
+            <a:schemeClr val="accent1"/>
+          </a:fillRef>
+          <a:effectRef idx="0">
+            <a:schemeClr val="accent1"/>
+          </a:effectRef>
+          <a:fontRef idx="minor">
+            <a:schemeClr val="lt1"/>
+          </a:fontRef>
+        </p:style>
+        <p:txBody>
+          <a:bodyPr rtlCol="0" anchor="ctr"/>
+          <a:lstStyle/>
+          <a:p>
+            <a:pPr algn="ctr"/>
+            <a:r>
+              <a:rPr lang="en-US" dirty="0"/>
+              <a:t>D</a:t>
+            </a:r>
+          </a:p>
+        </p:txBody>
+      </p:sp>
+      <p:sp>
+        <p:nvSpPr>
+          <p:cNvPr id="22" name="Rectangle 21">
+            <a:extLst>
+              <a:ext uri="{FF2B5EF4-FFF2-40B4-BE49-F238E27FC236}">
+                <a16:creationId xmlns:a16="http://schemas.microsoft.com/office/drawing/2014/main" id="{AFFC857F-3D17-4F8B-A9D5-04EC8BB56533}"/>
+              </a:ext>
+            </a:extLst>
+          </p:cNvPr>
+          <p:cNvSpPr/>
+          <p:nvPr/>
+        </p:nvSpPr>
+        <p:spPr>
+          <a:xfrm>
+            <a:off x="6300192" y="5229200"/>
+            <a:ext cx="936104" cy="404246"/>
+          </a:xfrm>
+          <a:prstGeom prst="rect">
+            <a:avLst/>
+          </a:prstGeom>
+          <a:solidFill>
+            <a:srgbClr val="92D050"/>
+          </a:solidFill>
+        </p:spPr>
+        <p:style>
+          <a:lnRef idx="2">
+            <a:schemeClr val="accent1">
+              <a:shade val="50000"/>
+            </a:schemeClr>
+          </a:lnRef>
+          <a:fillRef idx="1">
+            <a:schemeClr val="accent1"/>
+          </a:fillRef>
+          <a:effectRef idx="0">
+            <a:schemeClr val="accent1"/>
+          </a:effectRef>
+          <a:fontRef idx="minor">
+            <a:schemeClr val="lt1"/>
+          </a:fontRef>
+        </p:style>
+        <p:txBody>
+          <a:bodyPr rtlCol="0" anchor="ctr"/>
+          <a:lstStyle/>
+          <a:p>
+            <a:pPr algn="ctr"/>
+            <a:r>
+              <a:rPr lang="en-US" dirty="0"/>
+              <a:t>E</a:t>
+            </a:r>
+          </a:p>
+        </p:txBody>
+      </p:sp>
+      <p:sp>
+        <p:nvSpPr>
+          <p:cNvPr id="23" name="Rectangle 22">
+            <a:extLst>
+              <a:ext uri="{FF2B5EF4-FFF2-40B4-BE49-F238E27FC236}">
+                <a16:creationId xmlns:a16="http://schemas.microsoft.com/office/drawing/2014/main" id="{EC285AE9-CDFA-4FF5-9943-7A7183005579}"/>
+              </a:ext>
+            </a:extLst>
+          </p:cNvPr>
+          <p:cNvSpPr/>
+          <p:nvPr/>
+        </p:nvSpPr>
+        <p:spPr>
+          <a:xfrm>
+            <a:off x="6300192" y="6031119"/>
+            <a:ext cx="936104" cy="404246"/>
+          </a:xfrm>
+          <a:prstGeom prst="rect">
+            <a:avLst/>
+          </a:prstGeom>
+          <a:solidFill>
+            <a:srgbClr val="0070C0"/>
+          </a:solidFill>
+        </p:spPr>
+        <p:style>
+          <a:lnRef idx="2">
+            <a:schemeClr val="accent1">
+              <a:shade val="50000"/>
+            </a:schemeClr>
+          </a:lnRef>
+          <a:fillRef idx="1">
+            <a:schemeClr val="accent1"/>
+          </a:fillRef>
+          <a:effectRef idx="0">
+            <a:schemeClr val="accent1"/>
+          </a:effectRef>
+          <a:fontRef idx="minor">
+            <a:schemeClr val="lt1"/>
+          </a:fontRef>
+        </p:style>
+        <p:txBody>
+          <a:bodyPr rtlCol="0" anchor="ctr"/>
+          <a:lstStyle/>
+          <a:p>
+            <a:pPr algn="ctr"/>
+            <a:r>
+              <a:rPr lang="en-US" dirty="0"/>
+              <a:t>F</a:t>
+            </a:r>
+          </a:p>
+        </p:txBody>
+      </p:sp>
+      <p:cxnSp>
+        <p:nvCxnSpPr>
+          <p:cNvPr id="25" name="Connector: Elbow 24">
+            <a:extLst>
+              <a:ext uri="{FF2B5EF4-FFF2-40B4-BE49-F238E27FC236}">
+                <a16:creationId xmlns:a16="http://schemas.microsoft.com/office/drawing/2014/main" id="{8566D521-4785-4387-B645-1B937EDCCD62}"/>
+              </a:ext>
+            </a:extLst>
+          </p:cNvPr>
+          <p:cNvCxnSpPr>
+            <a:stCxn id="15" idx="2"/>
+            <a:endCxn id="21" idx="0"/>
+          </p:cNvCxnSpPr>
+          <p:nvPr/>
+        </p:nvCxnSpPr>
+        <p:spPr>
+          <a:xfrm rot="5400000">
+            <a:off x="4086694" y="4995922"/>
+            <a:ext cx="322540" cy="12700"/>
+          </a:xfrm>
+          <a:prstGeom prst="bentConnector3">
+            <a:avLst/>
+          </a:prstGeom>
+          <a:ln>
+            <a:tailEnd type="triangle"/>
+          </a:ln>
+        </p:spPr>
+        <p:style>
+          <a:lnRef idx="1">
+            <a:schemeClr val="accent1"/>
+          </a:lnRef>
+          <a:fillRef idx="0">
+            <a:schemeClr val="accent1"/>
+          </a:fillRef>
+          <a:effectRef idx="0">
+            <a:schemeClr val="accent1"/>
+          </a:effectRef>
+          <a:fontRef idx="minor">
+            <a:schemeClr val="tx1"/>
+          </a:fontRef>
+        </p:style>
+      </p:cxnSp>
+      <p:cxnSp>
+        <p:nvCxnSpPr>
+          <p:cNvPr id="27" name="Connector: Elbow 26">
+            <a:extLst>
+              <a:ext uri="{FF2B5EF4-FFF2-40B4-BE49-F238E27FC236}">
+                <a16:creationId xmlns:a16="http://schemas.microsoft.com/office/drawing/2014/main" id="{B3A72A48-D7CC-4880-84E8-F7FAA91F2504}"/>
+              </a:ext>
+            </a:extLst>
+          </p:cNvPr>
+          <p:cNvCxnSpPr>
+            <a:stCxn id="18" idx="2"/>
+            <a:endCxn id="22" idx="0"/>
+          </p:cNvCxnSpPr>
+          <p:nvPr/>
+        </p:nvCxnSpPr>
+        <p:spPr>
+          <a:xfrm rot="5400000">
+            <a:off x="6570970" y="5031926"/>
+            <a:ext cx="394548" cy="12700"/>
+          </a:xfrm>
+          <a:prstGeom prst="bentConnector3">
+            <a:avLst/>
+          </a:prstGeom>
+          <a:ln>
+            <a:tailEnd type="triangle"/>
+          </a:ln>
+        </p:spPr>
+        <p:style>
+          <a:lnRef idx="1">
+            <a:schemeClr val="accent1"/>
+          </a:lnRef>
+          <a:fillRef idx="0">
+            <a:schemeClr val="accent1"/>
+          </a:fillRef>
+          <a:effectRef idx="0">
+            <a:schemeClr val="accent1"/>
+          </a:effectRef>
+          <a:fontRef idx="minor">
+            <a:schemeClr val="tx1"/>
+          </a:fontRef>
+        </p:style>
+      </p:cxnSp>
+      <p:cxnSp>
+        <p:nvCxnSpPr>
+          <p:cNvPr id="29" name="Connector: Elbow 28">
+            <a:extLst>
+              <a:ext uri="{FF2B5EF4-FFF2-40B4-BE49-F238E27FC236}">
+                <a16:creationId xmlns:a16="http://schemas.microsoft.com/office/drawing/2014/main" id="{F45C6B26-416A-443E-8731-E1F60617843D}"/>
+              </a:ext>
+            </a:extLst>
+          </p:cNvPr>
+          <p:cNvCxnSpPr>
+            <a:stCxn id="22" idx="2"/>
+            <a:endCxn id="23" idx="0"/>
+          </p:cNvCxnSpPr>
+          <p:nvPr/>
+        </p:nvCxnSpPr>
+        <p:spPr>
+          <a:xfrm rot="5400000">
+            <a:off x="6569408" y="5832282"/>
+            <a:ext cx="397673" cy="12700"/>
+          </a:xfrm>
+          <a:prstGeom prst="bentConnector3">
+            <a:avLst/>
+          </a:prstGeom>
+          <a:ln>
+            <a:tailEnd type="triangle"/>
+          </a:ln>
+        </p:spPr>
+        <p:style>
+          <a:lnRef idx="1">
+            <a:schemeClr val="accent1"/>
+          </a:lnRef>
+          <a:fillRef idx="0">
+            <a:schemeClr val="accent1"/>
+          </a:fillRef>
+          <a:effectRef idx="0">
+            <a:schemeClr val="accent1"/>
+          </a:effectRef>
+          <a:fontRef idx="minor">
+            <a:schemeClr val="tx1"/>
+          </a:fontRef>
+        </p:style>
+      </p:cxnSp>
+      <p:sp>
+        <p:nvSpPr>
+          <p:cNvPr id="8" name="Rectangle 7">
+            <a:extLst>
+              <a:ext uri="{FF2B5EF4-FFF2-40B4-BE49-F238E27FC236}">
+                <a16:creationId xmlns:a16="http://schemas.microsoft.com/office/drawing/2014/main" id="{3525F62D-AB6B-4C83-B1E1-DE9D89703FF1}"/>
+              </a:ext>
+            </a:extLst>
+          </p:cNvPr>
+          <p:cNvSpPr/>
+          <p:nvPr/>
+        </p:nvSpPr>
+        <p:spPr>
+          <a:xfrm>
+            <a:off x="5292080" y="3554266"/>
+            <a:ext cx="1152128" cy="300431"/>
+          </a:xfrm>
+          <a:prstGeom prst="rect">
+            <a:avLst/>
+          </a:prstGeom>
+          <a:solidFill>
+            <a:srgbClr val="00B0F0"/>
+          </a:solidFill>
+        </p:spPr>
+        <p:style>
+          <a:lnRef idx="2">
+            <a:schemeClr val="accent1">
+              <a:shade val="50000"/>
+            </a:schemeClr>
+          </a:lnRef>
+          <a:fillRef idx="1">
+            <a:schemeClr val="accent1"/>
+          </a:fillRef>
+          <a:effectRef idx="0">
+            <a:schemeClr val="accent1"/>
+          </a:effectRef>
+          <a:fontRef idx="minor">
+            <a:schemeClr val="lt1"/>
+          </a:fontRef>
+        </p:style>
+        <p:txBody>
+          <a:bodyPr rtlCol="0" anchor="ctr"/>
+          <a:lstStyle/>
+          <a:p>
+            <a:pPr algn="ctr"/>
+            <a:r>
+              <a:rPr lang="en-US" dirty="0"/>
+              <a:t>username</a:t>
+            </a:r>
+          </a:p>
+        </p:txBody>
+      </p:sp>
+      <p:sp>
+        <p:nvSpPr>
+          <p:cNvPr id="26" name="Rectangle 25">
+            <a:extLst>
+              <a:ext uri="{FF2B5EF4-FFF2-40B4-BE49-F238E27FC236}">
+                <a16:creationId xmlns:a16="http://schemas.microsoft.com/office/drawing/2014/main" id="{0968F401-7554-4D5D-92F7-F4E7B6C66F0B}"/>
+              </a:ext>
+            </a:extLst>
+          </p:cNvPr>
+          <p:cNvSpPr/>
+          <p:nvPr/>
+        </p:nvSpPr>
+        <p:spPr>
+          <a:xfrm>
+            <a:off x="1852619" y="4089760"/>
+            <a:ext cx="910704" cy="300431"/>
+          </a:xfrm>
+          <a:prstGeom prst="rect">
+            <a:avLst/>
+          </a:prstGeom>
+          <a:noFill/>
+          <a:ln>
+            <a:noFill/>
+          </a:ln>
+        </p:spPr>
+        <p:style>
+          <a:lnRef idx="2">
+            <a:schemeClr val="accent1">
+              <a:shade val="50000"/>
+            </a:schemeClr>
+          </a:lnRef>
+          <a:fillRef idx="1">
+            <a:schemeClr val="accent1"/>
+          </a:fillRef>
+          <a:effectRef idx="0">
+            <a:schemeClr val="accent1"/>
+          </a:effectRef>
+          <a:fontRef idx="minor">
+            <a:schemeClr val="lt1"/>
+          </a:fontRef>
+        </p:style>
+        <p:txBody>
+          <a:bodyPr rtlCol="0" anchor="ctr"/>
+          <a:lstStyle/>
+          <a:p>
+            <a:pPr algn="ctr"/>
+            <a:r>
+              <a:rPr lang="en-US" sz="1400" dirty="0">
+                <a:solidFill>
+                  <a:schemeClr val="tx1"/>
+                </a:solidFill>
+              </a:rPr>
+              <a:t>username</a:t>
+            </a:r>
+          </a:p>
+        </p:txBody>
+      </p:sp>
+      <p:sp>
+        <p:nvSpPr>
+          <p:cNvPr id="28" name="Rectangle 27">
+            <a:extLst>
+              <a:ext uri="{FF2B5EF4-FFF2-40B4-BE49-F238E27FC236}">
+                <a16:creationId xmlns:a16="http://schemas.microsoft.com/office/drawing/2014/main" id="{F9AB0F72-9268-4A3B-BD4E-9DA5BA29DC71}"/>
+              </a:ext>
+            </a:extLst>
+          </p:cNvPr>
+          <p:cNvSpPr/>
+          <p:nvPr/>
+        </p:nvSpPr>
+        <p:spPr>
+          <a:xfrm>
+            <a:off x="4267014" y="4129975"/>
+            <a:ext cx="910704" cy="300431"/>
+          </a:xfrm>
+          <a:prstGeom prst="rect">
+            <a:avLst/>
+          </a:prstGeom>
+          <a:noFill/>
+          <a:ln>
+            <a:noFill/>
+          </a:ln>
+        </p:spPr>
+        <p:style>
+          <a:lnRef idx="2">
+            <a:schemeClr val="accent1">
+              <a:shade val="50000"/>
+            </a:schemeClr>
+          </a:lnRef>
+          <a:fillRef idx="1">
+            <a:schemeClr val="accent1"/>
+          </a:fillRef>
+          <a:effectRef idx="0">
+            <a:schemeClr val="accent1"/>
+          </a:effectRef>
+          <a:fontRef idx="minor">
+            <a:schemeClr val="lt1"/>
+          </a:fontRef>
+        </p:style>
+        <p:txBody>
+          <a:bodyPr rtlCol="0" anchor="ctr"/>
+          <a:lstStyle/>
+          <a:p>
+            <a:pPr algn="ctr"/>
+            <a:r>
+              <a:rPr lang="en-US" sz="1400" dirty="0">
+                <a:solidFill>
+                  <a:schemeClr val="tx1"/>
+                </a:solidFill>
+              </a:rPr>
+              <a:t>username</a:t>
+            </a:r>
+          </a:p>
+        </p:txBody>
+      </p:sp>
+      <p:sp>
+        <p:nvSpPr>
+          <p:cNvPr id="30" name="Rectangle 29">
+            <a:extLst>
+              <a:ext uri="{FF2B5EF4-FFF2-40B4-BE49-F238E27FC236}">
+                <a16:creationId xmlns:a16="http://schemas.microsoft.com/office/drawing/2014/main" id="{69FF77C4-1791-4639-B0C4-8A40A14D33C2}"/>
+              </a:ext>
+            </a:extLst>
+          </p:cNvPr>
+          <p:cNvSpPr/>
+          <p:nvPr/>
+        </p:nvSpPr>
+        <p:spPr>
+          <a:xfrm>
+            <a:off x="4267014" y="4869160"/>
+            <a:ext cx="910704" cy="300431"/>
+          </a:xfrm>
+          <a:prstGeom prst="rect">
+            <a:avLst/>
+          </a:prstGeom>
+          <a:noFill/>
+          <a:ln>
+            <a:noFill/>
+          </a:ln>
+        </p:spPr>
+        <p:style>
+          <a:lnRef idx="2">
+            <a:schemeClr val="accent1">
+              <a:shade val="50000"/>
+            </a:schemeClr>
+          </a:lnRef>
+          <a:fillRef idx="1">
+            <a:schemeClr val="accent1"/>
+          </a:fillRef>
+          <a:effectRef idx="0">
+            <a:schemeClr val="accent1"/>
+          </a:effectRef>
+          <a:fontRef idx="minor">
+            <a:schemeClr val="lt1"/>
+          </a:fontRef>
+        </p:style>
+        <p:txBody>
+          <a:bodyPr rtlCol="0" anchor="ctr"/>
+          <a:lstStyle/>
+          <a:p>
+            <a:pPr algn="ctr"/>
+            <a:r>
+              <a:rPr lang="en-US" sz="1400" dirty="0">
+                <a:solidFill>
+                  <a:schemeClr val="tx1"/>
+                </a:solidFill>
+              </a:rPr>
+              <a:t>username</a:t>
+            </a:r>
+          </a:p>
+        </p:txBody>
+      </p:sp>
+      <p:sp>
+        <p:nvSpPr>
+          <p:cNvPr id="24" name="Rectangle 23">
+            <a:extLst>
+              <a:ext uri="{FF2B5EF4-FFF2-40B4-BE49-F238E27FC236}">
+                <a16:creationId xmlns:a16="http://schemas.microsoft.com/office/drawing/2014/main" id="{734EF50C-E076-49DA-A951-C09F39B898AD}"/>
+              </a:ext>
+            </a:extLst>
+          </p:cNvPr>
+          <p:cNvSpPr/>
+          <p:nvPr/>
+        </p:nvSpPr>
+        <p:spPr>
+          <a:xfrm>
+            <a:off x="6861818" y="4136353"/>
+            <a:ext cx="910704" cy="300431"/>
+          </a:xfrm>
+          <a:prstGeom prst="rect">
+            <a:avLst/>
+          </a:prstGeom>
+          <a:noFill/>
+          <a:ln>
+            <a:noFill/>
+          </a:ln>
+        </p:spPr>
+        <p:style>
+          <a:lnRef idx="2">
+            <a:schemeClr val="accent1">
+              <a:shade val="50000"/>
+            </a:schemeClr>
+          </a:lnRef>
+          <a:fillRef idx="1">
+            <a:schemeClr val="accent1"/>
+          </a:fillRef>
+          <a:effectRef idx="0">
+            <a:schemeClr val="accent1"/>
+          </a:effectRef>
+          <a:fontRef idx="minor">
+            <a:schemeClr val="lt1"/>
+          </a:fontRef>
+        </p:style>
+        <p:txBody>
+          <a:bodyPr rtlCol="0" anchor="ctr"/>
+          <a:lstStyle/>
+          <a:p>
+            <a:pPr algn="ctr"/>
+            <a:r>
+              <a:rPr lang="en-US" sz="1400" dirty="0">
+                <a:solidFill>
+                  <a:schemeClr val="tx1"/>
+                </a:solidFill>
+              </a:rPr>
+              <a:t>username</a:t>
+            </a:r>
+          </a:p>
+        </p:txBody>
+      </p:sp>
+      <p:sp>
+        <p:nvSpPr>
+          <p:cNvPr id="31" name="Rectangle 30">
+            <a:extLst>
+              <a:ext uri="{FF2B5EF4-FFF2-40B4-BE49-F238E27FC236}">
+                <a16:creationId xmlns:a16="http://schemas.microsoft.com/office/drawing/2014/main" id="{5B9EB45D-1CD2-4141-A8CA-04B318F12788}"/>
+              </a:ext>
+            </a:extLst>
+          </p:cNvPr>
+          <p:cNvSpPr/>
+          <p:nvPr/>
+        </p:nvSpPr>
+        <p:spPr>
+          <a:xfrm>
+            <a:off x="6856292" y="4869160"/>
+            <a:ext cx="910704" cy="300431"/>
+          </a:xfrm>
+          <a:prstGeom prst="rect">
+            <a:avLst/>
+          </a:prstGeom>
+          <a:noFill/>
+          <a:ln>
+            <a:noFill/>
+          </a:ln>
+        </p:spPr>
+        <p:style>
+          <a:lnRef idx="2">
+            <a:schemeClr val="accent1">
+              <a:shade val="50000"/>
+            </a:schemeClr>
+          </a:lnRef>
+          <a:fillRef idx="1">
+            <a:schemeClr val="accent1"/>
+          </a:fillRef>
+          <a:effectRef idx="0">
+            <a:schemeClr val="accent1"/>
+          </a:effectRef>
+          <a:fontRef idx="minor">
+            <a:schemeClr val="lt1"/>
+          </a:fontRef>
+        </p:style>
+        <p:txBody>
+          <a:bodyPr rtlCol="0" anchor="ctr"/>
+          <a:lstStyle/>
+          <a:p>
+            <a:pPr algn="ctr"/>
+            <a:r>
+              <a:rPr lang="en-US" sz="1400" dirty="0">
+                <a:solidFill>
+                  <a:schemeClr val="tx1"/>
+                </a:solidFill>
+              </a:rPr>
+              <a:t>username</a:t>
+            </a:r>
+          </a:p>
+        </p:txBody>
+      </p:sp>
+      <p:sp>
+        <p:nvSpPr>
+          <p:cNvPr id="32" name="Rectangle 31">
+            <a:extLst>
+              <a:ext uri="{FF2B5EF4-FFF2-40B4-BE49-F238E27FC236}">
+                <a16:creationId xmlns:a16="http://schemas.microsoft.com/office/drawing/2014/main" id="{5211D5C6-32E8-4DEE-B3B4-39765455F076}"/>
+              </a:ext>
+            </a:extLst>
+          </p:cNvPr>
+          <p:cNvSpPr/>
+          <p:nvPr/>
+        </p:nvSpPr>
+        <p:spPr>
+          <a:xfrm>
+            <a:off x="6856292" y="5614696"/>
+            <a:ext cx="910704" cy="300431"/>
+          </a:xfrm>
+          <a:prstGeom prst="rect">
+            <a:avLst/>
+          </a:prstGeom>
+          <a:noFill/>
+          <a:ln>
+            <a:noFill/>
+          </a:ln>
+        </p:spPr>
+        <p:style>
+          <a:lnRef idx="2">
+            <a:schemeClr val="accent1">
+              <a:shade val="50000"/>
+            </a:schemeClr>
+          </a:lnRef>
+          <a:fillRef idx="1">
+            <a:schemeClr val="accent1"/>
+          </a:fillRef>
+          <a:effectRef idx="0">
+            <a:schemeClr val="accent1"/>
+          </a:effectRef>
+          <a:fontRef idx="minor">
+            <a:schemeClr val="lt1"/>
+          </a:fontRef>
+        </p:style>
+        <p:txBody>
+          <a:bodyPr rtlCol="0" anchor="ctr"/>
+          <a:lstStyle/>
+          <a:p>
+            <a:pPr algn="ctr"/>
+            <a:r>
+              <a:rPr lang="en-US" sz="1400" dirty="0">
+                <a:solidFill>
+                  <a:schemeClr val="tx1"/>
+                </a:solidFill>
+              </a:rPr>
+              <a:t>username</a:t>
+            </a:r>
+          </a:p>
+        </p:txBody>
+      </p:sp>
+    </p:spTree>
+    <p:extLst>
+      <p:ext uri="{BB962C8B-B14F-4D97-AF65-F5344CB8AC3E}">
+        <p14:creationId xmlns:p14="http://schemas.microsoft.com/office/powerpoint/2010/main" val="1964873487"/>
+      </p:ext>
+    </p:extLst>
   </p:cSld>
   <p:clrMapOvr>
     <a:masterClrMapping/>

--- a/38_Context1.pptx
+++ b/38_Context1.pptx
@@ -5,7 +5,7 @@
     <p:sldMasterId id="2147483648" r:id="rId1"/>
   </p:sldMasterIdLst>
   <p:notesMasterIdLst>
-    <p:notesMasterId r:id="rId13"/>
+    <p:notesMasterId r:id="rId15"/>
   </p:notesMasterIdLst>
   <p:sldIdLst>
     <p:sldId id="256" r:id="rId2"/>
@@ -18,7 +18,9 @@
     <p:sldId id="274" r:id="rId9"/>
     <p:sldId id="275" r:id="rId10"/>
     <p:sldId id="272" r:id="rId11"/>
-    <p:sldId id="259" r:id="rId12"/>
+    <p:sldId id="276" r:id="rId12"/>
+    <p:sldId id="277" r:id="rId13"/>
+    <p:sldId id="259" r:id="rId14"/>
   </p:sldIdLst>
   <p:sldSz cx="9144000" cy="6858000" type="screen4x3"/>
   <p:notesSz cx="6858000" cy="9144000"/>
@@ -219,7 +221,7 @@
             <a:fld id="{6837EDA8-41C8-4B24-A206-13C08A65A6D7}" type="datetimeFigureOut">
               <a:rPr lang="zh-TW" altLang="en-US" smtClean="0"/>
               <a:pPr/>
-              <a:t>2020/5/25</a:t>
+              <a:t>2020/6/29</a:t>
             </a:fld>
             <a:endParaRPr lang="zh-TW" altLang="en-US"/>
           </a:p>
@@ -672,7 +674,7 @@
             <a:fld id="{8B85509C-BD4F-47BF-9B1E-FC2E949B3621}" type="datetime1">
               <a:rPr lang="zh-TW" altLang="en-US" smtClean="0"/>
               <a:pPr/>
-              <a:t>2020/5/25</a:t>
+              <a:t>2020/6/29</a:t>
             </a:fld>
             <a:endParaRPr lang="zh-TW" altLang="en-US"/>
           </a:p>
@@ -845,7 +847,7 @@
             <a:fld id="{42251B24-F787-4C15-8A0F-7AEC20C70069}" type="datetime1">
               <a:rPr lang="zh-TW" altLang="en-US" smtClean="0"/>
               <a:pPr/>
-              <a:t>2020/5/25</a:t>
+              <a:t>2020/6/29</a:t>
             </a:fld>
             <a:endParaRPr lang="zh-TW" altLang="en-US"/>
           </a:p>
@@ -1020,7 +1022,7 @@
             <a:fld id="{9CA0D33C-CE2B-45F1-B8D4-FFD1F131F331}" type="datetime1">
               <a:rPr lang="zh-TW" altLang="en-US" smtClean="0"/>
               <a:pPr/>
-              <a:t>2020/5/25</a:t>
+              <a:t>2020/6/29</a:t>
             </a:fld>
             <a:endParaRPr lang="zh-TW" altLang="en-US"/>
           </a:p>
@@ -1185,7 +1187,7 @@
             <a:fld id="{50B99440-D9EF-40CC-9B52-F6428D9B2C76}" type="datetime1">
               <a:rPr lang="zh-TW" altLang="en-US" smtClean="0"/>
               <a:pPr/>
-              <a:t>2020/5/25</a:t>
+              <a:t>2020/6/29</a:t>
             </a:fld>
             <a:endParaRPr lang="zh-TW" altLang="en-US"/>
           </a:p>
@@ -1427,7 +1429,7 @@
             <a:fld id="{0871BF52-5C6C-4959-8E27-CECB68D39FE4}" type="datetime1">
               <a:rPr lang="zh-TW" altLang="en-US" smtClean="0"/>
               <a:pPr/>
-              <a:t>2020/5/25</a:t>
+              <a:t>2020/6/29</a:t>
             </a:fld>
             <a:endParaRPr lang="zh-TW" altLang="en-US"/>
           </a:p>
@@ -1709,7 +1711,7 @@
             <a:fld id="{DF863F05-2DD9-4EB1-A827-12FD992DE9DC}" type="datetime1">
               <a:rPr lang="zh-TW" altLang="en-US" smtClean="0"/>
               <a:pPr/>
-              <a:t>2020/5/25</a:t>
+              <a:t>2020/6/29</a:t>
             </a:fld>
             <a:endParaRPr lang="zh-TW" altLang="en-US"/>
           </a:p>
@@ -2125,7 +2127,7 @@
             <a:fld id="{6339AF51-4491-4873-A096-75DB6CE47516}" type="datetime1">
               <a:rPr lang="zh-TW" altLang="en-US" smtClean="0"/>
               <a:pPr/>
-              <a:t>2020/5/25</a:t>
+              <a:t>2020/6/29</a:t>
             </a:fld>
             <a:endParaRPr lang="zh-TW" altLang="en-US"/>
           </a:p>
@@ -2239,7 +2241,7 @@
             <a:fld id="{EE4AD9C8-8B9E-40FF-ABE2-858AC2057BBB}" type="datetime1">
               <a:rPr lang="zh-TW" altLang="en-US" smtClean="0"/>
               <a:pPr/>
-              <a:t>2020/5/25</a:t>
+              <a:t>2020/6/29</a:t>
             </a:fld>
             <a:endParaRPr lang="zh-TW" altLang="en-US"/>
           </a:p>
@@ -2331,7 +2333,7 @@
             <a:fld id="{B4784999-BBBE-4BE4-A8D0-877E7D1D66CC}" type="datetime1">
               <a:rPr lang="zh-TW" altLang="en-US" smtClean="0"/>
               <a:pPr/>
-              <a:t>2020/5/25</a:t>
+              <a:t>2020/6/29</a:t>
             </a:fld>
             <a:endParaRPr lang="zh-TW" altLang="en-US"/>
           </a:p>
@@ -2603,7 +2605,7 @@
             <a:fld id="{E88D17E6-02BD-4944-B9FE-7BFCCBF83D48}" type="datetime1">
               <a:rPr lang="zh-TW" altLang="en-US" smtClean="0"/>
               <a:pPr/>
-              <a:t>2020/5/25</a:t>
+              <a:t>2020/6/29</a:t>
             </a:fld>
             <a:endParaRPr lang="zh-TW" altLang="en-US"/>
           </a:p>
@@ -2852,7 +2854,7 @@
             <a:fld id="{3C13E23D-1FEF-4D78-A3A3-3D6F2BB31954}" type="datetime1">
               <a:rPr lang="zh-TW" altLang="en-US" smtClean="0"/>
               <a:pPr/>
-              <a:t>2020/5/25</a:t>
+              <a:t>2020/6/29</a:t>
             </a:fld>
             <a:endParaRPr lang="zh-TW" altLang="en-US"/>
           </a:p>
@@ -3060,7 +3062,7 @@
             <a:fld id="{06197F35-AD6F-4594-8B50-334492D2E7E8}" type="datetime1">
               <a:rPr lang="zh-TW" altLang="en-US" smtClean="0"/>
               <a:pPr/>
-              <a:t>2020/5/25</a:t>
+              <a:t>2020/6/29</a:t>
             </a:fld>
             <a:endParaRPr lang="zh-TW" altLang="en-US"/>
           </a:p>
@@ -3521,7 +3523,7 @@
             <a:fld id="{C389EDC9-19E3-47AC-9C57-C6A24DEA81AD}" type="datetime1">
               <a:rPr lang="zh-TW" altLang="en-US" smtClean="0"/>
               <a:pPr/>
-              <a:t>2020/5/25</a:t>
+              <a:t>2020/6/29</a:t>
             </a:fld>
             <a:endParaRPr lang="zh-TW" altLang="en-US"/>
           </a:p>
@@ -3859,7 +3861,7 @@
             <a:fld id="{A4F910E6-8D00-4BAF-8C48-9688E0B449D3}" type="datetime1">
               <a:rPr lang="zh-TW" altLang="en-US" smtClean="0"/>
               <a:pPr/>
-              <a:t>2020/5/25</a:t>
+              <a:t>2020/6/29</a:t>
             </a:fld>
             <a:endParaRPr lang="zh-TW" altLang="en-US"/>
           </a:p>
@@ -3939,6 +3941,326 @@
             <a:off x="0" y="2130425"/>
             <a:ext cx="9144000" cy="1470025"/>
           </a:xfrm>
+          <a:solidFill>
+            <a:srgbClr val="00B0F0"/>
+          </a:solidFill>
+        </p:spPr>
+        <p:txBody>
+          <a:bodyPr>
+            <a:normAutofit/>
+          </a:bodyPr>
+          <a:lstStyle/>
+          <a:p>
+            <a:r>
+              <a:rPr lang="en-US" altLang="zh-TW" sz="4800" b="1" dirty="0">
+                <a:solidFill>
+                  <a:srgbClr val="FFFF00"/>
+                </a:solidFill>
+              </a:rPr>
+              <a:t>38.1 Quiz</a:t>
+            </a:r>
+            <a:endParaRPr lang="zh-TW" altLang="en-US" sz="4800" b="1" dirty="0">
+              <a:solidFill>
+                <a:srgbClr val="FFFF00"/>
+              </a:solidFill>
+            </a:endParaRPr>
+          </a:p>
+        </p:txBody>
+      </p:sp>
+      <p:sp>
+        <p:nvSpPr>
+          <p:cNvPr id="5" name="日期版面配置區 4"/>
+          <p:cNvSpPr>
+            <a:spLocks noGrp="1"/>
+          </p:cNvSpPr>
+          <p:nvPr>
+            <p:ph type="dt" sz="half" idx="10"/>
+          </p:nvPr>
+        </p:nvSpPr>
+        <p:spPr/>
+        <p:txBody>
+          <a:bodyPr/>
+          <a:lstStyle/>
+          <a:p>
+            <a:fld id="{C389EDC9-19E3-47AC-9C57-C6A24DEA81AD}" type="datetime1">
+              <a:rPr lang="zh-TW" altLang="en-US" smtClean="0"/>
+              <a:pPr/>
+              <a:t>2020/6/29</a:t>
+            </a:fld>
+            <a:endParaRPr lang="zh-TW" altLang="en-US"/>
+          </a:p>
+        </p:txBody>
+      </p:sp>
+      <p:sp>
+        <p:nvSpPr>
+          <p:cNvPr id="6" name="投影片編號版面配置區 5"/>
+          <p:cNvSpPr>
+            <a:spLocks noGrp="1"/>
+          </p:cNvSpPr>
+          <p:nvPr>
+            <p:ph type="sldNum" sz="quarter" idx="12"/>
+          </p:nvPr>
+        </p:nvSpPr>
+        <p:spPr/>
+        <p:txBody>
+          <a:bodyPr/>
+          <a:lstStyle/>
+          <a:p>
+            <a:fld id="{E4D7E63D-91F2-4366-A2C4-1B00C9E2590E}" type="slidenum">
+              <a:rPr lang="zh-TW" altLang="en-US" smtClean="0"/>
+              <a:pPr/>
+              <a:t>11</a:t>
+            </a:fld>
+            <a:endParaRPr lang="zh-TW" altLang="en-US"/>
+          </a:p>
+        </p:txBody>
+      </p:sp>
+      <p:pic>
+        <p:nvPicPr>
+          <p:cNvPr id="2050" name="Picture 2"/>
+          <p:cNvPicPr>
+            <a:picLocks noChangeAspect="1" noChangeArrowheads="1"/>
+          </p:cNvPicPr>
+          <p:nvPr/>
+        </p:nvPicPr>
+        <p:blipFill>
+          <a:blip r:embed="rId2" cstate="print"/>
+          <a:srcRect/>
+          <a:stretch>
+            <a:fillRect/>
+          </a:stretch>
+        </p:blipFill>
+        <p:spPr bwMode="auto">
+          <a:xfrm>
+            <a:off x="4283968" y="3717032"/>
+            <a:ext cx="713805" cy="644588"/>
+          </a:xfrm>
+          <a:prstGeom prst="rect">
+            <a:avLst/>
+          </a:prstGeom>
+          <a:noFill/>
+          <a:ln w="9525">
+            <a:noFill/>
+            <a:miter lim="800000"/>
+            <a:headEnd/>
+            <a:tailEnd/>
+          </a:ln>
+        </p:spPr>
+      </p:pic>
+    </p:spTree>
+    <p:extLst>
+      <p:ext uri="{BB962C8B-B14F-4D97-AF65-F5344CB8AC3E}">
+        <p14:creationId xmlns:p14="http://schemas.microsoft.com/office/powerpoint/2010/main" val="4046413497"/>
+      </p:ext>
+    </p:extLst>
+  </p:cSld>
+  <p:clrMapOvr>
+    <a:masterClrMapping/>
+  </p:clrMapOvr>
+</p:sld>
+</file>
+
+<file path=ppt/slides/slide12.xml><?xml version="1.0" encoding="utf-8"?>
+<p:sld xmlns:a="http://schemas.openxmlformats.org/drawingml/2006/main" xmlns:r="http://schemas.openxmlformats.org/officeDocument/2006/relationships" xmlns:p="http://schemas.openxmlformats.org/presentationml/2006/main">
+  <p:cSld>
+    <p:spTree>
+      <p:nvGrpSpPr>
+        <p:cNvPr id="1" name=""/>
+        <p:cNvGrpSpPr/>
+        <p:nvPr/>
+      </p:nvGrpSpPr>
+      <p:grpSpPr>
+        <a:xfrm>
+          <a:off x="0" y="0"/>
+          <a:ext cx="0" cy="0"/>
+          <a:chOff x="0" y="0"/>
+          <a:chExt cx="0" cy="0"/>
+        </a:xfrm>
+      </p:grpSpPr>
+      <p:sp>
+        <p:nvSpPr>
+          <p:cNvPr id="2" name="標題 1"/>
+          <p:cNvSpPr>
+            <a:spLocks noGrp="1"/>
+          </p:cNvSpPr>
+          <p:nvPr>
+            <p:ph type="ctrTitle"/>
+          </p:nvPr>
+        </p:nvSpPr>
+        <p:spPr>
+          <a:xfrm>
+            <a:off x="0" y="1"/>
+            <a:ext cx="9144000" cy="764704"/>
+          </a:xfrm>
+          <a:gradFill flip="none" rotWithShape="1">
+            <a:gsLst>
+              <a:gs pos="0">
+                <a:srgbClr val="C00000">
+                  <a:shade val="30000"/>
+                  <a:satMod val="115000"/>
+                </a:srgbClr>
+              </a:gs>
+              <a:gs pos="50000">
+                <a:srgbClr val="C00000">
+                  <a:shade val="67500"/>
+                  <a:satMod val="115000"/>
+                </a:srgbClr>
+              </a:gs>
+              <a:gs pos="100000">
+                <a:srgbClr val="C00000">
+                  <a:shade val="100000"/>
+                  <a:satMod val="115000"/>
+                </a:srgbClr>
+              </a:gs>
+            </a:gsLst>
+            <a:path path="circle">
+              <a:fillToRect t="100000" r="100000"/>
+            </a:path>
+            <a:tileRect l="-100000" b="-100000"/>
+          </a:gradFill>
+        </p:spPr>
+        <p:txBody>
+          <a:bodyPr>
+            <a:normAutofit/>
+          </a:bodyPr>
+          <a:lstStyle/>
+          <a:p>
+            <a:pPr algn="l"/>
+            <a:r>
+              <a:rPr lang="en-US" altLang="zh-TW" b="1" dirty="0">
+                <a:solidFill>
+                  <a:srgbClr val="FFFF00"/>
+                </a:solidFill>
+              </a:rPr>
+              <a:t>38.1 Quiz</a:t>
+            </a:r>
+            <a:endParaRPr lang="zh-TW" altLang="en-US" b="1" dirty="0">
+              <a:solidFill>
+                <a:srgbClr val="FFFF00"/>
+              </a:solidFill>
+            </a:endParaRPr>
+          </a:p>
+        </p:txBody>
+      </p:sp>
+      <p:sp>
+        <p:nvSpPr>
+          <p:cNvPr id="3" name="副標題 2"/>
+          <p:cNvSpPr>
+            <a:spLocks noGrp="1"/>
+          </p:cNvSpPr>
+          <p:nvPr>
+            <p:ph type="subTitle" idx="1"/>
+          </p:nvPr>
+        </p:nvSpPr>
+        <p:spPr>
+          <a:xfrm>
+            <a:off x="467544" y="1340767"/>
+            <a:ext cx="8352928" cy="1296145"/>
+          </a:xfrm>
+          <a:ln>
+            <a:solidFill>
+              <a:srgbClr val="C00000"/>
+            </a:solidFill>
+          </a:ln>
+        </p:spPr>
+        <p:txBody>
+          <a:bodyPr>
+            <a:noAutofit/>
+          </a:bodyPr>
+          <a:lstStyle/>
+          <a:p>
+            <a:pPr marL="342900" indent="-342900" algn="l">
+              <a:buClr>
+                <a:srgbClr val="0070C0"/>
+              </a:buClr>
+              <a:buSzPct val="80000"/>
+              <a:buFont typeface="Wingdings" pitchFamily="2" charset="2"/>
+              <a:buChar char="u"/>
+            </a:pPr>
+            <a:r>
+              <a:rPr lang="en-US" altLang="zh-TW" sz="1800" b="1" dirty="0">
+                <a:solidFill>
+                  <a:schemeClr val="tx1"/>
+                </a:solidFill>
+                <a:latin typeface="+mj-lt"/>
+              </a:rPr>
+              <a:t>Quiz</a:t>
+            </a:r>
+          </a:p>
+          <a:p>
+            <a:pPr marL="342900" indent="-342900" algn="l">
+              <a:buClr>
+                <a:srgbClr val="0070C0"/>
+              </a:buClr>
+              <a:buSzPct val="80000"/>
+              <a:buFont typeface="Wingdings" pitchFamily="2" charset="2"/>
+              <a:buChar char="u"/>
+            </a:pPr>
+            <a:r>
+              <a:rPr lang="en-US" altLang="zh-TW" sz="1800" dirty="0">
+                <a:solidFill>
+                  <a:schemeClr val="tx1"/>
+                </a:solidFill>
+                <a:latin typeface="+mj-lt"/>
+              </a:rPr>
+              <a:t>1. What is context?</a:t>
+            </a:r>
+          </a:p>
+          <a:p>
+            <a:pPr marL="342900" indent="-342900" algn="l">
+              <a:buClr>
+                <a:srgbClr val="0070C0"/>
+              </a:buClr>
+              <a:buSzPct val="80000"/>
+              <a:buFont typeface="Wingdings" pitchFamily="2" charset="2"/>
+              <a:buChar char="u"/>
+            </a:pPr>
+            <a:r>
+              <a:rPr lang="en-US" altLang="zh-TW" sz="1800" dirty="0">
+                <a:solidFill>
+                  <a:schemeClr val="tx1"/>
+                </a:solidFill>
+                <a:latin typeface="+mj-lt"/>
+              </a:rPr>
+              <a:t>Ans: Context provides a way </a:t>
+            </a:r>
+            <a:r>
+              <a:rPr lang="en-US" altLang="zh-TW" sz="1800">
+                <a:solidFill>
+                  <a:schemeClr val="tx1"/>
+                </a:solidFill>
+                <a:latin typeface="+mj-lt"/>
+              </a:rPr>
+              <a:t>to share </a:t>
+            </a:r>
+            <a:r>
+              <a:rPr lang="en-US" altLang="zh-TW" sz="1800" dirty="0">
+                <a:solidFill>
+                  <a:schemeClr val="tx1"/>
+                </a:solidFill>
+                <a:latin typeface="+mj-lt"/>
+              </a:rPr>
+              <a:t>data through the component tree without having to pass props down manually at every level.</a:t>
+            </a:r>
+          </a:p>
+        </p:txBody>
+      </p:sp>
+      <p:sp>
+        <p:nvSpPr>
+          <p:cNvPr id="4" name="標題 1"/>
+          <p:cNvSpPr txBox="1">
+            <a:spLocks/>
+          </p:cNvSpPr>
+          <p:nvPr/>
+        </p:nvSpPr>
+        <p:spPr>
+          <a:xfrm>
+            <a:off x="0" y="764704"/>
+            <a:ext cx="9144000" cy="398616"/>
+          </a:xfrm>
+          <a:prstGeom prst="rect">
+            <a:avLst/>
+          </a:prstGeom>
           <a:gradFill flip="none" rotWithShape="1">
             <a:gsLst>
               <a:gs pos="0">
@@ -3967,24 +4289,18 @@
           </a:gradFill>
         </p:spPr>
         <p:txBody>
-          <a:bodyPr>
+          <a:bodyPr vert="horz" lIns="91440" tIns="45720" rIns="91440" bIns="45720" rtlCol="0" anchor="ctr">
             <a:normAutofit/>
           </a:bodyPr>
           <a:lstStyle/>
           <a:p>
             <a:r>
-              <a:rPr lang="en-US" altLang="zh-TW" sz="6000" b="1" dirty="0">
-                <a:solidFill>
-                  <a:srgbClr val="FFFF00"/>
-                </a:solidFill>
+              <a:rPr lang="en-US" sz="1600" dirty="0">
+                <a:hlinkClick r:id="rId2"/>
               </a:rPr>
-              <a:t>End of Chapter</a:t>
-            </a:r>
-            <a:endParaRPr lang="zh-TW" altLang="en-US" sz="6000" b="1" dirty="0">
-              <a:solidFill>
-                <a:srgbClr val="FFFF00"/>
-              </a:solidFill>
-            </a:endParaRPr>
+              <a:t>https://www.youtube.com/watch?v=j3j8St50fNY&amp;list=PLC3y8-rFHvwgg3vaYJgHGnModB54rxOk3&amp;index=38</a:t>
+            </a:r>
+            <a:endParaRPr lang="en-US" altLang="zh-TW" sz="1600" b="1" i="1" dirty="0"/>
           </a:p>
         </p:txBody>
       </p:sp>
@@ -3998,15 +4314,20 @@
             <p:ph type="dt" sz="half" idx="10"/>
           </p:nvPr>
         </p:nvSpPr>
-        <p:spPr/>
+        <p:spPr>
+          <a:xfrm>
+            <a:off x="457200" y="6356350"/>
+            <a:ext cx="2133600" cy="404246"/>
+          </a:xfrm>
+        </p:spPr>
         <p:txBody>
           <a:bodyPr/>
           <a:lstStyle/>
           <a:p>
-            <a:fld id="{4E46BE27-E923-4EC2-B046-3272AE2A3E5C}" type="datetime1">
+            <a:fld id="{A4F910E6-8D00-4BAF-8C48-9688E0B449D3}" type="datetime1">
               <a:rPr lang="zh-TW" altLang="en-US" smtClean="0"/>
               <a:pPr/>
-              <a:t>2020/5/25</a:t>
+              <a:t>2020/6/29</a:t>
             </a:fld>
             <a:endParaRPr lang="zh-TW" altLang="en-US"/>
           </a:p>
@@ -4022,7 +4343,12 @@
             <p:ph type="sldNum" sz="quarter" idx="12"/>
           </p:nvPr>
         </p:nvSpPr>
-        <p:spPr/>
+        <p:spPr>
+          <a:xfrm>
+            <a:off x="6553200" y="6356350"/>
+            <a:ext cx="2133600" cy="404246"/>
+          </a:xfrm>
+        </p:spPr>
         <p:txBody>
           <a:bodyPr/>
           <a:lstStyle/>
@@ -4030,7 +4356,149 @@
             <a:fld id="{E4D7E63D-91F2-4366-A2C4-1B00C9E2590E}" type="slidenum">
               <a:rPr lang="zh-TW" altLang="en-US" smtClean="0"/>
               <a:pPr/>
-              <a:t>11</a:t>
+              <a:t>12</a:t>
+            </a:fld>
+            <a:endParaRPr lang="zh-TW" altLang="en-US"/>
+          </a:p>
+        </p:txBody>
+      </p:sp>
+    </p:spTree>
+    <p:extLst>
+      <p:ext uri="{BB962C8B-B14F-4D97-AF65-F5344CB8AC3E}">
+        <p14:creationId xmlns:p14="http://schemas.microsoft.com/office/powerpoint/2010/main" val="1564526338"/>
+      </p:ext>
+    </p:extLst>
+  </p:cSld>
+  <p:clrMapOvr>
+    <a:masterClrMapping/>
+  </p:clrMapOvr>
+</p:sld>
+</file>
+
+<file path=ppt/slides/slide13.xml><?xml version="1.0" encoding="utf-8"?>
+<p:sld xmlns:a="http://schemas.openxmlformats.org/drawingml/2006/main" xmlns:r="http://schemas.openxmlformats.org/officeDocument/2006/relationships" xmlns:p="http://schemas.openxmlformats.org/presentationml/2006/main">
+  <p:cSld>
+    <p:spTree>
+      <p:nvGrpSpPr>
+        <p:cNvPr id="1" name=""/>
+        <p:cNvGrpSpPr/>
+        <p:nvPr/>
+      </p:nvGrpSpPr>
+      <p:grpSpPr>
+        <a:xfrm>
+          <a:off x="0" y="0"/>
+          <a:ext cx="0" cy="0"/>
+          <a:chOff x="0" y="0"/>
+          <a:chExt cx="0" cy="0"/>
+        </a:xfrm>
+      </p:grpSpPr>
+      <p:sp>
+        <p:nvSpPr>
+          <p:cNvPr id="2" name="標題 1"/>
+          <p:cNvSpPr>
+            <a:spLocks noGrp="1"/>
+          </p:cNvSpPr>
+          <p:nvPr>
+            <p:ph type="ctrTitle"/>
+          </p:nvPr>
+        </p:nvSpPr>
+        <p:spPr>
+          <a:xfrm>
+            <a:off x="0" y="2130425"/>
+            <a:ext cx="9144000" cy="1470025"/>
+          </a:xfrm>
+          <a:gradFill flip="none" rotWithShape="1">
+            <a:gsLst>
+              <a:gs pos="0">
+                <a:srgbClr val="00B0F0">
+                  <a:shade val="30000"/>
+                  <a:satMod val="115000"/>
+                </a:srgbClr>
+              </a:gs>
+              <a:gs pos="50000">
+                <a:srgbClr val="00B0F0">
+                  <a:shade val="67500"/>
+                  <a:satMod val="115000"/>
+                </a:srgbClr>
+              </a:gs>
+              <a:gs pos="100000">
+                <a:srgbClr val="00B0F0">
+                  <a:shade val="100000"/>
+                  <a:satMod val="115000"/>
+                </a:srgbClr>
+              </a:gs>
+            </a:gsLst>
+            <a:path path="circle">
+              <a:fillToRect t="100000" r="100000"/>
+            </a:path>
+            <a:tileRect l="-100000" b="-100000"/>
+          </a:gradFill>
+        </p:spPr>
+        <p:txBody>
+          <a:bodyPr>
+            <a:normAutofit/>
+          </a:bodyPr>
+          <a:lstStyle/>
+          <a:p>
+            <a:r>
+              <a:rPr lang="en-US" altLang="zh-TW" sz="6000" b="1" dirty="0">
+                <a:solidFill>
+                  <a:srgbClr val="FFFF00"/>
+                </a:solidFill>
+              </a:rPr>
+              <a:t>End of Chapter</a:t>
+            </a:r>
+            <a:endParaRPr lang="zh-TW" altLang="en-US" sz="6000" b="1" dirty="0">
+              <a:solidFill>
+                <a:srgbClr val="FFFF00"/>
+              </a:solidFill>
+            </a:endParaRPr>
+          </a:p>
+        </p:txBody>
+      </p:sp>
+      <p:sp>
+        <p:nvSpPr>
+          <p:cNvPr id="5" name="日期版面配置區 4"/>
+          <p:cNvSpPr>
+            <a:spLocks noGrp="1"/>
+          </p:cNvSpPr>
+          <p:nvPr>
+            <p:ph type="dt" sz="half" idx="10"/>
+          </p:nvPr>
+        </p:nvSpPr>
+        <p:spPr/>
+        <p:txBody>
+          <a:bodyPr/>
+          <a:lstStyle/>
+          <a:p>
+            <a:fld id="{4E46BE27-E923-4EC2-B046-3272AE2A3E5C}" type="datetime1">
+              <a:rPr lang="zh-TW" altLang="en-US" smtClean="0"/>
+              <a:pPr/>
+              <a:t>2020/6/29</a:t>
+            </a:fld>
+            <a:endParaRPr lang="zh-TW" altLang="en-US"/>
+          </a:p>
+        </p:txBody>
+      </p:sp>
+      <p:sp>
+        <p:nvSpPr>
+          <p:cNvPr id="6" name="投影片編號版面配置區 5"/>
+          <p:cNvSpPr>
+            <a:spLocks noGrp="1"/>
+          </p:cNvSpPr>
+          <p:nvPr>
+            <p:ph type="sldNum" sz="quarter" idx="12"/>
+          </p:nvPr>
+        </p:nvSpPr>
+        <p:spPr/>
+        <p:txBody>
+          <a:bodyPr/>
+          <a:lstStyle/>
+          <a:p>
+            <a:fld id="{E4D7E63D-91F2-4366-A2C4-1B00C9E2590E}" type="slidenum">
+              <a:rPr lang="zh-TW" altLang="en-US" smtClean="0"/>
+              <a:pPr/>
+              <a:t>13</a:t>
             </a:fld>
             <a:endParaRPr lang="zh-TW" altLang="en-US"/>
           </a:p>
@@ -4293,7 +4761,7 @@
             <a:fld id="{A4F910E6-8D00-4BAF-8C48-9688E0B449D3}" type="datetime1">
               <a:rPr lang="zh-TW" altLang="en-US" smtClean="0"/>
               <a:pPr/>
-              <a:t>2020/5/25</a:t>
+              <a:t>2020/6/29</a:t>
             </a:fld>
             <a:endParaRPr lang="zh-TW" altLang="en-US"/>
           </a:p>
@@ -4650,7 +5118,7 @@
             <a:fld id="{A4F910E6-8D00-4BAF-8C48-9688E0B449D3}" type="datetime1">
               <a:rPr lang="zh-TW" altLang="en-US" smtClean="0"/>
               <a:pPr/>
-              <a:t>2020/5/25</a:t>
+              <a:t>2020/6/29</a:t>
             </a:fld>
             <a:endParaRPr lang="zh-TW" altLang="en-US"/>
           </a:p>
@@ -5603,7 +6071,7 @@
             <a:fld id="{A4F910E6-8D00-4BAF-8C48-9688E0B449D3}" type="datetime1">
               <a:rPr lang="zh-TW" altLang="en-US" smtClean="0"/>
               <a:pPr/>
-              <a:t>2020/5/25</a:t>
+              <a:t>2020/6/29</a:t>
             </a:fld>
             <a:endParaRPr lang="zh-TW" altLang="en-US"/>
           </a:p>
@@ -6613,7 +7081,7 @@
             <a:fld id="{A4F910E6-8D00-4BAF-8C48-9688E0B449D3}" type="datetime1">
               <a:rPr lang="zh-TW" altLang="en-US" smtClean="0"/>
               <a:pPr/>
-              <a:t>2020/5/25</a:t>
+              <a:t>2020/6/29</a:t>
             </a:fld>
             <a:endParaRPr lang="zh-TW" altLang="en-US"/>
           </a:p>
@@ -7903,7 +8371,7 @@
             <a:fld id="{A4F910E6-8D00-4BAF-8C48-9688E0B449D3}" type="datetime1">
               <a:rPr lang="zh-TW" altLang="en-US" smtClean="0"/>
               <a:pPr/>
-              <a:t>2020/5/25</a:t>
+              <a:t>2020/6/29</a:t>
             </a:fld>
             <a:endParaRPr lang="zh-TW" altLang="en-US"/>
           </a:p>
@@ -9230,7 +9698,7 @@
             <a:fld id="{A4F910E6-8D00-4BAF-8C48-9688E0B449D3}" type="datetime1">
               <a:rPr lang="zh-TW" altLang="en-US" smtClean="0"/>
               <a:pPr/>
-              <a:t>2020/5/25</a:t>
+              <a:t>2020/6/29</a:t>
             </a:fld>
             <a:endParaRPr lang="zh-TW" altLang="en-US"/>
           </a:p>
@@ -10550,7 +11018,7 @@
             <a:fld id="{A4F910E6-8D00-4BAF-8C48-9688E0B449D3}" type="datetime1">
               <a:rPr lang="zh-TW" altLang="en-US" smtClean="0"/>
               <a:pPr/>
-              <a:t>2020/5/25</a:t>
+              <a:t>2020/6/29</a:t>
             </a:fld>
             <a:endParaRPr lang="zh-TW" altLang="en-US"/>
           </a:p>
@@ -11870,7 +12338,7 @@
             <a:fld id="{A4F910E6-8D00-4BAF-8C48-9688E0B449D3}" type="datetime1">
               <a:rPr lang="zh-TW" altLang="en-US" smtClean="0"/>
               <a:pPr/>
-              <a:t>2020/5/25</a:t>
+              <a:t>2020/6/29</a:t>
             </a:fld>
             <a:endParaRPr lang="zh-TW" altLang="en-US"/>
           </a:p>
